--- a/deliverables/Week 8 - Presentation_JLD.pptx
+++ b/deliverables/Week 8 - Presentation_JLD.pptx
@@ -5,21 +5,28 @@
     <p:sldMasterId id="2147483648" r:id="rId1"/>
   </p:sldMasterIdLst>
   <p:notesMasterIdLst>
-    <p:notesMasterId r:id="rId14"/>
+    <p:notesMasterId r:id="rId21"/>
   </p:notesMasterIdLst>
   <p:sldIdLst>
     <p:sldId id="256" r:id="rId2"/>
     <p:sldId id="257" r:id="rId3"/>
     <p:sldId id="269" r:id="rId4"/>
     <p:sldId id="265" r:id="rId5"/>
-    <p:sldId id="259" r:id="rId6"/>
+    <p:sldId id="270" r:id="rId6"/>
     <p:sldId id="268" r:id="rId7"/>
     <p:sldId id="263" r:id="rId8"/>
-    <p:sldId id="264" r:id="rId9"/>
-    <p:sldId id="260" r:id="rId10"/>
-    <p:sldId id="266" r:id="rId11"/>
-    <p:sldId id="261" r:id="rId12"/>
-    <p:sldId id="267" r:id="rId13"/>
+    <p:sldId id="271" r:id="rId9"/>
+    <p:sldId id="272" r:id="rId10"/>
+    <p:sldId id="264" r:id="rId11"/>
+    <p:sldId id="274" r:id="rId12"/>
+    <p:sldId id="275" r:id="rId13"/>
+    <p:sldId id="277" r:id="rId14"/>
+    <p:sldId id="278" r:id="rId15"/>
+    <p:sldId id="260" r:id="rId16"/>
+    <p:sldId id="279" r:id="rId17"/>
+    <p:sldId id="266" r:id="rId18"/>
+    <p:sldId id="261" r:id="rId19"/>
+    <p:sldId id="267" r:id="rId20"/>
   </p:sldIdLst>
   <p:sldSz cx="12192000" cy="6858000"/>
   <p:notesSz cx="6858000" cy="9144000"/>
@@ -550,6 +557,390 @@
     <p:extLst>
       <p:ext uri="{BB962C8B-B14F-4D97-AF65-F5344CB8AC3E}">
         <p14:creationId xmlns:p14="http://schemas.microsoft.com/office/powerpoint/2010/main" val="2421766959"/>
+      </p:ext>
+    </p:extLst>
+  </p:cSld>
+  <p:clrMapOvr>
+    <a:masterClrMapping/>
+  </p:clrMapOvr>
+</p:notes>
+</file>
+
+<file path=ppt/notesSlides/notesSlide2.xml><?xml version="1.0" encoding="utf-8"?>
+<p:notes xmlns:a="http://schemas.openxmlformats.org/drawingml/2006/main" xmlns:r="http://schemas.openxmlformats.org/officeDocument/2006/relationships" xmlns:p="http://schemas.openxmlformats.org/presentationml/2006/main">
+  <p:cSld>
+    <p:spTree>
+      <p:nvGrpSpPr>
+        <p:cNvPr id="1" name=""/>
+        <p:cNvGrpSpPr/>
+        <p:nvPr/>
+      </p:nvGrpSpPr>
+      <p:grpSpPr>
+        <a:xfrm>
+          <a:off x="0" y="0"/>
+          <a:ext cx="0" cy="0"/>
+          <a:chOff x="0" y="0"/>
+          <a:chExt cx="0" cy="0"/>
+        </a:xfrm>
+      </p:grpSpPr>
+      <p:sp>
+        <p:nvSpPr>
+          <p:cNvPr id="2" name="Slide Image Placeholder 1"/>
+          <p:cNvSpPr>
+            <a:spLocks noGrp="1" noRot="1" noChangeAspect="1"/>
+          </p:cNvSpPr>
+          <p:nvPr>
+            <p:ph type="sldImg"/>
+          </p:nvPr>
+        </p:nvSpPr>
+        <p:spPr/>
+      </p:sp>
+      <p:sp>
+        <p:nvSpPr>
+          <p:cNvPr id="3" name="Notes Placeholder 2"/>
+          <p:cNvSpPr>
+            <a:spLocks noGrp="1"/>
+          </p:cNvSpPr>
+          <p:nvPr>
+            <p:ph type="body" idx="1"/>
+          </p:nvPr>
+        </p:nvSpPr>
+        <p:spPr/>
+        <p:txBody>
+          <a:bodyPr/>
+          <a:lstStyle/>
+          <a:p>
+            <a:endParaRPr lang="en-US" dirty="0"/>
+          </a:p>
+        </p:txBody>
+      </p:sp>
+      <p:sp>
+        <p:nvSpPr>
+          <p:cNvPr id="4" name="Slide Number Placeholder 3"/>
+          <p:cNvSpPr>
+            <a:spLocks noGrp="1"/>
+          </p:cNvSpPr>
+          <p:nvPr>
+            <p:ph type="sldNum" sz="quarter" idx="5"/>
+          </p:nvPr>
+        </p:nvSpPr>
+        <p:spPr/>
+        <p:txBody>
+          <a:bodyPr/>
+          <a:lstStyle/>
+          <a:p>
+            <a:fld id="{306F0B26-88BC-AB46-94CF-55FDA10D9810}" type="slidenum">
+              <a:rPr lang="en-US" smtClean="0"/>
+              <a:t>8</a:t>
+            </a:fld>
+            <a:endParaRPr lang="en-US"/>
+          </a:p>
+        </p:txBody>
+      </p:sp>
+    </p:spTree>
+    <p:extLst>
+      <p:ext uri="{BB962C8B-B14F-4D97-AF65-F5344CB8AC3E}">
+        <p14:creationId xmlns:p14="http://schemas.microsoft.com/office/powerpoint/2010/main" val="3680352702"/>
+      </p:ext>
+    </p:extLst>
+  </p:cSld>
+  <p:clrMapOvr>
+    <a:masterClrMapping/>
+  </p:clrMapOvr>
+</p:notes>
+</file>
+
+<file path=ppt/notesSlides/notesSlide3.xml><?xml version="1.0" encoding="utf-8"?>
+<p:notes xmlns:a="http://schemas.openxmlformats.org/drawingml/2006/main" xmlns:r="http://schemas.openxmlformats.org/officeDocument/2006/relationships" xmlns:p="http://schemas.openxmlformats.org/presentationml/2006/main">
+  <p:cSld>
+    <p:spTree>
+      <p:nvGrpSpPr>
+        <p:cNvPr id="1" name=""/>
+        <p:cNvGrpSpPr/>
+        <p:nvPr/>
+      </p:nvGrpSpPr>
+      <p:grpSpPr>
+        <a:xfrm>
+          <a:off x="0" y="0"/>
+          <a:ext cx="0" cy="0"/>
+          <a:chOff x="0" y="0"/>
+          <a:chExt cx="0" cy="0"/>
+        </a:xfrm>
+      </p:grpSpPr>
+      <p:sp>
+        <p:nvSpPr>
+          <p:cNvPr id="2" name="Slide Image Placeholder 1"/>
+          <p:cNvSpPr>
+            <a:spLocks noGrp="1" noRot="1" noChangeAspect="1"/>
+          </p:cNvSpPr>
+          <p:nvPr>
+            <p:ph type="sldImg"/>
+          </p:nvPr>
+        </p:nvSpPr>
+        <p:spPr/>
+      </p:sp>
+      <p:sp>
+        <p:nvSpPr>
+          <p:cNvPr id="3" name="Notes Placeholder 2"/>
+          <p:cNvSpPr>
+            <a:spLocks noGrp="1"/>
+          </p:cNvSpPr>
+          <p:nvPr>
+            <p:ph type="body" idx="1"/>
+          </p:nvPr>
+        </p:nvSpPr>
+        <p:spPr/>
+        <p:txBody>
+          <a:bodyPr/>
+          <a:lstStyle/>
+          <a:p>
+            <a:endParaRPr lang="en-US" dirty="0"/>
+          </a:p>
+        </p:txBody>
+      </p:sp>
+      <p:sp>
+        <p:nvSpPr>
+          <p:cNvPr id="4" name="Slide Number Placeholder 3"/>
+          <p:cNvSpPr>
+            <a:spLocks noGrp="1"/>
+          </p:cNvSpPr>
+          <p:nvPr>
+            <p:ph type="sldNum" sz="quarter" idx="5"/>
+          </p:nvPr>
+        </p:nvSpPr>
+        <p:spPr/>
+        <p:txBody>
+          <a:bodyPr/>
+          <a:lstStyle/>
+          <a:p>
+            <a:fld id="{306F0B26-88BC-AB46-94CF-55FDA10D9810}" type="slidenum">
+              <a:rPr lang="en-US" smtClean="0"/>
+              <a:t>12</a:t>
+            </a:fld>
+            <a:endParaRPr lang="en-US"/>
+          </a:p>
+        </p:txBody>
+      </p:sp>
+    </p:spTree>
+    <p:extLst>
+      <p:ext uri="{BB962C8B-B14F-4D97-AF65-F5344CB8AC3E}">
+        <p14:creationId xmlns:p14="http://schemas.microsoft.com/office/powerpoint/2010/main" val="3199706455"/>
+      </p:ext>
+    </p:extLst>
+  </p:cSld>
+  <p:clrMapOvr>
+    <a:masterClrMapping/>
+  </p:clrMapOvr>
+</p:notes>
+</file>
+
+<file path=ppt/notesSlides/notesSlide4.xml><?xml version="1.0" encoding="utf-8"?>
+<p:notes xmlns:a="http://schemas.openxmlformats.org/drawingml/2006/main" xmlns:r="http://schemas.openxmlformats.org/officeDocument/2006/relationships" xmlns:p="http://schemas.openxmlformats.org/presentationml/2006/main">
+  <p:cSld>
+    <p:spTree>
+      <p:nvGrpSpPr>
+        <p:cNvPr id="1" name="">
+          <a:extLst>
+            <a:ext uri="{FF2B5EF4-FFF2-40B4-BE49-F238E27FC236}">
+              <a16:creationId xmlns:a16="http://schemas.microsoft.com/office/drawing/2014/main" id="{EB93D15A-96F5-3DF7-FE27-0D2D019C81B9}"/>
+            </a:ext>
+          </a:extLst>
+        </p:cNvPr>
+        <p:cNvGrpSpPr/>
+        <p:nvPr/>
+      </p:nvGrpSpPr>
+      <p:grpSpPr>
+        <a:xfrm>
+          <a:off x="0" y="0"/>
+          <a:ext cx="0" cy="0"/>
+          <a:chOff x="0" y="0"/>
+          <a:chExt cx="0" cy="0"/>
+        </a:xfrm>
+      </p:grpSpPr>
+      <p:sp>
+        <p:nvSpPr>
+          <p:cNvPr id="2" name="Slide Image Placeholder 1">
+            <a:extLst>
+              <a:ext uri="{FF2B5EF4-FFF2-40B4-BE49-F238E27FC236}">
+                <a16:creationId xmlns:a16="http://schemas.microsoft.com/office/drawing/2014/main" id="{5A8CBA9E-C72E-552C-7CB6-DBDC04C269AA}"/>
+              </a:ext>
+            </a:extLst>
+          </p:cNvPr>
+          <p:cNvSpPr>
+            <a:spLocks noGrp="1" noRot="1" noChangeAspect="1"/>
+          </p:cNvSpPr>
+          <p:nvPr>
+            <p:ph type="sldImg"/>
+          </p:nvPr>
+        </p:nvSpPr>
+        <p:spPr/>
+      </p:sp>
+      <p:sp>
+        <p:nvSpPr>
+          <p:cNvPr id="3" name="Notes Placeholder 2">
+            <a:extLst>
+              <a:ext uri="{FF2B5EF4-FFF2-40B4-BE49-F238E27FC236}">
+                <a16:creationId xmlns:a16="http://schemas.microsoft.com/office/drawing/2014/main" id="{69E87882-0B7B-51D7-906B-8ACB2E9BCC5F}"/>
+              </a:ext>
+            </a:extLst>
+          </p:cNvPr>
+          <p:cNvSpPr>
+            <a:spLocks noGrp="1"/>
+          </p:cNvSpPr>
+          <p:nvPr>
+            <p:ph type="body" idx="1"/>
+          </p:nvPr>
+        </p:nvSpPr>
+        <p:spPr/>
+        <p:txBody>
+          <a:bodyPr/>
+          <a:lstStyle/>
+          <a:p>
+            <a:endParaRPr lang="en-US" dirty="0"/>
+          </a:p>
+        </p:txBody>
+      </p:sp>
+      <p:sp>
+        <p:nvSpPr>
+          <p:cNvPr id="4" name="Slide Number Placeholder 3">
+            <a:extLst>
+              <a:ext uri="{FF2B5EF4-FFF2-40B4-BE49-F238E27FC236}">
+                <a16:creationId xmlns:a16="http://schemas.microsoft.com/office/drawing/2014/main" id="{9127D685-4D1C-8DAC-91D5-D63C65F465B2}"/>
+              </a:ext>
+            </a:extLst>
+          </p:cNvPr>
+          <p:cNvSpPr>
+            <a:spLocks noGrp="1"/>
+          </p:cNvSpPr>
+          <p:nvPr>
+            <p:ph type="sldNum" sz="quarter" idx="5"/>
+          </p:nvPr>
+        </p:nvSpPr>
+        <p:spPr/>
+        <p:txBody>
+          <a:bodyPr/>
+          <a:lstStyle/>
+          <a:p>
+            <a:fld id="{306F0B26-88BC-AB46-94CF-55FDA10D9810}" type="slidenum">
+              <a:rPr lang="en-US" smtClean="0"/>
+              <a:t>13</a:t>
+            </a:fld>
+            <a:endParaRPr lang="en-US"/>
+          </a:p>
+        </p:txBody>
+      </p:sp>
+    </p:spTree>
+    <p:extLst>
+      <p:ext uri="{BB962C8B-B14F-4D97-AF65-F5344CB8AC3E}">
+        <p14:creationId xmlns:p14="http://schemas.microsoft.com/office/powerpoint/2010/main" val="2903377271"/>
+      </p:ext>
+    </p:extLst>
+  </p:cSld>
+  <p:clrMapOvr>
+    <a:masterClrMapping/>
+  </p:clrMapOvr>
+</p:notes>
+</file>
+
+<file path=ppt/notesSlides/notesSlide5.xml><?xml version="1.0" encoding="utf-8"?>
+<p:notes xmlns:a="http://schemas.openxmlformats.org/drawingml/2006/main" xmlns:r="http://schemas.openxmlformats.org/officeDocument/2006/relationships" xmlns:p="http://schemas.openxmlformats.org/presentationml/2006/main">
+  <p:cSld>
+    <p:spTree>
+      <p:nvGrpSpPr>
+        <p:cNvPr id="1" name="">
+          <a:extLst>
+            <a:ext uri="{FF2B5EF4-FFF2-40B4-BE49-F238E27FC236}">
+              <a16:creationId xmlns:a16="http://schemas.microsoft.com/office/drawing/2014/main" id="{C5DE457B-8842-C408-481D-E015924FDDC1}"/>
+            </a:ext>
+          </a:extLst>
+        </p:cNvPr>
+        <p:cNvGrpSpPr/>
+        <p:nvPr/>
+      </p:nvGrpSpPr>
+      <p:grpSpPr>
+        <a:xfrm>
+          <a:off x="0" y="0"/>
+          <a:ext cx="0" cy="0"/>
+          <a:chOff x="0" y="0"/>
+          <a:chExt cx="0" cy="0"/>
+        </a:xfrm>
+      </p:grpSpPr>
+      <p:sp>
+        <p:nvSpPr>
+          <p:cNvPr id="2" name="Slide Image Placeholder 1">
+            <a:extLst>
+              <a:ext uri="{FF2B5EF4-FFF2-40B4-BE49-F238E27FC236}">
+                <a16:creationId xmlns:a16="http://schemas.microsoft.com/office/drawing/2014/main" id="{27CA5705-6D3E-4344-620A-747154C4DA91}"/>
+              </a:ext>
+            </a:extLst>
+          </p:cNvPr>
+          <p:cNvSpPr>
+            <a:spLocks noGrp="1" noRot="1" noChangeAspect="1"/>
+          </p:cNvSpPr>
+          <p:nvPr>
+            <p:ph type="sldImg"/>
+          </p:nvPr>
+        </p:nvSpPr>
+        <p:spPr/>
+      </p:sp>
+      <p:sp>
+        <p:nvSpPr>
+          <p:cNvPr id="3" name="Notes Placeholder 2">
+            <a:extLst>
+              <a:ext uri="{FF2B5EF4-FFF2-40B4-BE49-F238E27FC236}">
+                <a16:creationId xmlns:a16="http://schemas.microsoft.com/office/drawing/2014/main" id="{BBE18CB8-A819-31D3-EDDA-318CDB7C2A64}"/>
+              </a:ext>
+            </a:extLst>
+          </p:cNvPr>
+          <p:cNvSpPr>
+            <a:spLocks noGrp="1"/>
+          </p:cNvSpPr>
+          <p:nvPr>
+            <p:ph type="body" idx="1"/>
+          </p:nvPr>
+        </p:nvSpPr>
+        <p:spPr/>
+        <p:txBody>
+          <a:bodyPr/>
+          <a:lstStyle/>
+          <a:p>
+            <a:endParaRPr lang="en-US" dirty="0"/>
+          </a:p>
+        </p:txBody>
+      </p:sp>
+      <p:sp>
+        <p:nvSpPr>
+          <p:cNvPr id="4" name="Slide Number Placeholder 3">
+            <a:extLst>
+              <a:ext uri="{FF2B5EF4-FFF2-40B4-BE49-F238E27FC236}">
+                <a16:creationId xmlns:a16="http://schemas.microsoft.com/office/drawing/2014/main" id="{332EF0BE-E253-33F8-A107-CE8289D02740}"/>
+              </a:ext>
+            </a:extLst>
+          </p:cNvPr>
+          <p:cNvSpPr>
+            <a:spLocks noGrp="1"/>
+          </p:cNvSpPr>
+          <p:nvPr>
+            <p:ph type="sldNum" sz="quarter" idx="5"/>
+          </p:nvPr>
+        </p:nvSpPr>
+        <p:spPr/>
+        <p:txBody>
+          <a:bodyPr/>
+          <a:lstStyle/>
+          <a:p>
+            <a:fld id="{306F0B26-88BC-AB46-94CF-55FDA10D9810}" type="slidenum">
+              <a:rPr lang="en-US" smtClean="0"/>
+              <a:t>14</a:t>
+            </a:fld>
+            <a:endParaRPr lang="en-US"/>
+          </a:p>
+        </p:txBody>
+      </p:sp>
+    </p:spTree>
+    <p:extLst>
+      <p:ext uri="{BB962C8B-B14F-4D97-AF65-F5344CB8AC3E}">
+        <p14:creationId xmlns:p14="http://schemas.microsoft.com/office/powerpoint/2010/main" val="3517160830"/>
       </p:ext>
     </p:extLst>
   </p:cSld>
@@ -3946,41 +4337,6 @@
           </a:p>
         </p:txBody>
       </p:sp>
-      <p:sp>
-        <p:nvSpPr>
-          <p:cNvPr id="4" name="TextBox 3">
-            <a:extLst>
-              <a:ext uri="{FF2B5EF4-FFF2-40B4-BE49-F238E27FC236}">
-                <a16:creationId xmlns:a16="http://schemas.microsoft.com/office/drawing/2014/main" id="{B8EE6E8F-F316-56CF-71FD-0BD59749D244}"/>
-              </a:ext>
-            </a:extLst>
-          </p:cNvPr>
-          <p:cNvSpPr txBox="1"/>
-          <p:nvPr/>
-        </p:nvSpPr>
-        <p:spPr>
-          <a:xfrm>
-            <a:off x="7196962" y="522328"/>
-            <a:ext cx="3543977" cy="369332"/>
-          </a:xfrm>
-          <a:prstGeom prst="rect">
-            <a:avLst/>
-          </a:prstGeom>
-          <a:noFill/>
-        </p:spPr>
-        <p:txBody>
-          <a:bodyPr wrap="square" rtlCol="0">
-            <a:spAutoFit/>
-          </a:bodyPr>
-          <a:lstStyle/>
-          <a:p>
-            <a:r>
-              <a:rPr lang="en-US" dirty="0"/>
-              <a:t>M-INTRO</a:t>
-            </a:r>
-          </a:p>
-        </p:txBody>
-      </p:sp>
     </p:spTree>
     <p:extLst>
       <p:ext uri="{BB962C8B-B14F-4D97-AF65-F5344CB8AC3E}">
@@ -3995,6 +4351,3019 @@
 </file>
 
 <file path=ppt/slides/slide10.xml><?xml version="1.0" encoding="utf-8"?>
+<p:sld xmlns:a="http://schemas.openxmlformats.org/drawingml/2006/main" xmlns:r="http://schemas.openxmlformats.org/officeDocument/2006/relationships" xmlns:p="http://schemas.openxmlformats.org/presentationml/2006/main">
+  <p:cSld>
+    <p:spTree>
+      <p:nvGrpSpPr>
+        <p:cNvPr id="1" name="">
+          <a:extLst>
+            <a:ext uri="{FF2B5EF4-FFF2-40B4-BE49-F238E27FC236}">
+              <a16:creationId xmlns:a16="http://schemas.microsoft.com/office/drawing/2014/main" id="{583841F6-745A-6365-423E-2E232C5262B2}"/>
+            </a:ext>
+          </a:extLst>
+        </p:cNvPr>
+        <p:cNvGrpSpPr/>
+        <p:nvPr/>
+      </p:nvGrpSpPr>
+      <p:grpSpPr>
+        <a:xfrm>
+          <a:off x="0" y="0"/>
+          <a:ext cx="0" cy="0"/>
+          <a:chOff x="0" y="0"/>
+          <a:chExt cx="0" cy="0"/>
+        </a:xfrm>
+      </p:grpSpPr>
+      <p:sp>
+        <p:nvSpPr>
+          <p:cNvPr id="2" name="Title 1">
+            <a:extLst>
+              <a:ext uri="{FF2B5EF4-FFF2-40B4-BE49-F238E27FC236}">
+                <a16:creationId xmlns:a16="http://schemas.microsoft.com/office/drawing/2014/main" id="{4441D917-56A4-5D7A-393B-700318B8FB09}"/>
+              </a:ext>
+            </a:extLst>
+          </p:cNvPr>
+          <p:cNvSpPr>
+            <a:spLocks noGrp="1"/>
+          </p:cNvSpPr>
+          <p:nvPr>
+            <p:ph type="title"/>
+          </p:nvPr>
+        </p:nvSpPr>
+        <p:spPr/>
+        <p:txBody>
+          <a:bodyPr>
+            <a:normAutofit/>
+          </a:bodyPr>
+          <a:lstStyle/>
+          <a:p>
+            <a:pPr algn="l"/>
+            <a:r>
+              <a:rPr lang="en-US" b="1" dirty="0"/>
+              <a:t>EXPERIMENTATIONS</a:t>
+            </a:r>
+            <a:endParaRPr lang="en-US" dirty="0"/>
+          </a:p>
+        </p:txBody>
+      </p:sp>
+      <p:sp>
+        <p:nvSpPr>
+          <p:cNvPr id="4" name="Rectangle 3">
+            <a:extLst>
+              <a:ext uri="{FF2B5EF4-FFF2-40B4-BE49-F238E27FC236}">
+                <a16:creationId xmlns:a16="http://schemas.microsoft.com/office/drawing/2014/main" id="{8172AB9E-E07E-947A-BE2F-1AD12AEF5AC2}"/>
+              </a:ext>
+            </a:extLst>
+          </p:cNvPr>
+          <p:cNvSpPr/>
+          <p:nvPr/>
+        </p:nvSpPr>
+        <p:spPr>
+          <a:xfrm>
+            <a:off x="11296996" y="33251"/>
+            <a:ext cx="861752" cy="1433779"/>
+          </a:xfrm>
+          <a:prstGeom prst="rect">
+            <a:avLst/>
+          </a:prstGeom>
+          <a:solidFill>
+            <a:srgbClr val="7030A0"/>
+          </a:solidFill>
+          <a:ln>
+            <a:noFill/>
+          </a:ln>
+        </p:spPr>
+        <p:style>
+          <a:lnRef idx="2">
+            <a:schemeClr val="accent1">
+              <a:shade val="15000"/>
+            </a:schemeClr>
+          </a:lnRef>
+          <a:fillRef idx="1">
+            <a:schemeClr val="accent1"/>
+          </a:fillRef>
+          <a:effectRef idx="0">
+            <a:schemeClr val="accent1"/>
+          </a:effectRef>
+          <a:fontRef idx="minor">
+            <a:schemeClr val="lt1"/>
+          </a:fontRef>
+        </p:style>
+        <p:txBody>
+          <a:bodyPr rtlCol="0" anchor="ctr"/>
+          <a:lstStyle/>
+          <a:p>
+            <a:pPr algn="ctr"/>
+            <a:endParaRPr lang="en-US"/>
+          </a:p>
+        </p:txBody>
+      </p:sp>
+      <p:sp>
+        <p:nvSpPr>
+          <p:cNvPr id="6" name="TextBox 5">
+            <a:extLst>
+              <a:ext uri="{FF2B5EF4-FFF2-40B4-BE49-F238E27FC236}">
+                <a16:creationId xmlns:a16="http://schemas.microsoft.com/office/drawing/2014/main" id="{DF8C5438-A59F-38B4-6A20-C87C3E57C60D}"/>
+              </a:ext>
+            </a:extLst>
+          </p:cNvPr>
+          <p:cNvSpPr txBox="1"/>
+          <p:nvPr/>
+        </p:nvSpPr>
+        <p:spPr>
+          <a:xfrm>
+            <a:off x="11168147" y="1146122"/>
+            <a:ext cx="1003068" cy="307777"/>
+          </a:xfrm>
+          <a:prstGeom prst="rect">
+            <a:avLst/>
+          </a:prstGeom>
+          <a:noFill/>
+        </p:spPr>
+        <p:txBody>
+          <a:bodyPr wrap="square" rtlCol="0">
+            <a:spAutoFit/>
+          </a:bodyPr>
+          <a:lstStyle/>
+          <a:p>
+            <a:pPr algn="r"/>
+            <a:r>
+              <a:rPr lang="en-US" sz="1400" dirty="0">
+                <a:solidFill>
+                  <a:schemeClr val="bg1"/>
+                </a:solidFill>
+              </a:rPr>
+              <a:t>SIM</a:t>
+            </a:r>
+          </a:p>
+        </p:txBody>
+      </p:sp>
+      <p:sp>
+        <p:nvSpPr>
+          <p:cNvPr id="5" name="AutoShape 2" descr="Output image">
+            <a:extLst>
+              <a:ext uri="{FF2B5EF4-FFF2-40B4-BE49-F238E27FC236}">
+                <a16:creationId xmlns:a16="http://schemas.microsoft.com/office/drawing/2014/main" id="{E28A4EDB-E04A-1850-2992-1033F995B637}"/>
+              </a:ext>
+            </a:extLst>
+          </p:cNvPr>
+          <p:cNvSpPr>
+            <a:spLocks noChangeAspect="1" noChangeArrowheads="1"/>
+          </p:cNvSpPr>
+          <p:nvPr/>
+        </p:nvSpPr>
+        <p:spPr bwMode="auto">
+          <a:xfrm>
+            <a:off x="5943600" y="3841953"/>
+            <a:ext cx="304800" cy="304800"/>
+          </a:xfrm>
+          <a:prstGeom prst="rect">
+            <a:avLst/>
+          </a:prstGeom>
+          <a:noFill/>
+          <a:extLst>
+            <a:ext uri="{909E8E84-426E-40DD-AFC4-6F175D3DCCD1}">
+              <a14:hiddenFill xmlns:a14="http://schemas.microsoft.com/office/drawing/2010/main">
+                <a:solidFill>
+                  <a:srgbClr val="FFFFFF"/>
+                </a:solidFill>
+              </a14:hiddenFill>
+            </a:ext>
+          </a:extLst>
+        </p:spPr>
+        <p:txBody>
+          <a:bodyPr vert="horz" wrap="square" lIns="91440" tIns="45720" rIns="91440" bIns="45720" numCol="1" anchor="t" anchorCtr="0" compatLnSpc="1">
+            <a:prstTxWarp prst="textNoShape">
+              <a:avLst/>
+            </a:prstTxWarp>
+          </a:bodyPr>
+          <a:lstStyle/>
+          <a:p>
+            <a:endParaRPr lang="en-US"/>
+          </a:p>
+        </p:txBody>
+      </p:sp>
+      <p:pic>
+        <p:nvPicPr>
+          <p:cNvPr id="13" name="Picture 12">
+            <a:extLst>
+              <a:ext uri="{FF2B5EF4-FFF2-40B4-BE49-F238E27FC236}">
+                <a16:creationId xmlns:a16="http://schemas.microsoft.com/office/drawing/2014/main" id="{F6DB4E84-F2A8-D18B-7214-669B72B57CE6}"/>
+              </a:ext>
+            </a:extLst>
+          </p:cNvPr>
+          <p:cNvPicPr>
+            <a:picLocks noChangeAspect="1"/>
+          </p:cNvPicPr>
+          <p:nvPr/>
+        </p:nvPicPr>
+        <p:blipFill>
+          <a:blip r:embed="rId2"/>
+          <a:stretch>
+            <a:fillRect/>
+          </a:stretch>
+        </p:blipFill>
+        <p:spPr>
+          <a:xfrm>
+            <a:off x="8411557" y="2732554"/>
+            <a:ext cx="3175000" cy="3238500"/>
+          </a:xfrm>
+          <a:prstGeom prst="rect">
+            <a:avLst/>
+          </a:prstGeom>
+        </p:spPr>
+      </p:pic>
+      <p:pic>
+        <p:nvPicPr>
+          <p:cNvPr id="14" name="Picture 13">
+            <a:extLst>
+              <a:ext uri="{FF2B5EF4-FFF2-40B4-BE49-F238E27FC236}">
+                <a16:creationId xmlns:a16="http://schemas.microsoft.com/office/drawing/2014/main" id="{ED541A6A-5B86-03E2-39AA-31B266E9E66C}"/>
+              </a:ext>
+            </a:extLst>
+          </p:cNvPr>
+          <p:cNvPicPr>
+            <a:picLocks noChangeAspect="1"/>
+          </p:cNvPicPr>
+          <p:nvPr/>
+        </p:nvPicPr>
+        <p:blipFill>
+          <a:blip r:embed="rId3"/>
+          <a:stretch>
+            <a:fillRect/>
+          </a:stretch>
+        </p:blipFill>
+        <p:spPr>
+          <a:xfrm>
+            <a:off x="4533900" y="2757261"/>
+            <a:ext cx="3136900" cy="3251200"/>
+          </a:xfrm>
+          <a:prstGeom prst="rect">
+            <a:avLst/>
+          </a:prstGeom>
+        </p:spPr>
+      </p:pic>
+      <p:pic>
+        <p:nvPicPr>
+          <p:cNvPr id="15" name="Picture 14">
+            <a:extLst>
+              <a:ext uri="{FF2B5EF4-FFF2-40B4-BE49-F238E27FC236}">
+                <a16:creationId xmlns:a16="http://schemas.microsoft.com/office/drawing/2014/main" id="{E500F6C7-D592-8B6D-8513-26C825AD2BAF}"/>
+              </a:ext>
+            </a:extLst>
+          </p:cNvPr>
+          <p:cNvPicPr>
+            <a:picLocks noChangeAspect="1"/>
+          </p:cNvPicPr>
+          <p:nvPr/>
+        </p:nvPicPr>
+        <p:blipFill>
+          <a:blip r:embed="rId4"/>
+          <a:stretch>
+            <a:fillRect/>
+          </a:stretch>
+        </p:blipFill>
+        <p:spPr>
+          <a:xfrm>
+            <a:off x="630381" y="2750564"/>
+            <a:ext cx="3187700" cy="3276600"/>
+          </a:xfrm>
+          <a:prstGeom prst="rect">
+            <a:avLst/>
+          </a:prstGeom>
+        </p:spPr>
+      </p:pic>
+      <p:sp>
+        <p:nvSpPr>
+          <p:cNvPr id="21" name="TextBox 20">
+            <a:extLst>
+              <a:ext uri="{FF2B5EF4-FFF2-40B4-BE49-F238E27FC236}">
+                <a16:creationId xmlns:a16="http://schemas.microsoft.com/office/drawing/2014/main" id="{E0C9A974-36F3-FEB7-5914-BF121619E37E}"/>
+              </a:ext>
+            </a:extLst>
+          </p:cNvPr>
+          <p:cNvSpPr txBox="1"/>
+          <p:nvPr/>
+        </p:nvSpPr>
+        <p:spPr>
+          <a:xfrm>
+            <a:off x="605442" y="1860762"/>
+            <a:ext cx="2021379" cy="707886"/>
+          </a:xfrm>
+          <a:prstGeom prst="rect">
+            <a:avLst/>
+          </a:prstGeom>
+          <a:noFill/>
+        </p:spPr>
+        <p:txBody>
+          <a:bodyPr wrap="square">
+            <a:spAutoFit/>
+          </a:bodyPr>
+          <a:lstStyle/>
+          <a:p>
+            <a:r>
+              <a:rPr lang="en-US" sz="2000" b="1" dirty="0">
+                <a:solidFill>
+                  <a:schemeClr val="accent1">
+                    <a:lumMod val="75000"/>
+                  </a:schemeClr>
+                </a:solidFill>
+              </a:rPr>
+              <a:t>EXPERIMENT 0</a:t>
+            </a:r>
+          </a:p>
+          <a:p>
+            <a:r>
+              <a:rPr lang="en-US" sz="2000" i="1" dirty="0">
+                <a:solidFill>
+                  <a:schemeClr val="accent1">
+                    <a:lumMod val="75000"/>
+                  </a:schemeClr>
+                </a:solidFill>
+              </a:rPr>
+              <a:t>DEFAULT</a:t>
+            </a:r>
+          </a:p>
+        </p:txBody>
+      </p:sp>
+      <p:sp>
+        <p:nvSpPr>
+          <p:cNvPr id="22" name="TextBox 21">
+            <a:extLst>
+              <a:ext uri="{FF2B5EF4-FFF2-40B4-BE49-F238E27FC236}">
+                <a16:creationId xmlns:a16="http://schemas.microsoft.com/office/drawing/2014/main" id="{E4440B33-67C1-D376-DDE9-90B9933DD066}"/>
+              </a:ext>
+            </a:extLst>
+          </p:cNvPr>
+          <p:cNvSpPr txBox="1"/>
+          <p:nvPr/>
+        </p:nvSpPr>
+        <p:spPr>
+          <a:xfrm>
+            <a:off x="4473631" y="1860762"/>
+            <a:ext cx="2021379" cy="707886"/>
+          </a:xfrm>
+          <a:prstGeom prst="rect">
+            <a:avLst/>
+          </a:prstGeom>
+          <a:noFill/>
+        </p:spPr>
+        <p:txBody>
+          <a:bodyPr wrap="square">
+            <a:spAutoFit/>
+          </a:bodyPr>
+          <a:lstStyle/>
+          <a:p>
+            <a:r>
+              <a:rPr lang="en-US" sz="2000" b="1" dirty="0">
+                <a:solidFill>
+                  <a:schemeClr val="accent1">
+                    <a:lumMod val="75000"/>
+                  </a:schemeClr>
+                </a:solidFill>
+              </a:rPr>
+              <a:t>EXPERIMENT 1</a:t>
+            </a:r>
+          </a:p>
+          <a:p>
+            <a:r>
+              <a:rPr lang="en-US" sz="2000" i="1" dirty="0">
+                <a:solidFill>
+                  <a:schemeClr val="accent1">
+                    <a:lumMod val="75000"/>
+                  </a:schemeClr>
+                </a:solidFill>
+              </a:rPr>
+              <a:t>YOUNGER</a:t>
+            </a:r>
+          </a:p>
+        </p:txBody>
+      </p:sp>
+      <p:sp>
+        <p:nvSpPr>
+          <p:cNvPr id="23" name="TextBox 22">
+            <a:extLst>
+              <a:ext uri="{FF2B5EF4-FFF2-40B4-BE49-F238E27FC236}">
+                <a16:creationId xmlns:a16="http://schemas.microsoft.com/office/drawing/2014/main" id="{9609AE54-BB4F-4785-234F-47FD1C1A88DB}"/>
+              </a:ext>
+            </a:extLst>
+          </p:cNvPr>
+          <p:cNvSpPr txBox="1"/>
+          <p:nvPr/>
+        </p:nvSpPr>
+        <p:spPr>
+          <a:xfrm>
+            <a:off x="8350133" y="1860762"/>
+            <a:ext cx="2021379" cy="707886"/>
+          </a:xfrm>
+          <a:prstGeom prst="rect">
+            <a:avLst/>
+          </a:prstGeom>
+          <a:noFill/>
+        </p:spPr>
+        <p:txBody>
+          <a:bodyPr wrap="square">
+            <a:spAutoFit/>
+          </a:bodyPr>
+          <a:lstStyle/>
+          <a:p>
+            <a:r>
+              <a:rPr lang="en-US" sz="2000" b="1" dirty="0">
+                <a:solidFill>
+                  <a:schemeClr val="accent1">
+                    <a:lumMod val="75000"/>
+                  </a:schemeClr>
+                </a:solidFill>
+              </a:rPr>
+              <a:t>EXPERIMENT 2</a:t>
+            </a:r>
+          </a:p>
+          <a:p>
+            <a:r>
+              <a:rPr lang="en-US" sz="2000" i="1" dirty="0">
+                <a:solidFill>
+                  <a:schemeClr val="accent1">
+                    <a:lumMod val="75000"/>
+                  </a:schemeClr>
+                </a:solidFill>
+              </a:rPr>
+              <a:t>VARIABLE</a:t>
+            </a:r>
+          </a:p>
+        </p:txBody>
+      </p:sp>
+    </p:spTree>
+    <p:extLst>
+      <p:ext uri="{BB962C8B-B14F-4D97-AF65-F5344CB8AC3E}">
+        <p14:creationId xmlns:p14="http://schemas.microsoft.com/office/powerpoint/2010/main" val="721714179"/>
+      </p:ext>
+    </p:extLst>
+  </p:cSld>
+  <p:clrMapOvr>
+    <a:masterClrMapping/>
+  </p:clrMapOvr>
+</p:sld>
+</file>
+
+<file path=ppt/slides/slide11.xml><?xml version="1.0" encoding="utf-8"?>
+<p:sld xmlns:a="http://schemas.openxmlformats.org/drawingml/2006/main" xmlns:r="http://schemas.openxmlformats.org/officeDocument/2006/relationships" xmlns:p="http://schemas.openxmlformats.org/presentationml/2006/main">
+  <p:cSld>
+    <p:spTree>
+      <p:nvGrpSpPr>
+        <p:cNvPr id="1" name="">
+          <a:extLst>
+            <a:ext uri="{FF2B5EF4-FFF2-40B4-BE49-F238E27FC236}">
+              <a16:creationId xmlns:a16="http://schemas.microsoft.com/office/drawing/2014/main" id="{7A610E89-DE6B-6CF4-07DB-689B55E83477}"/>
+            </a:ext>
+          </a:extLst>
+        </p:cNvPr>
+        <p:cNvGrpSpPr/>
+        <p:nvPr/>
+      </p:nvGrpSpPr>
+      <p:grpSpPr>
+        <a:xfrm>
+          <a:off x="0" y="0"/>
+          <a:ext cx="0" cy="0"/>
+          <a:chOff x="0" y="0"/>
+          <a:chExt cx="0" cy="0"/>
+        </a:xfrm>
+      </p:grpSpPr>
+      <p:sp>
+        <p:nvSpPr>
+          <p:cNvPr id="2" name="Title 1">
+            <a:extLst>
+              <a:ext uri="{FF2B5EF4-FFF2-40B4-BE49-F238E27FC236}">
+                <a16:creationId xmlns:a16="http://schemas.microsoft.com/office/drawing/2014/main" id="{7C7CFE75-FACF-1243-9201-A43F69F381F2}"/>
+              </a:ext>
+            </a:extLst>
+          </p:cNvPr>
+          <p:cNvSpPr>
+            <a:spLocks noGrp="1"/>
+          </p:cNvSpPr>
+          <p:nvPr>
+            <p:ph type="title"/>
+          </p:nvPr>
+        </p:nvSpPr>
+        <p:spPr/>
+        <p:txBody>
+          <a:bodyPr>
+            <a:normAutofit/>
+          </a:bodyPr>
+          <a:lstStyle/>
+          <a:p>
+            <a:pPr algn="l"/>
+            <a:r>
+              <a:rPr lang="en-US" b="1" dirty="0"/>
+              <a:t>POPULATION DISTRIBUTION (AGE)</a:t>
+            </a:r>
+            <a:endParaRPr lang="en-US" dirty="0"/>
+          </a:p>
+        </p:txBody>
+      </p:sp>
+      <p:sp>
+        <p:nvSpPr>
+          <p:cNvPr id="6" name="Rectangle 5">
+            <a:extLst>
+              <a:ext uri="{FF2B5EF4-FFF2-40B4-BE49-F238E27FC236}">
+                <a16:creationId xmlns:a16="http://schemas.microsoft.com/office/drawing/2014/main" id="{AC27081A-E21A-8B68-3CF2-3E949B041C87}"/>
+              </a:ext>
+            </a:extLst>
+          </p:cNvPr>
+          <p:cNvSpPr/>
+          <p:nvPr/>
+        </p:nvSpPr>
+        <p:spPr>
+          <a:xfrm>
+            <a:off x="11296996" y="33251"/>
+            <a:ext cx="861752" cy="1433779"/>
+          </a:xfrm>
+          <a:prstGeom prst="rect">
+            <a:avLst/>
+          </a:prstGeom>
+          <a:solidFill>
+            <a:srgbClr val="C00000"/>
+          </a:solidFill>
+          <a:ln>
+            <a:noFill/>
+          </a:ln>
+        </p:spPr>
+        <p:style>
+          <a:lnRef idx="2">
+            <a:schemeClr val="accent1">
+              <a:shade val="15000"/>
+            </a:schemeClr>
+          </a:lnRef>
+          <a:fillRef idx="1">
+            <a:schemeClr val="accent1"/>
+          </a:fillRef>
+          <a:effectRef idx="0">
+            <a:schemeClr val="accent1"/>
+          </a:effectRef>
+          <a:fontRef idx="minor">
+            <a:schemeClr val="lt1"/>
+          </a:fontRef>
+        </p:style>
+        <p:txBody>
+          <a:bodyPr rtlCol="0" anchor="ctr"/>
+          <a:lstStyle/>
+          <a:p>
+            <a:pPr algn="ctr"/>
+            <a:endParaRPr lang="en-US"/>
+          </a:p>
+        </p:txBody>
+      </p:sp>
+      <p:sp>
+        <p:nvSpPr>
+          <p:cNvPr id="7" name="TextBox 6">
+            <a:extLst>
+              <a:ext uri="{FF2B5EF4-FFF2-40B4-BE49-F238E27FC236}">
+                <a16:creationId xmlns:a16="http://schemas.microsoft.com/office/drawing/2014/main" id="{956C9253-DF28-FD91-7D30-C9B4BCBA1588}"/>
+              </a:ext>
+            </a:extLst>
+          </p:cNvPr>
+          <p:cNvSpPr txBox="1"/>
+          <p:nvPr/>
+        </p:nvSpPr>
+        <p:spPr>
+          <a:xfrm>
+            <a:off x="11168147" y="1146122"/>
+            <a:ext cx="1003068" cy="307777"/>
+          </a:xfrm>
+          <a:prstGeom prst="rect">
+            <a:avLst/>
+          </a:prstGeom>
+          <a:noFill/>
+        </p:spPr>
+        <p:txBody>
+          <a:bodyPr wrap="square" rtlCol="0">
+            <a:spAutoFit/>
+          </a:bodyPr>
+          <a:lstStyle/>
+          <a:p>
+            <a:pPr algn="r"/>
+            <a:r>
+              <a:rPr lang="en-US" sz="1400" dirty="0">
+                <a:solidFill>
+                  <a:schemeClr val="bg1"/>
+                </a:solidFill>
+              </a:rPr>
+              <a:t>INSIGHT</a:t>
+            </a:r>
+          </a:p>
+        </p:txBody>
+      </p:sp>
+      <p:pic>
+        <p:nvPicPr>
+          <p:cNvPr id="9" name="Picture 8" descr="A graph of age distribution&#10;&#10;AI-generated content may be incorrect.">
+            <a:extLst>
+              <a:ext uri="{FF2B5EF4-FFF2-40B4-BE49-F238E27FC236}">
+                <a16:creationId xmlns:a16="http://schemas.microsoft.com/office/drawing/2014/main" id="{24837578-6D69-2C46-0552-3D898A0AEAD6}"/>
+              </a:ext>
+            </a:extLst>
+          </p:cNvPr>
+          <p:cNvPicPr>
+            <a:picLocks noChangeAspect="1"/>
+          </p:cNvPicPr>
+          <p:nvPr/>
+        </p:nvPicPr>
+        <p:blipFill>
+          <a:blip r:embed="rId2"/>
+          <a:srcRect t="6904"/>
+          <a:stretch>
+            <a:fillRect/>
+          </a:stretch>
+        </p:blipFill>
+        <p:spPr>
+          <a:xfrm>
+            <a:off x="233800" y="2836412"/>
+            <a:ext cx="3657600" cy="3405048"/>
+          </a:xfrm>
+          <a:prstGeom prst="rect">
+            <a:avLst/>
+          </a:prstGeom>
+        </p:spPr>
+      </p:pic>
+      <p:pic>
+        <p:nvPicPr>
+          <p:cNvPr id="12" name="Picture 11" descr="A graph of age distribution&#10;&#10;AI-generated content may be incorrect.">
+            <a:extLst>
+              <a:ext uri="{FF2B5EF4-FFF2-40B4-BE49-F238E27FC236}">
+                <a16:creationId xmlns:a16="http://schemas.microsoft.com/office/drawing/2014/main" id="{AA92FB2A-1953-F8BA-7B6D-31C67A6FD590}"/>
+              </a:ext>
+            </a:extLst>
+          </p:cNvPr>
+          <p:cNvPicPr>
+            <a:picLocks noChangeAspect="1"/>
+          </p:cNvPicPr>
+          <p:nvPr/>
+        </p:nvPicPr>
+        <p:blipFill>
+          <a:blip r:embed="rId3"/>
+          <a:srcRect t="6904"/>
+          <a:stretch>
+            <a:fillRect/>
+          </a:stretch>
+        </p:blipFill>
+        <p:spPr>
+          <a:xfrm>
+            <a:off x="4055655" y="2836412"/>
+            <a:ext cx="3657600" cy="3405048"/>
+          </a:xfrm>
+          <a:prstGeom prst="rect">
+            <a:avLst/>
+          </a:prstGeom>
+        </p:spPr>
+      </p:pic>
+      <p:pic>
+        <p:nvPicPr>
+          <p:cNvPr id="15" name="Picture 14" descr="A graph of age distribution&#10;&#10;AI-generated content may be incorrect.">
+            <a:extLst>
+              <a:ext uri="{FF2B5EF4-FFF2-40B4-BE49-F238E27FC236}">
+                <a16:creationId xmlns:a16="http://schemas.microsoft.com/office/drawing/2014/main" id="{8EF4E01C-1AD6-3730-9EFE-F894A5C29513}"/>
+              </a:ext>
+            </a:extLst>
+          </p:cNvPr>
+          <p:cNvPicPr>
+            <a:picLocks noChangeAspect="1"/>
+          </p:cNvPicPr>
+          <p:nvPr/>
+        </p:nvPicPr>
+        <p:blipFill>
+          <a:blip r:embed="rId4"/>
+          <a:srcRect t="6904"/>
+          <a:stretch>
+            <a:fillRect/>
+          </a:stretch>
+        </p:blipFill>
+        <p:spPr>
+          <a:xfrm>
+            <a:off x="7877510" y="2836412"/>
+            <a:ext cx="3657600" cy="3405049"/>
+          </a:xfrm>
+          <a:prstGeom prst="rect">
+            <a:avLst/>
+          </a:prstGeom>
+        </p:spPr>
+      </p:pic>
+      <p:sp>
+        <p:nvSpPr>
+          <p:cNvPr id="18" name="TextBox 17">
+            <a:extLst>
+              <a:ext uri="{FF2B5EF4-FFF2-40B4-BE49-F238E27FC236}">
+                <a16:creationId xmlns:a16="http://schemas.microsoft.com/office/drawing/2014/main" id="{E899E748-FDE1-5EF1-5ECB-81C251DCBF84}"/>
+              </a:ext>
+            </a:extLst>
+          </p:cNvPr>
+          <p:cNvSpPr txBox="1"/>
+          <p:nvPr/>
+        </p:nvSpPr>
+        <p:spPr>
+          <a:xfrm>
+            <a:off x="605442" y="1860762"/>
+            <a:ext cx="2021379" cy="707886"/>
+          </a:xfrm>
+          <a:prstGeom prst="rect">
+            <a:avLst/>
+          </a:prstGeom>
+          <a:noFill/>
+        </p:spPr>
+        <p:txBody>
+          <a:bodyPr wrap="square">
+            <a:spAutoFit/>
+          </a:bodyPr>
+          <a:lstStyle/>
+          <a:p>
+            <a:r>
+              <a:rPr lang="en-US" sz="2000" b="1" dirty="0">
+                <a:solidFill>
+                  <a:schemeClr val="accent1">
+                    <a:lumMod val="75000"/>
+                  </a:schemeClr>
+                </a:solidFill>
+              </a:rPr>
+              <a:t>EXPERIMENT 0</a:t>
+            </a:r>
+          </a:p>
+          <a:p>
+            <a:r>
+              <a:rPr lang="en-US" sz="2000" i="1" dirty="0">
+                <a:solidFill>
+                  <a:schemeClr val="accent1">
+                    <a:lumMod val="75000"/>
+                  </a:schemeClr>
+                </a:solidFill>
+              </a:rPr>
+              <a:t>DEFAULT</a:t>
+            </a:r>
+          </a:p>
+        </p:txBody>
+      </p:sp>
+      <p:sp>
+        <p:nvSpPr>
+          <p:cNvPr id="19" name="TextBox 18">
+            <a:extLst>
+              <a:ext uri="{FF2B5EF4-FFF2-40B4-BE49-F238E27FC236}">
+                <a16:creationId xmlns:a16="http://schemas.microsoft.com/office/drawing/2014/main" id="{89376B84-56E2-8BB2-9A90-1442379CE881}"/>
+              </a:ext>
+            </a:extLst>
+          </p:cNvPr>
+          <p:cNvSpPr txBox="1"/>
+          <p:nvPr/>
+        </p:nvSpPr>
+        <p:spPr>
+          <a:xfrm>
+            <a:off x="4473631" y="1860762"/>
+            <a:ext cx="2021379" cy="707886"/>
+          </a:xfrm>
+          <a:prstGeom prst="rect">
+            <a:avLst/>
+          </a:prstGeom>
+          <a:noFill/>
+        </p:spPr>
+        <p:txBody>
+          <a:bodyPr wrap="square">
+            <a:spAutoFit/>
+          </a:bodyPr>
+          <a:lstStyle/>
+          <a:p>
+            <a:r>
+              <a:rPr lang="en-US" sz="2000" b="1" dirty="0">
+                <a:solidFill>
+                  <a:schemeClr val="accent1">
+                    <a:lumMod val="75000"/>
+                  </a:schemeClr>
+                </a:solidFill>
+              </a:rPr>
+              <a:t>EXPERIMENT 1</a:t>
+            </a:r>
+          </a:p>
+          <a:p>
+            <a:r>
+              <a:rPr lang="en-US" sz="2000" i="1" dirty="0">
+                <a:solidFill>
+                  <a:schemeClr val="accent1">
+                    <a:lumMod val="75000"/>
+                  </a:schemeClr>
+                </a:solidFill>
+              </a:rPr>
+              <a:t>YOUNGER</a:t>
+            </a:r>
+          </a:p>
+        </p:txBody>
+      </p:sp>
+      <p:sp>
+        <p:nvSpPr>
+          <p:cNvPr id="20" name="TextBox 19">
+            <a:extLst>
+              <a:ext uri="{FF2B5EF4-FFF2-40B4-BE49-F238E27FC236}">
+                <a16:creationId xmlns:a16="http://schemas.microsoft.com/office/drawing/2014/main" id="{DFC7C06F-CDD9-4B43-513A-C34233F9A95E}"/>
+              </a:ext>
+            </a:extLst>
+          </p:cNvPr>
+          <p:cNvSpPr txBox="1"/>
+          <p:nvPr/>
+        </p:nvSpPr>
+        <p:spPr>
+          <a:xfrm>
+            <a:off x="8350133" y="1860762"/>
+            <a:ext cx="2021379" cy="707886"/>
+          </a:xfrm>
+          <a:prstGeom prst="rect">
+            <a:avLst/>
+          </a:prstGeom>
+          <a:noFill/>
+        </p:spPr>
+        <p:txBody>
+          <a:bodyPr wrap="square">
+            <a:spAutoFit/>
+          </a:bodyPr>
+          <a:lstStyle/>
+          <a:p>
+            <a:r>
+              <a:rPr lang="en-US" sz="2000" b="1" dirty="0">
+                <a:solidFill>
+                  <a:schemeClr val="accent1">
+                    <a:lumMod val="75000"/>
+                  </a:schemeClr>
+                </a:solidFill>
+              </a:rPr>
+              <a:t>EXPERIMENT 2</a:t>
+            </a:r>
+          </a:p>
+          <a:p>
+            <a:r>
+              <a:rPr lang="en-US" sz="2000" i="1" dirty="0">
+                <a:solidFill>
+                  <a:schemeClr val="accent1">
+                    <a:lumMod val="75000"/>
+                  </a:schemeClr>
+                </a:solidFill>
+              </a:rPr>
+              <a:t>VARIABLE</a:t>
+            </a:r>
+          </a:p>
+        </p:txBody>
+      </p:sp>
+    </p:spTree>
+    <p:extLst>
+      <p:ext uri="{BB962C8B-B14F-4D97-AF65-F5344CB8AC3E}">
+        <p14:creationId xmlns:p14="http://schemas.microsoft.com/office/powerpoint/2010/main" val="1499684047"/>
+      </p:ext>
+    </p:extLst>
+  </p:cSld>
+  <p:clrMapOvr>
+    <a:masterClrMapping/>
+  </p:clrMapOvr>
+</p:sld>
+</file>
+
+<file path=ppt/slides/slide12.xml><?xml version="1.0" encoding="utf-8"?>
+<p:sld xmlns:a="http://schemas.openxmlformats.org/drawingml/2006/main" xmlns:r="http://schemas.openxmlformats.org/officeDocument/2006/relationships" xmlns:p="http://schemas.openxmlformats.org/presentationml/2006/main">
+  <p:cSld>
+    <p:spTree>
+      <p:nvGrpSpPr>
+        <p:cNvPr id="1" name="">
+          <a:extLst>
+            <a:ext uri="{FF2B5EF4-FFF2-40B4-BE49-F238E27FC236}">
+              <a16:creationId xmlns:a16="http://schemas.microsoft.com/office/drawing/2014/main" id="{D828D0E9-943C-4796-45DD-654E141FA969}"/>
+            </a:ext>
+          </a:extLst>
+        </p:cNvPr>
+        <p:cNvGrpSpPr/>
+        <p:nvPr/>
+      </p:nvGrpSpPr>
+      <p:grpSpPr>
+        <a:xfrm>
+          <a:off x="0" y="0"/>
+          <a:ext cx="0" cy="0"/>
+          <a:chOff x="0" y="0"/>
+          <a:chExt cx="0" cy="0"/>
+        </a:xfrm>
+      </p:grpSpPr>
+      <p:sp>
+        <p:nvSpPr>
+          <p:cNvPr id="2" name="Title 1">
+            <a:extLst>
+              <a:ext uri="{FF2B5EF4-FFF2-40B4-BE49-F238E27FC236}">
+                <a16:creationId xmlns:a16="http://schemas.microsoft.com/office/drawing/2014/main" id="{9E74BCF9-4DDB-F08F-A87D-C041E1B78A70}"/>
+              </a:ext>
+            </a:extLst>
+          </p:cNvPr>
+          <p:cNvSpPr>
+            <a:spLocks noGrp="1"/>
+          </p:cNvSpPr>
+          <p:nvPr>
+            <p:ph type="title"/>
+          </p:nvPr>
+        </p:nvSpPr>
+        <p:spPr/>
+        <p:txBody>
+          <a:bodyPr>
+            <a:normAutofit/>
+          </a:bodyPr>
+          <a:lstStyle/>
+          <a:p>
+            <a:pPr algn="l"/>
+            <a:r>
+              <a:rPr lang="en-US" b="1" dirty="0"/>
+              <a:t>POPULATION DISTRIBUTION (INCOME)</a:t>
+            </a:r>
+            <a:endParaRPr lang="en-US" dirty="0"/>
+          </a:p>
+        </p:txBody>
+      </p:sp>
+      <p:sp>
+        <p:nvSpPr>
+          <p:cNvPr id="6" name="Rectangle 5">
+            <a:extLst>
+              <a:ext uri="{FF2B5EF4-FFF2-40B4-BE49-F238E27FC236}">
+                <a16:creationId xmlns:a16="http://schemas.microsoft.com/office/drawing/2014/main" id="{F5F44810-11F4-2232-FC69-2D3265FE793D}"/>
+              </a:ext>
+            </a:extLst>
+          </p:cNvPr>
+          <p:cNvSpPr/>
+          <p:nvPr/>
+        </p:nvSpPr>
+        <p:spPr>
+          <a:xfrm>
+            <a:off x="11296996" y="33251"/>
+            <a:ext cx="861752" cy="1433779"/>
+          </a:xfrm>
+          <a:prstGeom prst="rect">
+            <a:avLst/>
+          </a:prstGeom>
+          <a:solidFill>
+            <a:srgbClr val="C00000"/>
+          </a:solidFill>
+          <a:ln>
+            <a:noFill/>
+          </a:ln>
+        </p:spPr>
+        <p:style>
+          <a:lnRef idx="2">
+            <a:schemeClr val="accent1">
+              <a:shade val="15000"/>
+            </a:schemeClr>
+          </a:lnRef>
+          <a:fillRef idx="1">
+            <a:schemeClr val="accent1"/>
+          </a:fillRef>
+          <a:effectRef idx="0">
+            <a:schemeClr val="accent1"/>
+          </a:effectRef>
+          <a:fontRef idx="minor">
+            <a:schemeClr val="lt1"/>
+          </a:fontRef>
+        </p:style>
+        <p:txBody>
+          <a:bodyPr rtlCol="0" anchor="ctr"/>
+          <a:lstStyle/>
+          <a:p>
+            <a:pPr algn="ctr"/>
+            <a:endParaRPr lang="en-US"/>
+          </a:p>
+        </p:txBody>
+      </p:sp>
+      <p:sp>
+        <p:nvSpPr>
+          <p:cNvPr id="7" name="TextBox 6">
+            <a:extLst>
+              <a:ext uri="{FF2B5EF4-FFF2-40B4-BE49-F238E27FC236}">
+                <a16:creationId xmlns:a16="http://schemas.microsoft.com/office/drawing/2014/main" id="{97000857-4889-AEFE-106C-B03C7785B275}"/>
+              </a:ext>
+            </a:extLst>
+          </p:cNvPr>
+          <p:cNvSpPr txBox="1"/>
+          <p:nvPr/>
+        </p:nvSpPr>
+        <p:spPr>
+          <a:xfrm>
+            <a:off x="11168147" y="1146122"/>
+            <a:ext cx="1003068" cy="307777"/>
+          </a:xfrm>
+          <a:prstGeom prst="rect">
+            <a:avLst/>
+          </a:prstGeom>
+          <a:noFill/>
+        </p:spPr>
+        <p:txBody>
+          <a:bodyPr wrap="square" rtlCol="0">
+            <a:spAutoFit/>
+          </a:bodyPr>
+          <a:lstStyle/>
+          <a:p>
+            <a:pPr algn="r"/>
+            <a:r>
+              <a:rPr lang="en-US" sz="1400" dirty="0">
+                <a:solidFill>
+                  <a:schemeClr val="bg1"/>
+                </a:solidFill>
+              </a:rPr>
+              <a:t>INSIGHT</a:t>
+            </a:r>
+          </a:p>
+        </p:txBody>
+      </p:sp>
+      <p:pic>
+        <p:nvPicPr>
+          <p:cNvPr id="19" name="Picture 18" descr="A graph of a credit score distribution&#10;&#10;AI-generated content may be incorrect.">
+            <a:extLst>
+              <a:ext uri="{FF2B5EF4-FFF2-40B4-BE49-F238E27FC236}">
+                <a16:creationId xmlns:a16="http://schemas.microsoft.com/office/drawing/2014/main" id="{7991B82E-4365-EAAC-DA0D-3414F37639C1}"/>
+              </a:ext>
+            </a:extLst>
+          </p:cNvPr>
+          <p:cNvPicPr>
+            <a:picLocks noChangeAspect="1"/>
+          </p:cNvPicPr>
+          <p:nvPr/>
+        </p:nvPicPr>
+        <p:blipFill>
+          <a:blip r:embed="rId3"/>
+          <a:srcRect t="8181"/>
+          <a:stretch>
+            <a:fillRect/>
+          </a:stretch>
+        </p:blipFill>
+        <p:spPr>
+          <a:xfrm>
+            <a:off x="233800" y="2836412"/>
+            <a:ext cx="3657600" cy="3358372"/>
+          </a:xfrm>
+          <a:prstGeom prst="rect">
+            <a:avLst/>
+          </a:prstGeom>
+        </p:spPr>
+      </p:pic>
+      <p:pic>
+        <p:nvPicPr>
+          <p:cNvPr id="20" name="Picture 19" descr="A graph of a credit score distribution&#10;&#10;AI-generated content may be incorrect.">
+            <a:extLst>
+              <a:ext uri="{FF2B5EF4-FFF2-40B4-BE49-F238E27FC236}">
+                <a16:creationId xmlns:a16="http://schemas.microsoft.com/office/drawing/2014/main" id="{625A165E-E4F9-2B27-CA13-F931BAC91C50}"/>
+              </a:ext>
+            </a:extLst>
+          </p:cNvPr>
+          <p:cNvPicPr>
+            <a:picLocks noChangeAspect="1"/>
+          </p:cNvPicPr>
+          <p:nvPr/>
+        </p:nvPicPr>
+        <p:blipFill>
+          <a:blip r:embed="rId4"/>
+          <a:srcRect t="8181"/>
+          <a:stretch>
+            <a:fillRect/>
+          </a:stretch>
+        </p:blipFill>
+        <p:spPr>
+          <a:xfrm>
+            <a:off x="4055655" y="2836412"/>
+            <a:ext cx="3657600" cy="3358372"/>
+          </a:xfrm>
+          <a:prstGeom prst="rect">
+            <a:avLst/>
+          </a:prstGeom>
+        </p:spPr>
+      </p:pic>
+      <p:pic>
+        <p:nvPicPr>
+          <p:cNvPr id="21" name="Picture 20" descr="A graph of a credit score distribution&#10;&#10;AI-generated content may be incorrect.">
+            <a:extLst>
+              <a:ext uri="{FF2B5EF4-FFF2-40B4-BE49-F238E27FC236}">
+                <a16:creationId xmlns:a16="http://schemas.microsoft.com/office/drawing/2014/main" id="{BBA40C7E-17C7-B288-8469-28BB2D4693B0}"/>
+              </a:ext>
+            </a:extLst>
+          </p:cNvPr>
+          <p:cNvPicPr>
+            <a:picLocks noChangeAspect="1"/>
+          </p:cNvPicPr>
+          <p:nvPr/>
+        </p:nvPicPr>
+        <p:blipFill>
+          <a:blip r:embed="rId5"/>
+          <a:srcRect t="8181"/>
+          <a:stretch>
+            <a:fillRect/>
+          </a:stretch>
+        </p:blipFill>
+        <p:spPr>
+          <a:xfrm>
+            <a:off x="7877510" y="2836412"/>
+            <a:ext cx="3657600" cy="3358372"/>
+          </a:xfrm>
+          <a:prstGeom prst="rect">
+            <a:avLst/>
+          </a:prstGeom>
+        </p:spPr>
+      </p:pic>
+      <p:pic>
+        <p:nvPicPr>
+          <p:cNvPr id="26" name="Picture 25" descr="A graph of a distribution of income&#10;&#10;AI-generated content may be incorrect.">
+            <a:extLst>
+              <a:ext uri="{FF2B5EF4-FFF2-40B4-BE49-F238E27FC236}">
+                <a16:creationId xmlns:a16="http://schemas.microsoft.com/office/drawing/2014/main" id="{32008CFC-378C-FBB2-8F29-738C9839DA00}"/>
+              </a:ext>
+            </a:extLst>
+          </p:cNvPr>
+          <p:cNvPicPr>
+            <a:picLocks noChangeAspect="1"/>
+          </p:cNvPicPr>
+          <p:nvPr/>
+        </p:nvPicPr>
+        <p:blipFill>
+          <a:blip r:embed="rId6"/>
+          <a:srcRect t="8181"/>
+          <a:stretch>
+            <a:fillRect/>
+          </a:stretch>
+        </p:blipFill>
+        <p:spPr>
+          <a:xfrm>
+            <a:off x="233800" y="2783962"/>
+            <a:ext cx="3657600" cy="3358372"/>
+          </a:xfrm>
+          <a:prstGeom prst="rect">
+            <a:avLst/>
+          </a:prstGeom>
+        </p:spPr>
+      </p:pic>
+      <p:pic>
+        <p:nvPicPr>
+          <p:cNvPr id="28" name="Picture 27" descr="A graph of a distribution of income&#10;&#10;AI-generated content may be incorrect.">
+            <a:extLst>
+              <a:ext uri="{FF2B5EF4-FFF2-40B4-BE49-F238E27FC236}">
+                <a16:creationId xmlns:a16="http://schemas.microsoft.com/office/drawing/2014/main" id="{26B380F7-3796-ADF3-6E5D-1778B0C3C7C5}"/>
+              </a:ext>
+            </a:extLst>
+          </p:cNvPr>
+          <p:cNvPicPr>
+            <a:picLocks noChangeAspect="1"/>
+          </p:cNvPicPr>
+          <p:nvPr/>
+        </p:nvPicPr>
+        <p:blipFill>
+          <a:blip r:embed="rId7"/>
+          <a:srcRect t="6008"/>
+          <a:stretch>
+            <a:fillRect/>
+          </a:stretch>
+        </p:blipFill>
+        <p:spPr>
+          <a:xfrm>
+            <a:off x="4055655" y="2704513"/>
+            <a:ext cx="3657600" cy="3437821"/>
+          </a:xfrm>
+          <a:prstGeom prst="rect">
+            <a:avLst/>
+          </a:prstGeom>
+        </p:spPr>
+      </p:pic>
+      <p:pic>
+        <p:nvPicPr>
+          <p:cNvPr id="30" name="Picture 29" descr="A graph of a distribution of income&#10;&#10;AI-generated content may be incorrect.">
+            <a:extLst>
+              <a:ext uri="{FF2B5EF4-FFF2-40B4-BE49-F238E27FC236}">
+                <a16:creationId xmlns:a16="http://schemas.microsoft.com/office/drawing/2014/main" id="{5AD91878-2555-B10B-E70E-78C01C111EC3}"/>
+              </a:ext>
+            </a:extLst>
+          </p:cNvPr>
+          <p:cNvPicPr>
+            <a:picLocks noChangeAspect="1"/>
+          </p:cNvPicPr>
+          <p:nvPr/>
+        </p:nvPicPr>
+        <p:blipFill>
+          <a:blip r:embed="rId8"/>
+          <a:srcRect t="7301"/>
+          <a:stretch>
+            <a:fillRect/>
+          </a:stretch>
+        </p:blipFill>
+        <p:spPr>
+          <a:xfrm>
+            <a:off x="7877510" y="2751771"/>
+            <a:ext cx="3657600" cy="3390563"/>
+          </a:xfrm>
+          <a:prstGeom prst="rect">
+            <a:avLst/>
+          </a:prstGeom>
+        </p:spPr>
+      </p:pic>
+      <p:sp>
+        <p:nvSpPr>
+          <p:cNvPr id="31" name="TextBox 30">
+            <a:extLst>
+              <a:ext uri="{FF2B5EF4-FFF2-40B4-BE49-F238E27FC236}">
+                <a16:creationId xmlns:a16="http://schemas.microsoft.com/office/drawing/2014/main" id="{CCF35A22-9955-0988-39E5-373C86885BF2}"/>
+              </a:ext>
+            </a:extLst>
+          </p:cNvPr>
+          <p:cNvSpPr txBox="1"/>
+          <p:nvPr/>
+        </p:nvSpPr>
+        <p:spPr>
+          <a:xfrm>
+            <a:off x="605442" y="1860762"/>
+            <a:ext cx="2021379" cy="707886"/>
+          </a:xfrm>
+          <a:prstGeom prst="rect">
+            <a:avLst/>
+          </a:prstGeom>
+          <a:noFill/>
+        </p:spPr>
+        <p:txBody>
+          <a:bodyPr wrap="square">
+            <a:spAutoFit/>
+          </a:bodyPr>
+          <a:lstStyle/>
+          <a:p>
+            <a:r>
+              <a:rPr lang="en-US" sz="2000" b="1" dirty="0">
+                <a:solidFill>
+                  <a:schemeClr val="accent1">
+                    <a:lumMod val="75000"/>
+                  </a:schemeClr>
+                </a:solidFill>
+              </a:rPr>
+              <a:t>EXPERIMENT 0</a:t>
+            </a:r>
+          </a:p>
+          <a:p>
+            <a:r>
+              <a:rPr lang="en-US" sz="2000" i="1" dirty="0">
+                <a:solidFill>
+                  <a:schemeClr val="accent1">
+                    <a:lumMod val="75000"/>
+                  </a:schemeClr>
+                </a:solidFill>
+              </a:rPr>
+              <a:t>DEFAULT</a:t>
+            </a:r>
+          </a:p>
+        </p:txBody>
+      </p:sp>
+      <p:sp>
+        <p:nvSpPr>
+          <p:cNvPr id="32" name="TextBox 31">
+            <a:extLst>
+              <a:ext uri="{FF2B5EF4-FFF2-40B4-BE49-F238E27FC236}">
+                <a16:creationId xmlns:a16="http://schemas.microsoft.com/office/drawing/2014/main" id="{DCA55135-6771-710B-F7A4-1A8582BDA262}"/>
+              </a:ext>
+            </a:extLst>
+          </p:cNvPr>
+          <p:cNvSpPr txBox="1"/>
+          <p:nvPr/>
+        </p:nvSpPr>
+        <p:spPr>
+          <a:xfrm>
+            <a:off x="4473631" y="1860762"/>
+            <a:ext cx="2021379" cy="707886"/>
+          </a:xfrm>
+          <a:prstGeom prst="rect">
+            <a:avLst/>
+          </a:prstGeom>
+          <a:noFill/>
+        </p:spPr>
+        <p:txBody>
+          <a:bodyPr wrap="square">
+            <a:spAutoFit/>
+          </a:bodyPr>
+          <a:lstStyle/>
+          <a:p>
+            <a:r>
+              <a:rPr lang="en-US" sz="2000" b="1" dirty="0">
+                <a:solidFill>
+                  <a:schemeClr val="accent1">
+                    <a:lumMod val="75000"/>
+                  </a:schemeClr>
+                </a:solidFill>
+              </a:rPr>
+              <a:t>EXPERIMENT 1</a:t>
+            </a:r>
+          </a:p>
+          <a:p>
+            <a:r>
+              <a:rPr lang="en-US" sz="2000" i="1" dirty="0">
+                <a:solidFill>
+                  <a:schemeClr val="accent1">
+                    <a:lumMod val="75000"/>
+                  </a:schemeClr>
+                </a:solidFill>
+              </a:rPr>
+              <a:t>YOUNGER</a:t>
+            </a:r>
+          </a:p>
+        </p:txBody>
+      </p:sp>
+      <p:sp>
+        <p:nvSpPr>
+          <p:cNvPr id="33" name="TextBox 32">
+            <a:extLst>
+              <a:ext uri="{FF2B5EF4-FFF2-40B4-BE49-F238E27FC236}">
+                <a16:creationId xmlns:a16="http://schemas.microsoft.com/office/drawing/2014/main" id="{D382A716-0AE5-B271-2F24-42D42984992A}"/>
+              </a:ext>
+            </a:extLst>
+          </p:cNvPr>
+          <p:cNvSpPr txBox="1"/>
+          <p:nvPr/>
+        </p:nvSpPr>
+        <p:spPr>
+          <a:xfrm>
+            <a:off x="8350133" y="1860762"/>
+            <a:ext cx="2021379" cy="707886"/>
+          </a:xfrm>
+          <a:prstGeom prst="rect">
+            <a:avLst/>
+          </a:prstGeom>
+          <a:noFill/>
+        </p:spPr>
+        <p:txBody>
+          <a:bodyPr wrap="square">
+            <a:spAutoFit/>
+          </a:bodyPr>
+          <a:lstStyle/>
+          <a:p>
+            <a:r>
+              <a:rPr lang="en-US" sz="2000" b="1" dirty="0">
+                <a:solidFill>
+                  <a:schemeClr val="accent1">
+                    <a:lumMod val="75000"/>
+                  </a:schemeClr>
+                </a:solidFill>
+              </a:rPr>
+              <a:t>EXPERIMENT 2</a:t>
+            </a:r>
+          </a:p>
+          <a:p>
+            <a:r>
+              <a:rPr lang="en-US" sz="2000" i="1" dirty="0">
+                <a:solidFill>
+                  <a:schemeClr val="accent1">
+                    <a:lumMod val="75000"/>
+                  </a:schemeClr>
+                </a:solidFill>
+              </a:rPr>
+              <a:t>VARIABLE</a:t>
+            </a:r>
+          </a:p>
+        </p:txBody>
+      </p:sp>
+    </p:spTree>
+    <p:extLst>
+      <p:ext uri="{BB962C8B-B14F-4D97-AF65-F5344CB8AC3E}">
+        <p14:creationId xmlns:p14="http://schemas.microsoft.com/office/powerpoint/2010/main" val="589996217"/>
+      </p:ext>
+    </p:extLst>
+  </p:cSld>
+  <p:clrMapOvr>
+    <a:masterClrMapping/>
+  </p:clrMapOvr>
+</p:sld>
+</file>
+
+<file path=ppt/slides/slide13.xml><?xml version="1.0" encoding="utf-8"?>
+<p:sld xmlns:a="http://schemas.openxmlformats.org/drawingml/2006/main" xmlns:r="http://schemas.openxmlformats.org/officeDocument/2006/relationships" xmlns:p="http://schemas.openxmlformats.org/presentationml/2006/main">
+  <p:cSld>
+    <p:spTree>
+      <p:nvGrpSpPr>
+        <p:cNvPr id="1" name="">
+          <a:extLst>
+            <a:ext uri="{FF2B5EF4-FFF2-40B4-BE49-F238E27FC236}">
+              <a16:creationId xmlns:a16="http://schemas.microsoft.com/office/drawing/2014/main" id="{327ACECD-46F7-A441-F189-8265FF8FA615}"/>
+            </a:ext>
+          </a:extLst>
+        </p:cNvPr>
+        <p:cNvGrpSpPr/>
+        <p:nvPr/>
+      </p:nvGrpSpPr>
+      <p:grpSpPr>
+        <a:xfrm>
+          <a:off x="0" y="0"/>
+          <a:ext cx="0" cy="0"/>
+          <a:chOff x="0" y="0"/>
+          <a:chExt cx="0" cy="0"/>
+        </a:xfrm>
+      </p:grpSpPr>
+      <p:sp>
+        <p:nvSpPr>
+          <p:cNvPr id="2" name="Title 1">
+            <a:extLst>
+              <a:ext uri="{FF2B5EF4-FFF2-40B4-BE49-F238E27FC236}">
+                <a16:creationId xmlns:a16="http://schemas.microsoft.com/office/drawing/2014/main" id="{322A825C-CF5F-CD5B-D773-9546B1587D64}"/>
+              </a:ext>
+            </a:extLst>
+          </p:cNvPr>
+          <p:cNvSpPr>
+            <a:spLocks noGrp="1"/>
+          </p:cNvSpPr>
+          <p:nvPr>
+            <p:ph type="title"/>
+          </p:nvPr>
+        </p:nvSpPr>
+        <p:spPr/>
+        <p:txBody>
+          <a:bodyPr>
+            <a:normAutofit/>
+          </a:bodyPr>
+          <a:lstStyle/>
+          <a:p>
+            <a:pPr algn="l"/>
+            <a:r>
+              <a:rPr lang="en-US" b="1" dirty="0"/>
+              <a:t>POPULATION DISTRIBUTION (CREDIT)</a:t>
+            </a:r>
+            <a:endParaRPr lang="en-US" dirty="0"/>
+          </a:p>
+        </p:txBody>
+      </p:sp>
+      <p:sp>
+        <p:nvSpPr>
+          <p:cNvPr id="6" name="Rectangle 5">
+            <a:extLst>
+              <a:ext uri="{FF2B5EF4-FFF2-40B4-BE49-F238E27FC236}">
+                <a16:creationId xmlns:a16="http://schemas.microsoft.com/office/drawing/2014/main" id="{00DE0B9E-1A36-BC51-8077-29F2B347092D}"/>
+              </a:ext>
+            </a:extLst>
+          </p:cNvPr>
+          <p:cNvSpPr/>
+          <p:nvPr/>
+        </p:nvSpPr>
+        <p:spPr>
+          <a:xfrm>
+            <a:off x="11296996" y="33251"/>
+            <a:ext cx="861752" cy="1433779"/>
+          </a:xfrm>
+          <a:prstGeom prst="rect">
+            <a:avLst/>
+          </a:prstGeom>
+          <a:solidFill>
+            <a:srgbClr val="C00000"/>
+          </a:solidFill>
+          <a:ln>
+            <a:noFill/>
+          </a:ln>
+        </p:spPr>
+        <p:style>
+          <a:lnRef idx="2">
+            <a:schemeClr val="accent1">
+              <a:shade val="15000"/>
+            </a:schemeClr>
+          </a:lnRef>
+          <a:fillRef idx="1">
+            <a:schemeClr val="accent1"/>
+          </a:fillRef>
+          <a:effectRef idx="0">
+            <a:schemeClr val="accent1"/>
+          </a:effectRef>
+          <a:fontRef idx="minor">
+            <a:schemeClr val="lt1"/>
+          </a:fontRef>
+        </p:style>
+        <p:txBody>
+          <a:bodyPr rtlCol="0" anchor="ctr"/>
+          <a:lstStyle/>
+          <a:p>
+            <a:pPr algn="ctr"/>
+            <a:endParaRPr lang="en-US"/>
+          </a:p>
+        </p:txBody>
+      </p:sp>
+      <p:sp>
+        <p:nvSpPr>
+          <p:cNvPr id="7" name="TextBox 6">
+            <a:extLst>
+              <a:ext uri="{FF2B5EF4-FFF2-40B4-BE49-F238E27FC236}">
+                <a16:creationId xmlns:a16="http://schemas.microsoft.com/office/drawing/2014/main" id="{D136C579-6735-F488-D913-833121275524}"/>
+              </a:ext>
+            </a:extLst>
+          </p:cNvPr>
+          <p:cNvSpPr txBox="1"/>
+          <p:nvPr/>
+        </p:nvSpPr>
+        <p:spPr>
+          <a:xfrm>
+            <a:off x="11168147" y="1146122"/>
+            <a:ext cx="1003068" cy="307777"/>
+          </a:xfrm>
+          <a:prstGeom prst="rect">
+            <a:avLst/>
+          </a:prstGeom>
+          <a:noFill/>
+        </p:spPr>
+        <p:txBody>
+          <a:bodyPr wrap="square" rtlCol="0">
+            <a:spAutoFit/>
+          </a:bodyPr>
+          <a:lstStyle/>
+          <a:p>
+            <a:pPr algn="r"/>
+            <a:r>
+              <a:rPr lang="en-US" sz="1400" dirty="0">
+                <a:solidFill>
+                  <a:schemeClr val="bg1"/>
+                </a:solidFill>
+              </a:rPr>
+              <a:t>INSIGHT</a:t>
+            </a:r>
+          </a:p>
+        </p:txBody>
+      </p:sp>
+      <p:pic>
+        <p:nvPicPr>
+          <p:cNvPr id="19" name="Picture 18" descr="A graph of a credit score distribution&#10;&#10;AI-generated content may be incorrect.">
+            <a:extLst>
+              <a:ext uri="{FF2B5EF4-FFF2-40B4-BE49-F238E27FC236}">
+                <a16:creationId xmlns:a16="http://schemas.microsoft.com/office/drawing/2014/main" id="{793D5E04-7960-0045-4447-81BF79D3D4B6}"/>
+              </a:ext>
+            </a:extLst>
+          </p:cNvPr>
+          <p:cNvPicPr>
+            <a:picLocks noChangeAspect="1"/>
+          </p:cNvPicPr>
+          <p:nvPr/>
+        </p:nvPicPr>
+        <p:blipFill>
+          <a:blip r:embed="rId3"/>
+          <a:srcRect t="8181"/>
+          <a:stretch>
+            <a:fillRect/>
+          </a:stretch>
+        </p:blipFill>
+        <p:spPr>
+          <a:xfrm>
+            <a:off x="337497" y="2808131"/>
+            <a:ext cx="3657600" cy="3358372"/>
+          </a:xfrm>
+          <a:prstGeom prst="rect">
+            <a:avLst/>
+          </a:prstGeom>
+        </p:spPr>
+      </p:pic>
+      <p:pic>
+        <p:nvPicPr>
+          <p:cNvPr id="20" name="Picture 19" descr="A graph of a credit score distribution&#10;&#10;AI-generated content may be incorrect.">
+            <a:extLst>
+              <a:ext uri="{FF2B5EF4-FFF2-40B4-BE49-F238E27FC236}">
+                <a16:creationId xmlns:a16="http://schemas.microsoft.com/office/drawing/2014/main" id="{1BE387A6-35ED-BBD0-504F-1082F0614580}"/>
+              </a:ext>
+            </a:extLst>
+          </p:cNvPr>
+          <p:cNvPicPr>
+            <a:picLocks noChangeAspect="1"/>
+          </p:cNvPicPr>
+          <p:nvPr/>
+        </p:nvPicPr>
+        <p:blipFill>
+          <a:blip r:embed="rId4"/>
+          <a:srcRect t="8181"/>
+          <a:stretch>
+            <a:fillRect/>
+          </a:stretch>
+        </p:blipFill>
+        <p:spPr>
+          <a:xfrm>
+            <a:off x="4159352" y="2808131"/>
+            <a:ext cx="3657600" cy="3358372"/>
+          </a:xfrm>
+          <a:prstGeom prst="rect">
+            <a:avLst/>
+          </a:prstGeom>
+        </p:spPr>
+      </p:pic>
+      <p:pic>
+        <p:nvPicPr>
+          <p:cNvPr id="21" name="Picture 20" descr="A graph of a credit score distribution&#10;&#10;AI-generated content may be incorrect.">
+            <a:extLst>
+              <a:ext uri="{FF2B5EF4-FFF2-40B4-BE49-F238E27FC236}">
+                <a16:creationId xmlns:a16="http://schemas.microsoft.com/office/drawing/2014/main" id="{0DBC7858-8E8E-75D1-06B9-1A2B6205C150}"/>
+              </a:ext>
+            </a:extLst>
+          </p:cNvPr>
+          <p:cNvPicPr>
+            <a:picLocks noChangeAspect="1"/>
+          </p:cNvPicPr>
+          <p:nvPr/>
+        </p:nvPicPr>
+        <p:blipFill>
+          <a:blip r:embed="rId5"/>
+          <a:srcRect t="8181"/>
+          <a:stretch>
+            <a:fillRect/>
+          </a:stretch>
+        </p:blipFill>
+        <p:spPr>
+          <a:xfrm>
+            <a:off x="7981207" y="2808131"/>
+            <a:ext cx="3657600" cy="3358372"/>
+          </a:xfrm>
+          <a:prstGeom prst="rect">
+            <a:avLst/>
+          </a:prstGeom>
+        </p:spPr>
+      </p:pic>
+      <p:sp>
+        <p:nvSpPr>
+          <p:cNvPr id="3" name="TextBox 2">
+            <a:extLst>
+              <a:ext uri="{FF2B5EF4-FFF2-40B4-BE49-F238E27FC236}">
+                <a16:creationId xmlns:a16="http://schemas.microsoft.com/office/drawing/2014/main" id="{9CEB0F66-12F2-BBB1-94D5-D6D3B3383E53}"/>
+              </a:ext>
+            </a:extLst>
+          </p:cNvPr>
+          <p:cNvSpPr txBox="1"/>
+          <p:nvPr/>
+        </p:nvSpPr>
+        <p:spPr>
+          <a:xfrm>
+            <a:off x="605442" y="1860762"/>
+            <a:ext cx="2021379" cy="707886"/>
+          </a:xfrm>
+          <a:prstGeom prst="rect">
+            <a:avLst/>
+          </a:prstGeom>
+          <a:noFill/>
+        </p:spPr>
+        <p:txBody>
+          <a:bodyPr wrap="square">
+            <a:spAutoFit/>
+          </a:bodyPr>
+          <a:lstStyle/>
+          <a:p>
+            <a:r>
+              <a:rPr lang="en-US" sz="2000" b="1" dirty="0">
+                <a:solidFill>
+                  <a:schemeClr val="accent1">
+                    <a:lumMod val="75000"/>
+                  </a:schemeClr>
+                </a:solidFill>
+              </a:rPr>
+              <a:t>EXPERIMENT 0</a:t>
+            </a:r>
+          </a:p>
+          <a:p>
+            <a:r>
+              <a:rPr lang="en-US" sz="2000" i="1" dirty="0">
+                <a:solidFill>
+                  <a:schemeClr val="accent1">
+                    <a:lumMod val="75000"/>
+                  </a:schemeClr>
+                </a:solidFill>
+              </a:rPr>
+              <a:t>DEFAULT</a:t>
+            </a:r>
+          </a:p>
+        </p:txBody>
+      </p:sp>
+      <p:sp>
+        <p:nvSpPr>
+          <p:cNvPr id="8" name="TextBox 7">
+            <a:extLst>
+              <a:ext uri="{FF2B5EF4-FFF2-40B4-BE49-F238E27FC236}">
+                <a16:creationId xmlns:a16="http://schemas.microsoft.com/office/drawing/2014/main" id="{D3DF3F16-0B3F-8AB0-775D-5A6D1859BB4D}"/>
+              </a:ext>
+            </a:extLst>
+          </p:cNvPr>
+          <p:cNvSpPr txBox="1"/>
+          <p:nvPr/>
+        </p:nvSpPr>
+        <p:spPr>
+          <a:xfrm>
+            <a:off x="4473631" y="1860762"/>
+            <a:ext cx="2021379" cy="707886"/>
+          </a:xfrm>
+          <a:prstGeom prst="rect">
+            <a:avLst/>
+          </a:prstGeom>
+          <a:noFill/>
+        </p:spPr>
+        <p:txBody>
+          <a:bodyPr wrap="square">
+            <a:spAutoFit/>
+          </a:bodyPr>
+          <a:lstStyle/>
+          <a:p>
+            <a:r>
+              <a:rPr lang="en-US" sz="2000" b="1" dirty="0">
+                <a:solidFill>
+                  <a:schemeClr val="accent1">
+                    <a:lumMod val="75000"/>
+                  </a:schemeClr>
+                </a:solidFill>
+              </a:rPr>
+              <a:t>EXPERIMENT 1</a:t>
+            </a:r>
+          </a:p>
+          <a:p>
+            <a:r>
+              <a:rPr lang="en-US" sz="2000" i="1" dirty="0">
+                <a:solidFill>
+                  <a:schemeClr val="accent1">
+                    <a:lumMod val="75000"/>
+                  </a:schemeClr>
+                </a:solidFill>
+              </a:rPr>
+              <a:t>YOUNGER</a:t>
+            </a:r>
+          </a:p>
+        </p:txBody>
+      </p:sp>
+      <p:sp>
+        <p:nvSpPr>
+          <p:cNvPr id="9" name="TextBox 8">
+            <a:extLst>
+              <a:ext uri="{FF2B5EF4-FFF2-40B4-BE49-F238E27FC236}">
+                <a16:creationId xmlns:a16="http://schemas.microsoft.com/office/drawing/2014/main" id="{F9050A00-2489-229A-01B1-163920F0A5B8}"/>
+              </a:ext>
+            </a:extLst>
+          </p:cNvPr>
+          <p:cNvSpPr txBox="1"/>
+          <p:nvPr/>
+        </p:nvSpPr>
+        <p:spPr>
+          <a:xfrm>
+            <a:off x="8350133" y="1860762"/>
+            <a:ext cx="2021379" cy="707886"/>
+          </a:xfrm>
+          <a:prstGeom prst="rect">
+            <a:avLst/>
+          </a:prstGeom>
+          <a:noFill/>
+        </p:spPr>
+        <p:txBody>
+          <a:bodyPr wrap="square">
+            <a:spAutoFit/>
+          </a:bodyPr>
+          <a:lstStyle/>
+          <a:p>
+            <a:r>
+              <a:rPr lang="en-US" sz="2000" b="1" dirty="0">
+                <a:solidFill>
+                  <a:schemeClr val="accent1">
+                    <a:lumMod val="75000"/>
+                  </a:schemeClr>
+                </a:solidFill>
+              </a:rPr>
+              <a:t>EXPERIMENT 2</a:t>
+            </a:r>
+          </a:p>
+          <a:p>
+            <a:r>
+              <a:rPr lang="en-US" sz="2000" i="1" dirty="0">
+                <a:solidFill>
+                  <a:schemeClr val="accent1">
+                    <a:lumMod val="75000"/>
+                  </a:schemeClr>
+                </a:solidFill>
+              </a:rPr>
+              <a:t>VARIABLE</a:t>
+            </a:r>
+          </a:p>
+        </p:txBody>
+      </p:sp>
+    </p:spTree>
+    <p:extLst>
+      <p:ext uri="{BB962C8B-B14F-4D97-AF65-F5344CB8AC3E}">
+        <p14:creationId xmlns:p14="http://schemas.microsoft.com/office/powerpoint/2010/main" val="3594950774"/>
+      </p:ext>
+    </p:extLst>
+  </p:cSld>
+  <p:clrMapOvr>
+    <a:masterClrMapping/>
+  </p:clrMapOvr>
+</p:sld>
+</file>
+
+<file path=ppt/slides/slide14.xml><?xml version="1.0" encoding="utf-8"?>
+<p:sld xmlns:a="http://schemas.openxmlformats.org/drawingml/2006/main" xmlns:r="http://schemas.openxmlformats.org/officeDocument/2006/relationships" xmlns:p="http://schemas.openxmlformats.org/presentationml/2006/main">
+  <p:cSld>
+    <p:spTree>
+      <p:nvGrpSpPr>
+        <p:cNvPr id="1" name="">
+          <a:extLst>
+            <a:ext uri="{FF2B5EF4-FFF2-40B4-BE49-F238E27FC236}">
+              <a16:creationId xmlns:a16="http://schemas.microsoft.com/office/drawing/2014/main" id="{671B54E0-17AD-3F35-A09D-932937790FCF}"/>
+            </a:ext>
+          </a:extLst>
+        </p:cNvPr>
+        <p:cNvGrpSpPr/>
+        <p:nvPr/>
+      </p:nvGrpSpPr>
+      <p:grpSpPr>
+        <a:xfrm>
+          <a:off x="0" y="0"/>
+          <a:ext cx="0" cy="0"/>
+          <a:chOff x="0" y="0"/>
+          <a:chExt cx="0" cy="0"/>
+        </a:xfrm>
+      </p:grpSpPr>
+      <p:sp>
+        <p:nvSpPr>
+          <p:cNvPr id="2" name="Title 1">
+            <a:extLst>
+              <a:ext uri="{FF2B5EF4-FFF2-40B4-BE49-F238E27FC236}">
+                <a16:creationId xmlns:a16="http://schemas.microsoft.com/office/drawing/2014/main" id="{D9752388-ABC8-D2CA-2952-B32D24B2CC21}"/>
+              </a:ext>
+            </a:extLst>
+          </p:cNvPr>
+          <p:cNvSpPr>
+            <a:spLocks noGrp="1"/>
+          </p:cNvSpPr>
+          <p:nvPr>
+            <p:ph type="title"/>
+          </p:nvPr>
+        </p:nvSpPr>
+        <p:spPr/>
+        <p:txBody>
+          <a:bodyPr>
+            <a:normAutofit/>
+          </a:bodyPr>
+          <a:lstStyle/>
+          <a:p>
+            <a:pPr algn="l"/>
+            <a:r>
+              <a:rPr lang="en-US" b="1" dirty="0"/>
+              <a:t>POPULATION DISTRIBUTION (HEALTH)</a:t>
+            </a:r>
+            <a:endParaRPr lang="en-US" dirty="0"/>
+          </a:p>
+        </p:txBody>
+      </p:sp>
+      <p:sp>
+        <p:nvSpPr>
+          <p:cNvPr id="6" name="Rectangle 5">
+            <a:extLst>
+              <a:ext uri="{FF2B5EF4-FFF2-40B4-BE49-F238E27FC236}">
+                <a16:creationId xmlns:a16="http://schemas.microsoft.com/office/drawing/2014/main" id="{48EB4DD8-2739-86E4-55FD-E5E91A49ED9C}"/>
+              </a:ext>
+            </a:extLst>
+          </p:cNvPr>
+          <p:cNvSpPr/>
+          <p:nvPr/>
+        </p:nvSpPr>
+        <p:spPr>
+          <a:xfrm>
+            <a:off x="11296996" y="33251"/>
+            <a:ext cx="861752" cy="1433779"/>
+          </a:xfrm>
+          <a:prstGeom prst="rect">
+            <a:avLst/>
+          </a:prstGeom>
+          <a:solidFill>
+            <a:srgbClr val="C00000"/>
+          </a:solidFill>
+          <a:ln>
+            <a:noFill/>
+          </a:ln>
+        </p:spPr>
+        <p:style>
+          <a:lnRef idx="2">
+            <a:schemeClr val="accent1">
+              <a:shade val="15000"/>
+            </a:schemeClr>
+          </a:lnRef>
+          <a:fillRef idx="1">
+            <a:schemeClr val="accent1"/>
+          </a:fillRef>
+          <a:effectRef idx="0">
+            <a:schemeClr val="accent1"/>
+          </a:effectRef>
+          <a:fontRef idx="minor">
+            <a:schemeClr val="lt1"/>
+          </a:fontRef>
+        </p:style>
+        <p:txBody>
+          <a:bodyPr rtlCol="0" anchor="ctr"/>
+          <a:lstStyle/>
+          <a:p>
+            <a:pPr algn="ctr"/>
+            <a:endParaRPr lang="en-US"/>
+          </a:p>
+        </p:txBody>
+      </p:sp>
+      <p:sp>
+        <p:nvSpPr>
+          <p:cNvPr id="7" name="TextBox 6">
+            <a:extLst>
+              <a:ext uri="{FF2B5EF4-FFF2-40B4-BE49-F238E27FC236}">
+                <a16:creationId xmlns:a16="http://schemas.microsoft.com/office/drawing/2014/main" id="{999D8386-A0EA-441E-8390-09EB0BCE1ABB}"/>
+              </a:ext>
+            </a:extLst>
+          </p:cNvPr>
+          <p:cNvSpPr txBox="1"/>
+          <p:nvPr/>
+        </p:nvSpPr>
+        <p:spPr>
+          <a:xfrm>
+            <a:off x="11168147" y="1146122"/>
+            <a:ext cx="1003068" cy="307777"/>
+          </a:xfrm>
+          <a:prstGeom prst="rect">
+            <a:avLst/>
+          </a:prstGeom>
+          <a:noFill/>
+        </p:spPr>
+        <p:txBody>
+          <a:bodyPr wrap="square" rtlCol="0">
+            <a:spAutoFit/>
+          </a:bodyPr>
+          <a:lstStyle/>
+          <a:p>
+            <a:pPr algn="r"/>
+            <a:r>
+              <a:rPr lang="en-US" sz="1400" dirty="0">
+                <a:solidFill>
+                  <a:schemeClr val="bg1"/>
+                </a:solidFill>
+              </a:rPr>
+              <a:t>INSIGHT</a:t>
+            </a:r>
+          </a:p>
+        </p:txBody>
+      </p:sp>
+      <p:pic>
+        <p:nvPicPr>
+          <p:cNvPr id="8" name="Picture 7" descr="A pie chart with numbers and a few percentages&#10;&#10;AI-generated content may be incorrect.">
+            <a:extLst>
+              <a:ext uri="{FF2B5EF4-FFF2-40B4-BE49-F238E27FC236}">
+                <a16:creationId xmlns:a16="http://schemas.microsoft.com/office/drawing/2014/main" id="{E18666ED-F62B-AC9B-99B4-D3BAACCE6F8C}"/>
+              </a:ext>
+            </a:extLst>
+          </p:cNvPr>
+          <p:cNvPicPr>
+            <a:picLocks noChangeAspect="1"/>
+          </p:cNvPicPr>
+          <p:nvPr/>
+        </p:nvPicPr>
+        <p:blipFill>
+          <a:blip r:embed="rId3"/>
+          <a:srcRect t="19068"/>
+          <a:stretch>
+            <a:fillRect/>
+          </a:stretch>
+        </p:blipFill>
+        <p:spPr>
+          <a:xfrm>
+            <a:off x="353448" y="3129699"/>
+            <a:ext cx="3657600" cy="2960175"/>
+          </a:xfrm>
+          <a:prstGeom prst="rect">
+            <a:avLst/>
+          </a:prstGeom>
+        </p:spPr>
+      </p:pic>
+      <p:pic>
+        <p:nvPicPr>
+          <p:cNvPr id="10" name="Picture 9" descr="A pie chart with numbers and a few percentages&#10;&#10;AI-generated content may be incorrect.">
+            <a:extLst>
+              <a:ext uri="{FF2B5EF4-FFF2-40B4-BE49-F238E27FC236}">
+                <a16:creationId xmlns:a16="http://schemas.microsoft.com/office/drawing/2014/main" id="{C2C6DA5C-0F43-54F0-3771-2B1001F2C2A5}"/>
+              </a:ext>
+            </a:extLst>
+          </p:cNvPr>
+          <p:cNvPicPr>
+            <a:picLocks noChangeAspect="1"/>
+          </p:cNvPicPr>
+          <p:nvPr/>
+        </p:nvPicPr>
+        <p:blipFill>
+          <a:blip r:embed="rId3"/>
+          <a:srcRect t="19068"/>
+          <a:stretch>
+            <a:fillRect/>
+          </a:stretch>
+        </p:blipFill>
+        <p:spPr>
+          <a:xfrm>
+            <a:off x="4254692" y="3129698"/>
+            <a:ext cx="3657600" cy="2960176"/>
+          </a:xfrm>
+          <a:prstGeom prst="rect">
+            <a:avLst/>
+          </a:prstGeom>
+        </p:spPr>
+      </p:pic>
+      <p:pic>
+        <p:nvPicPr>
+          <p:cNvPr id="12" name="Picture 11" descr="A pie chart with numbers and a few percentages&#10;&#10;AI-generated content may be incorrect.">
+            <a:extLst>
+              <a:ext uri="{FF2B5EF4-FFF2-40B4-BE49-F238E27FC236}">
+                <a16:creationId xmlns:a16="http://schemas.microsoft.com/office/drawing/2014/main" id="{7BF9300E-743F-6F46-95F7-B1CEAD3274E0}"/>
+              </a:ext>
+            </a:extLst>
+          </p:cNvPr>
+          <p:cNvPicPr>
+            <a:picLocks noChangeAspect="1"/>
+          </p:cNvPicPr>
+          <p:nvPr/>
+        </p:nvPicPr>
+        <p:blipFill>
+          <a:blip r:embed="rId4"/>
+          <a:srcRect t="19068"/>
+          <a:stretch>
+            <a:fillRect/>
+          </a:stretch>
+        </p:blipFill>
+        <p:spPr>
+          <a:xfrm>
+            <a:off x="8146509" y="3129698"/>
+            <a:ext cx="3657600" cy="2960176"/>
+          </a:xfrm>
+          <a:prstGeom prst="rect">
+            <a:avLst/>
+          </a:prstGeom>
+        </p:spPr>
+      </p:pic>
+      <p:sp>
+        <p:nvSpPr>
+          <p:cNvPr id="13" name="TextBox 12">
+            <a:extLst>
+              <a:ext uri="{FF2B5EF4-FFF2-40B4-BE49-F238E27FC236}">
+                <a16:creationId xmlns:a16="http://schemas.microsoft.com/office/drawing/2014/main" id="{33F4B0C0-64F4-EBDC-E615-11883CAE5812}"/>
+              </a:ext>
+            </a:extLst>
+          </p:cNvPr>
+          <p:cNvSpPr txBox="1"/>
+          <p:nvPr/>
+        </p:nvSpPr>
+        <p:spPr>
+          <a:xfrm>
+            <a:off x="605442" y="1860762"/>
+            <a:ext cx="2021379" cy="707886"/>
+          </a:xfrm>
+          <a:prstGeom prst="rect">
+            <a:avLst/>
+          </a:prstGeom>
+          <a:noFill/>
+        </p:spPr>
+        <p:txBody>
+          <a:bodyPr wrap="square">
+            <a:spAutoFit/>
+          </a:bodyPr>
+          <a:lstStyle/>
+          <a:p>
+            <a:r>
+              <a:rPr lang="en-US" sz="2000" b="1" dirty="0">
+                <a:solidFill>
+                  <a:schemeClr val="accent1">
+                    <a:lumMod val="75000"/>
+                  </a:schemeClr>
+                </a:solidFill>
+              </a:rPr>
+              <a:t>EXPERIMENT 0</a:t>
+            </a:r>
+          </a:p>
+          <a:p>
+            <a:r>
+              <a:rPr lang="en-US" sz="2000" i="1" dirty="0">
+                <a:solidFill>
+                  <a:schemeClr val="accent1">
+                    <a:lumMod val="75000"/>
+                  </a:schemeClr>
+                </a:solidFill>
+              </a:rPr>
+              <a:t>DEFAULT</a:t>
+            </a:r>
+          </a:p>
+        </p:txBody>
+      </p:sp>
+      <p:sp>
+        <p:nvSpPr>
+          <p:cNvPr id="14" name="TextBox 13">
+            <a:extLst>
+              <a:ext uri="{FF2B5EF4-FFF2-40B4-BE49-F238E27FC236}">
+                <a16:creationId xmlns:a16="http://schemas.microsoft.com/office/drawing/2014/main" id="{CDF481ED-2CB1-9B68-88CE-5A70045F1111}"/>
+              </a:ext>
+            </a:extLst>
+          </p:cNvPr>
+          <p:cNvSpPr txBox="1"/>
+          <p:nvPr/>
+        </p:nvSpPr>
+        <p:spPr>
+          <a:xfrm>
+            <a:off x="4473631" y="1860762"/>
+            <a:ext cx="2021379" cy="707886"/>
+          </a:xfrm>
+          <a:prstGeom prst="rect">
+            <a:avLst/>
+          </a:prstGeom>
+          <a:noFill/>
+        </p:spPr>
+        <p:txBody>
+          <a:bodyPr wrap="square">
+            <a:spAutoFit/>
+          </a:bodyPr>
+          <a:lstStyle/>
+          <a:p>
+            <a:r>
+              <a:rPr lang="en-US" sz="2000" b="1" dirty="0">
+                <a:solidFill>
+                  <a:schemeClr val="accent1">
+                    <a:lumMod val="75000"/>
+                  </a:schemeClr>
+                </a:solidFill>
+              </a:rPr>
+              <a:t>EXPERIMENT 1</a:t>
+            </a:r>
+          </a:p>
+          <a:p>
+            <a:r>
+              <a:rPr lang="en-US" sz="2000" i="1" dirty="0">
+                <a:solidFill>
+                  <a:schemeClr val="accent1">
+                    <a:lumMod val="75000"/>
+                  </a:schemeClr>
+                </a:solidFill>
+              </a:rPr>
+              <a:t>YOUNGER</a:t>
+            </a:r>
+          </a:p>
+        </p:txBody>
+      </p:sp>
+      <p:sp>
+        <p:nvSpPr>
+          <p:cNvPr id="15" name="TextBox 14">
+            <a:extLst>
+              <a:ext uri="{FF2B5EF4-FFF2-40B4-BE49-F238E27FC236}">
+                <a16:creationId xmlns:a16="http://schemas.microsoft.com/office/drawing/2014/main" id="{B4D5FFEE-FF6D-1707-25EA-923CE5D222C2}"/>
+              </a:ext>
+            </a:extLst>
+          </p:cNvPr>
+          <p:cNvSpPr txBox="1"/>
+          <p:nvPr/>
+        </p:nvSpPr>
+        <p:spPr>
+          <a:xfrm>
+            <a:off x="8350133" y="1860762"/>
+            <a:ext cx="2021379" cy="707886"/>
+          </a:xfrm>
+          <a:prstGeom prst="rect">
+            <a:avLst/>
+          </a:prstGeom>
+          <a:noFill/>
+        </p:spPr>
+        <p:txBody>
+          <a:bodyPr wrap="square">
+            <a:spAutoFit/>
+          </a:bodyPr>
+          <a:lstStyle/>
+          <a:p>
+            <a:r>
+              <a:rPr lang="en-US" sz="2000" b="1" dirty="0">
+                <a:solidFill>
+                  <a:schemeClr val="accent1">
+                    <a:lumMod val="75000"/>
+                  </a:schemeClr>
+                </a:solidFill>
+              </a:rPr>
+              <a:t>EXPERIMENT 2</a:t>
+            </a:r>
+          </a:p>
+          <a:p>
+            <a:r>
+              <a:rPr lang="en-US" sz="2000" i="1" dirty="0">
+                <a:solidFill>
+                  <a:schemeClr val="accent1">
+                    <a:lumMod val="75000"/>
+                  </a:schemeClr>
+                </a:solidFill>
+              </a:rPr>
+              <a:t>VARIABLE</a:t>
+            </a:r>
+          </a:p>
+        </p:txBody>
+      </p:sp>
+    </p:spTree>
+    <p:extLst>
+      <p:ext uri="{BB962C8B-B14F-4D97-AF65-F5344CB8AC3E}">
+        <p14:creationId xmlns:p14="http://schemas.microsoft.com/office/powerpoint/2010/main" val="2065472123"/>
+      </p:ext>
+    </p:extLst>
+  </p:cSld>
+  <p:clrMapOvr>
+    <a:masterClrMapping/>
+  </p:clrMapOvr>
+</p:sld>
+</file>
+
+<file path=ppt/slides/slide15.xml><?xml version="1.0" encoding="utf-8"?>
+<p:sld xmlns:a="http://schemas.openxmlformats.org/drawingml/2006/main" xmlns:r="http://schemas.openxmlformats.org/officeDocument/2006/relationships" xmlns:p="http://schemas.openxmlformats.org/presentationml/2006/main">
+  <p:cSld>
+    <p:spTree>
+      <p:nvGrpSpPr>
+        <p:cNvPr id="1" name="">
+          <a:extLst>
+            <a:ext uri="{FF2B5EF4-FFF2-40B4-BE49-F238E27FC236}">
+              <a16:creationId xmlns:a16="http://schemas.microsoft.com/office/drawing/2014/main" id="{A92F35A9-FE58-391A-7D26-F916A958EAD8}"/>
+            </a:ext>
+          </a:extLst>
+        </p:cNvPr>
+        <p:cNvGrpSpPr/>
+        <p:nvPr/>
+      </p:nvGrpSpPr>
+      <p:grpSpPr>
+        <a:xfrm>
+          <a:off x="0" y="0"/>
+          <a:ext cx="0" cy="0"/>
+          <a:chOff x="0" y="0"/>
+          <a:chExt cx="0" cy="0"/>
+        </a:xfrm>
+      </p:grpSpPr>
+      <p:sp>
+        <p:nvSpPr>
+          <p:cNvPr id="2" name="Title 1">
+            <a:extLst>
+              <a:ext uri="{FF2B5EF4-FFF2-40B4-BE49-F238E27FC236}">
+                <a16:creationId xmlns:a16="http://schemas.microsoft.com/office/drawing/2014/main" id="{014FB0F3-5E32-1D6A-9863-6D63950D62CB}"/>
+              </a:ext>
+            </a:extLst>
+          </p:cNvPr>
+          <p:cNvSpPr>
+            <a:spLocks noGrp="1"/>
+          </p:cNvSpPr>
+          <p:nvPr>
+            <p:ph type="title"/>
+          </p:nvPr>
+        </p:nvSpPr>
+        <p:spPr/>
+        <p:txBody>
+          <a:bodyPr>
+            <a:normAutofit/>
+          </a:bodyPr>
+          <a:lstStyle/>
+          <a:p>
+            <a:pPr algn="l"/>
+            <a:r>
+              <a:rPr lang="en-US" b="1" dirty="0"/>
+              <a:t>MODEL ANALYSIS</a:t>
+            </a:r>
+            <a:endParaRPr lang="en-US" dirty="0"/>
+          </a:p>
+        </p:txBody>
+      </p:sp>
+      <p:sp>
+        <p:nvSpPr>
+          <p:cNvPr id="6" name="Rectangle 5">
+            <a:extLst>
+              <a:ext uri="{FF2B5EF4-FFF2-40B4-BE49-F238E27FC236}">
+                <a16:creationId xmlns:a16="http://schemas.microsoft.com/office/drawing/2014/main" id="{479A875A-170D-0D41-5694-F1B007F71441}"/>
+              </a:ext>
+            </a:extLst>
+          </p:cNvPr>
+          <p:cNvSpPr/>
+          <p:nvPr/>
+        </p:nvSpPr>
+        <p:spPr>
+          <a:xfrm>
+            <a:off x="11296996" y="33251"/>
+            <a:ext cx="861752" cy="1433779"/>
+          </a:xfrm>
+          <a:prstGeom prst="rect">
+            <a:avLst/>
+          </a:prstGeom>
+          <a:solidFill>
+            <a:srgbClr val="C00000"/>
+          </a:solidFill>
+          <a:ln>
+            <a:noFill/>
+          </a:ln>
+        </p:spPr>
+        <p:style>
+          <a:lnRef idx="2">
+            <a:schemeClr val="accent1">
+              <a:shade val="15000"/>
+            </a:schemeClr>
+          </a:lnRef>
+          <a:fillRef idx="1">
+            <a:schemeClr val="accent1"/>
+          </a:fillRef>
+          <a:effectRef idx="0">
+            <a:schemeClr val="accent1"/>
+          </a:effectRef>
+          <a:fontRef idx="minor">
+            <a:schemeClr val="lt1"/>
+          </a:fontRef>
+        </p:style>
+        <p:txBody>
+          <a:bodyPr rtlCol="0" anchor="ctr"/>
+          <a:lstStyle/>
+          <a:p>
+            <a:pPr algn="ctr"/>
+            <a:endParaRPr lang="en-US"/>
+          </a:p>
+        </p:txBody>
+      </p:sp>
+      <p:sp>
+        <p:nvSpPr>
+          <p:cNvPr id="7" name="TextBox 6">
+            <a:extLst>
+              <a:ext uri="{FF2B5EF4-FFF2-40B4-BE49-F238E27FC236}">
+                <a16:creationId xmlns:a16="http://schemas.microsoft.com/office/drawing/2014/main" id="{FB54595E-8F83-24BF-539B-5265A7199C1F}"/>
+              </a:ext>
+            </a:extLst>
+          </p:cNvPr>
+          <p:cNvSpPr txBox="1"/>
+          <p:nvPr/>
+        </p:nvSpPr>
+        <p:spPr>
+          <a:xfrm>
+            <a:off x="11168147" y="1146122"/>
+            <a:ext cx="1003068" cy="307777"/>
+          </a:xfrm>
+          <a:prstGeom prst="rect">
+            <a:avLst/>
+          </a:prstGeom>
+          <a:noFill/>
+        </p:spPr>
+        <p:txBody>
+          <a:bodyPr wrap="square" rtlCol="0">
+            <a:spAutoFit/>
+          </a:bodyPr>
+          <a:lstStyle/>
+          <a:p>
+            <a:pPr algn="r"/>
+            <a:r>
+              <a:rPr lang="en-US" sz="1400" dirty="0">
+                <a:solidFill>
+                  <a:schemeClr val="bg1"/>
+                </a:solidFill>
+              </a:rPr>
+              <a:t>INSIGHT</a:t>
+            </a:r>
+          </a:p>
+        </p:txBody>
+      </p:sp>
+      <p:pic>
+        <p:nvPicPr>
+          <p:cNvPr id="21" name="Picture 20" descr="A graph with a blue line&#10;&#10;AI-generated content may be incorrect.">
+            <a:extLst>
+              <a:ext uri="{FF2B5EF4-FFF2-40B4-BE49-F238E27FC236}">
+                <a16:creationId xmlns:a16="http://schemas.microsoft.com/office/drawing/2014/main" id="{F13FD0C0-B9C1-48C6-0BEE-F384EFDE6808}"/>
+              </a:ext>
+            </a:extLst>
+          </p:cNvPr>
+          <p:cNvPicPr>
+            <a:picLocks noChangeAspect="1"/>
+          </p:cNvPicPr>
+          <p:nvPr/>
+        </p:nvPicPr>
+        <p:blipFill>
+          <a:blip r:embed="rId2"/>
+          <a:stretch>
+            <a:fillRect/>
+          </a:stretch>
+        </p:blipFill>
+        <p:spPr>
+          <a:xfrm>
+            <a:off x="365647" y="2669711"/>
+            <a:ext cx="3657600" cy="3657600"/>
+          </a:xfrm>
+          <a:prstGeom prst="rect">
+            <a:avLst/>
+          </a:prstGeom>
+        </p:spPr>
+      </p:pic>
+      <p:pic>
+        <p:nvPicPr>
+          <p:cNvPr id="23" name="Picture 22" descr="A graph of a positive rate&#10;&#10;AI-generated content may be incorrect.">
+            <a:extLst>
+              <a:ext uri="{FF2B5EF4-FFF2-40B4-BE49-F238E27FC236}">
+                <a16:creationId xmlns:a16="http://schemas.microsoft.com/office/drawing/2014/main" id="{DDDBC99E-94F0-9EC6-7CEA-585A736FF3CE}"/>
+              </a:ext>
+            </a:extLst>
+          </p:cNvPr>
+          <p:cNvPicPr>
+            <a:picLocks noChangeAspect="1"/>
+          </p:cNvPicPr>
+          <p:nvPr/>
+        </p:nvPicPr>
+        <p:blipFill>
+          <a:blip r:embed="rId3"/>
+          <a:stretch>
+            <a:fillRect/>
+          </a:stretch>
+        </p:blipFill>
+        <p:spPr>
+          <a:xfrm>
+            <a:off x="4247741" y="2669711"/>
+            <a:ext cx="3657600" cy="3657600"/>
+          </a:xfrm>
+          <a:prstGeom prst="rect">
+            <a:avLst/>
+          </a:prstGeom>
+        </p:spPr>
+      </p:pic>
+      <p:pic>
+        <p:nvPicPr>
+          <p:cNvPr id="25" name="Picture 24" descr="A graph of a positive rate&#10;&#10;AI-generated content may be incorrect.">
+            <a:extLst>
+              <a:ext uri="{FF2B5EF4-FFF2-40B4-BE49-F238E27FC236}">
+                <a16:creationId xmlns:a16="http://schemas.microsoft.com/office/drawing/2014/main" id="{92B6AE79-B97A-6153-161C-DCE1BFD1A3B4}"/>
+              </a:ext>
+            </a:extLst>
+          </p:cNvPr>
+          <p:cNvPicPr>
+            <a:picLocks noChangeAspect="1"/>
+          </p:cNvPicPr>
+          <p:nvPr/>
+        </p:nvPicPr>
+        <p:blipFill>
+          <a:blip r:embed="rId4"/>
+          <a:stretch>
+            <a:fillRect/>
+          </a:stretch>
+        </p:blipFill>
+        <p:spPr>
+          <a:xfrm>
+            <a:off x="8129835" y="2669711"/>
+            <a:ext cx="3657600" cy="3657600"/>
+          </a:xfrm>
+          <a:prstGeom prst="rect">
+            <a:avLst/>
+          </a:prstGeom>
+        </p:spPr>
+      </p:pic>
+      <p:sp>
+        <p:nvSpPr>
+          <p:cNvPr id="26" name="TextBox 25">
+            <a:extLst>
+              <a:ext uri="{FF2B5EF4-FFF2-40B4-BE49-F238E27FC236}">
+                <a16:creationId xmlns:a16="http://schemas.microsoft.com/office/drawing/2014/main" id="{8DAD24EF-F214-CACD-A7D4-461D50724E3D}"/>
+              </a:ext>
+            </a:extLst>
+          </p:cNvPr>
+          <p:cNvSpPr txBox="1"/>
+          <p:nvPr/>
+        </p:nvSpPr>
+        <p:spPr>
+          <a:xfrm>
+            <a:off x="605442" y="1860762"/>
+            <a:ext cx="2021379" cy="707886"/>
+          </a:xfrm>
+          <a:prstGeom prst="rect">
+            <a:avLst/>
+          </a:prstGeom>
+          <a:noFill/>
+        </p:spPr>
+        <p:txBody>
+          <a:bodyPr wrap="square">
+            <a:spAutoFit/>
+          </a:bodyPr>
+          <a:lstStyle/>
+          <a:p>
+            <a:r>
+              <a:rPr lang="en-US" sz="2000" b="1" dirty="0">
+                <a:solidFill>
+                  <a:schemeClr val="accent1">
+                    <a:lumMod val="75000"/>
+                  </a:schemeClr>
+                </a:solidFill>
+              </a:rPr>
+              <a:t>EXPERIMENT 0</a:t>
+            </a:r>
+          </a:p>
+          <a:p>
+            <a:r>
+              <a:rPr lang="en-US" sz="2000" i="1" dirty="0">
+                <a:solidFill>
+                  <a:schemeClr val="accent1">
+                    <a:lumMod val="75000"/>
+                  </a:schemeClr>
+                </a:solidFill>
+              </a:rPr>
+              <a:t>DEFAULT</a:t>
+            </a:r>
+          </a:p>
+        </p:txBody>
+      </p:sp>
+      <p:sp>
+        <p:nvSpPr>
+          <p:cNvPr id="27" name="TextBox 26">
+            <a:extLst>
+              <a:ext uri="{FF2B5EF4-FFF2-40B4-BE49-F238E27FC236}">
+                <a16:creationId xmlns:a16="http://schemas.microsoft.com/office/drawing/2014/main" id="{F2731A87-3403-3A04-4835-402630F298EA}"/>
+              </a:ext>
+            </a:extLst>
+          </p:cNvPr>
+          <p:cNvSpPr txBox="1"/>
+          <p:nvPr/>
+        </p:nvSpPr>
+        <p:spPr>
+          <a:xfrm>
+            <a:off x="4473631" y="1860762"/>
+            <a:ext cx="2021379" cy="707886"/>
+          </a:xfrm>
+          <a:prstGeom prst="rect">
+            <a:avLst/>
+          </a:prstGeom>
+          <a:noFill/>
+        </p:spPr>
+        <p:txBody>
+          <a:bodyPr wrap="square">
+            <a:spAutoFit/>
+          </a:bodyPr>
+          <a:lstStyle/>
+          <a:p>
+            <a:r>
+              <a:rPr lang="en-US" sz="2000" b="1" dirty="0">
+                <a:solidFill>
+                  <a:schemeClr val="accent1">
+                    <a:lumMod val="75000"/>
+                  </a:schemeClr>
+                </a:solidFill>
+              </a:rPr>
+              <a:t>EXPERIMENT 1</a:t>
+            </a:r>
+          </a:p>
+          <a:p>
+            <a:r>
+              <a:rPr lang="en-US" sz="2000" i="1" dirty="0">
+                <a:solidFill>
+                  <a:schemeClr val="accent1">
+                    <a:lumMod val="75000"/>
+                  </a:schemeClr>
+                </a:solidFill>
+              </a:rPr>
+              <a:t>YOUNGER</a:t>
+            </a:r>
+          </a:p>
+        </p:txBody>
+      </p:sp>
+      <p:sp>
+        <p:nvSpPr>
+          <p:cNvPr id="28" name="TextBox 27">
+            <a:extLst>
+              <a:ext uri="{FF2B5EF4-FFF2-40B4-BE49-F238E27FC236}">
+                <a16:creationId xmlns:a16="http://schemas.microsoft.com/office/drawing/2014/main" id="{00D1A673-8657-699A-619A-BDFC8BD1BF73}"/>
+              </a:ext>
+            </a:extLst>
+          </p:cNvPr>
+          <p:cNvSpPr txBox="1"/>
+          <p:nvPr/>
+        </p:nvSpPr>
+        <p:spPr>
+          <a:xfrm>
+            <a:off x="8350133" y="1860762"/>
+            <a:ext cx="2021379" cy="707886"/>
+          </a:xfrm>
+          <a:prstGeom prst="rect">
+            <a:avLst/>
+          </a:prstGeom>
+          <a:noFill/>
+        </p:spPr>
+        <p:txBody>
+          <a:bodyPr wrap="square">
+            <a:spAutoFit/>
+          </a:bodyPr>
+          <a:lstStyle/>
+          <a:p>
+            <a:r>
+              <a:rPr lang="en-US" sz="2000" b="1" dirty="0">
+                <a:solidFill>
+                  <a:schemeClr val="accent1">
+                    <a:lumMod val="75000"/>
+                  </a:schemeClr>
+                </a:solidFill>
+              </a:rPr>
+              <a:t>EXPERIMENT 2</a:t>
+            </a:r>
+          </a:p>
+          <a:p>
+            <a:r>
+              <a:rPr lang="en-US" sz="2000" i="1" dirty="0">
+                <a:solidFill>
+                  <a:schemeClr val="accent1">
+                    <a:lumMod val="75000"/>
+                  </a:schemeClr>
+                </a:solidFill>
+              </a:rPr>
+              <a:t>VARIABLE</a:t>
+            </a:r>
+          </a:p>
+        </p:txBody>
+      </p:sp>
+    </p:spTree>
+    <p:extLst>
+      <p:ext uri="{BB962C8B-B14F-4D97-AF65-F5344CB8AC3E}">
+        <p14:creationId xmlns:p14="http://schemas.microsoft.com/office/powerpoint/2010/main" val="662320822"/>
+      </p:ext>
+    </p:extLst>
+  </p:cSld>
+  <p:clrMapOvr>
+    <a:masterClrMapping/>
+  </p:clrMapOvr>
+</p:sld>
+</file>
+
+<file path=ppt/slides/slide16.xml><?xml version="1.0" encoding="utf-8"?>
+<p:sld xmlns:a="http://schemas.openxmlformats.org/drawingml/2006/main" xmlns:r="http://schemas.openxmlformats.org/officeDocument/2006/relationships" xmlns:p="http://schemas.openxmlformats.org/presentationml/2006/main">
+  <p:cSld>
+    <p:spTree>
+      <p:nvGrpSpPr>
+        <p:cNvPr id="1" name="">
+          <a:extLst>
+            <a:ext uri="{FF2B5EF4-FFF2-40B4-BE49-F238E27FC236}">
+              <a16:creationId xmlns:a16="http://schemas.microsoft.com/office/drawing/2014/main" id="{769A2290-B13E-F883-C462-F67AE3835308}"/>
+            </a:ext>
+          </a:extLst>
+        </p:cNvPr>
+        <p:cNvGrpSpPr/>
+        <p:nvPr/>
+      </p:nvGrpSpPr>
+      <p:grpSpPr>
+        <a:xfrm>
+          <a:off x="0" y="0"/>
+          <a:ext cx="0" cy="0"/>
+          <a:chOff x="0" y="0"/>
+          <a:chExt cx="0" cy="0"/>
+        </a:xfrm>
+      </p:grpSpPr>
+      <p:sp>
+        <p:nvSpPr>
+          <p:cNvPr id="2" name="Title 1">
+            <a:extLst>
+              <a:ext uri="{FF2B5EF4-FFF2-40B4-BE49-F238E27FC236}">
+                <a16:creationId xmlns:a16="http://schemas.microsoft.com/office/drawing/2014/main" id="{45D389A1-4C92-058B-D3CD-D8A5BF366B2B}"/>
+              </a:ext>
+            </a:extLst>
+          </p:cNvPr>
+          <p:cNvSpPr>
+            <a:spLocks noGrp="1"/>
+          </p:cNvSpPr>
+          <p:nvPr>
+            <p:ph type="title"/>
+          </p:nvPr>
+        </p:nvSpPr>
+        <p:spPr/>
+        <p:txBody>
+          <a:bodyPr>
+            <a:normAutofit/>
+          </a:bodyPr>
+          <a:lstStyle/>
+          <a:p>
+            <a:pPr algn="l"/>
+            <a:r>
+              <a:rPr lang="en-US" b="1" dirty="0"/>
+              <a:t>MODEL ANALYSIS</a:t>
+            </a:r>
+            <a:endParaRPr lang="en-US" dirty="0"/>
+          </a:p>
+        </p:txBody>
+      </p:sp>
+      <p:sp>
+        <p:nvSpPr>
+          <p:cNvPr id="6" name="Rectangle 5">
+            <a:extLst>
+              <a:ext uri="{FF2B5EF4-FFF2-40B4-BE49-F238E27FC236}">
+                <a16:creationId xmlns:a16="http://schemas.microsoft.com/office/drawing/2014/main" id="{A0F3BA2E-3E2F-6031-DED6-7E7D759B2388}"/>
+              </a:ext>
+            </a:extLst>
+          </p:cNvPr>
+          <p:cNvSpPr/>
+          <p:nvPr/>
+        </p:nvSpPr>
+        <p:spPr>
+          <a:xfrm>
+            <a:off x="11296996" y="33251"/>
+            <a:ext cx="861752" cy="1433779"/>
+          </a:xfrm>
+          <a:prstGeom prst="rect">
+            <a:avLst/>
+          </a:prstGeom>
+          <a:solidFill>
+            <a:srgbClr val="C00000"/>
+          </a:solidFill>
+          <a:ln>
+            <a:noFill/>
+          </a:ln>
+        </p:spPr>
+        <p:style>
+          <a:lnRef idx="2">
+            <a:schemeClr val="accent1">
+              <a:shade val="15000"/>
+            </a:schemeClr>
+          </a:lnRef>
+          <a:fillRef idx="1">
+            <a:schemeClr val="accent1"/>
+          </a:fillRef>
+          <a:effectRef idx="0">
+            <a:schemeClr val="accent1"/>
+          </a:effectRef>
+          <a:fontRef idx="minor">
+            <a:schemeClr val="lt1"/>
+          </a:fontRef>
+        </p:style>
+        <p:txBody>
+          <a:bodyPr rtlCol="0" anchor="ctr"/>
+          <a:lstStyle/>
+          <a:p>
+            <a:pPr algn="ctr"/>
+            <a:endParaRPr lang="en-US"/>
+          </a:p>
+        </p:txBody>
+      </p:sp>
+      <p:sp>
+        <p:nvSpPr>
+          <p:cNvPr id="7" name="TextBox 6">
+            <a:extLst>
+              <a:ext uri="{FF2B5EF4-FFF2-40B4-BE49-F238E27FC236}">
+                <a16:creationId xmlns:a16="http://schemas.microsoft.com/office/drawing/2014/main" id="{C6EAC530-8532-36BA-DC7E-0458C507E24F}"/>
+              </a:ext>
+            </a:extLst>
+          </p:cNvPr>
+          <p:cNvSpPr txBox="1"/>
+          <p:nvPr/>
+        </p:nvSpPr>
+        <p:spPr>
+          <a:xfrm>
+            <a:off x="11168147" y="1146122"/>
+            <a:ext cx="1003068" cy="307777"/>
+          </a:xfrm>
+          <a:prstGeom prst="rect">
+            <a:avLst/>
+          </a:prstGeom>
+          <a:noFill/>
+        </p:spPr>
+        <p:txBody>
+          <a:bodyPr wrap="square" rtlCol="0">
+            <a:spAutoFit/>
+          </a:bodyPr>
+          <a:lstStyle/>
+          <a:p>
+            <a:pPr algn="r"/>
+            <a:r>
+              <a:rPr lang="en-US" sz="1400" dirty="0">
+                <a:solidFill>
+                  <a:schemeClr val="bg1"/>
+                </a:solidFill>
+              </a:rPr>
+              <a:t>INSIGHT</a:t>
+            </a:r>
+          </a:p>
+        </p:txBody>
+      </p:sp>
+      <p:sp>
+        <p:nvSpPr>
+          <p:cNvPr id="3" name="TextBox 2">
+            <a:extLst>
+              <a:ext uri="{FF2B5EF4-FFF2-40B4-BE49-F238E27FC236}">
+                <a16:creationId xmlns:a16="http://schemas.microsoft.com/office/drawing/2014/main" id="{AF1891D9-4D0E-24AA-DFCD-28E44F279AE2}"/>
+              </a:ext>
+            </a:extLst>
+          </p:cNvPr>
+          <p:cNvSpPr txBox="1"/>
+          <p:nvPr/>
+        </p:nvSpPr>
+        <p:spPr>
+          <a:xfrm>
+            <a:off x="605442" y="1860762"/>
+            <a:ext cx="2021379" cy="707886"/>
+          </a:xfrm>
+          <a:prstGeom prst="rect">
+            <a:avLst/>
+          </a:prstGeom>
+          <a:noFill/>
+        </p:spPr>
+        <p:txBody>
+          <a:bodyPr wrap="square">
+            <a:spAutoFit/>
+          </a:bodyPr>
+          <a:lstStyle/>
+          <a:p>
+            <a:r>
+              <a:rPr lang="en-US" sz="2000" b="1" dirty="0">
+                <a:solidFill>
+                  <a:schemeClr val="accent1">
+                    <a:lumMod val="75000"/>
+                  </a:schemeClr>
+                </a:solidFill>
+              </a:rPr>
+              <a:t>EXPERIMENT 0</a:t>
+            </a:r>
+          </a:p>
+          <a:p>
+            <a:r>
+              <a:rPr lang="en-US" sz="2000" i="1" dirty="0">
+                <a:solidFill>
+                  <a:schemeClr val="accent1">
+                    <a:lumMod val="75000"/>
+                  </a:schemeClr>
+                </a:solidFill>
+              </a:rPr>
+              <a:t>DEFAULT</a:t>
+            </a:r>
+          </a:p>
+        </p:txBody>
+      </p:sp>
+      <p:sp>
+        <p:nvSpPr>
+          <p:cNvPr id="4" name="TextBox 3">
+            <a:extLst>
+              <a:ext uri="{FF2B5EF4-FFF2-40B4-BE49-F238E27FC236}">
+                <a16:creationId xmlns:a16="http://schemas.microsoft.com/office/drawing/2014/main" id="{F7ECB65B-8886-6580-7A1B-E29725D2920C}"/>
+              </a:ext>
+            </a:extLst>
+          </p:cNvPr>
+          <p:cNvSpPr txBox="1"/>
+          <p:nvPr/>
+        </p:nvSpPr>
+        <p:spPr>
+          <a:xfrm>
+            <a:off x="4473631" y="1860762"/>
+            <a:ext cx="2021379" cy="707886"/>
+          </a:xfrm>
+          <a:prstGeom prst="rect">
+            <a:avLst/>
+          </a:prstGeom>
+          <a:noFill/>
+        </p:spPr>
+        <p:txBody>
+          <a:bodyPr wrap="square">
+            <a:spAutoFit/>
+          </a:bodyPr>
+          <a:lstStyle/>
+          <a:p>
+            <a:r>
+              <a:rPr lang="en-US" sz="2000" b="1" dirty="0">
+                <a:solidFill>
+                  <a:schemeClr val="accent1">
+                    <a:lumMod val="75000"/>
+                  </a:schemeClr>
+                </a:solidFill>
+              </a:rPr>
+              <a:t>EXPERIMENT 1</a:t>
+            </a:r>
+          </a:p>
+          <a:p>
+            <a:r>
+              <a:rPr lang="en-US" sz="2000" i="1" dirty="0">
+                <a:solidFill>
+                  <a:schemeClr val="accent1">
+                    <a:lumMod val="75000"/>
+                  </a:schemeClr>
+                </a:solidFill>
+              </a:rPr>
+              <a:t>YOUNGER</a:t>
+            </a:r>
+          </a:p>
+        </p:txBody>
+      </p:sp>
+      <p:sp>
+        <p:nvSpPr>
+          <p:cNvPr id="5" name="TextBox 4">
+            <a:extLst>
+              <a:ext uri="{FF2B5EF4-FFF2-40B4-BE49-F238E27FC236}">
+                <a16:creationId xmlns:a16="http://schemas.microsoft.com/office/drawing/2014/main" id="{3AF9B64A-FBDE-3A5C-78AC-6E9358E68B6B}"/>
+              </a:ext>
+            </a:extLst>
+          </p:cNvPr>
+          <p:cNvSpPr txBox="1"/>
+          <p:nvPr/>
+        </p:nvSpPr>
+        <p:spPr>
+          <a:xfrm>
+            <a:off x="8350133" y="1860762"/>
+            <a:ext cx="2021379" cy="707886"/>
+          </a:xfrm>
+          <a:prstGeom prst="rect">
+            <a:avLst/>
+          </a:prstGeom>
+          <a:noFill/>
+        </p:spPr>
+        <p:txBody>
+          <a:bodyPr wrap="square">
+            <a:spAutoFit/>
+          </a:bodyPr>
+          <a:lstStyle/>
+          <a:p>
+            <a:r>
+              <a:rPr lang="en-US" sz="2000" b="1" dirty="0">
+                <a:solidFill>
+                  <a:schemeClr val="accent1">
+                    <a:lumMod val="75000"/>
+                  </a:schemeClr>
+                </a:solidFill>
+              </a:rPr>
+              <a:t>EXPERIMENT 2</a:t>
+            </a:r>
+          </a:p>
+          <a:p>
+            <a:r>
+              <a:rPr lang="en-US" sz="2000" i="1" dirty="0">
+                <a:solidFill>
+                  <a:schemeClr val="accent1">
+                    <a:lumMod val="75000"/>
+                  </a:schemeClr>
+                </a:solidFill>
+              </a:rPr>
+              <a:t>VARIABLE</a:t>
+            </a:r>
+          </a:p>
+        </p:txBody>
+      </p:sp>
+      <p:pic>
+        <p:nvPicPr>
+          <p:cNvPr id="9" name="Picture 8" descr="A graph with a line going up&#10;&#10;AI-generated content may be incorrect.">
+            <a:extLst>
+              <a:ext uri="{FF2B5EF4-FFF2-40B4-BE49-F238E27FC236}">
+                <a16:creationId xmlns:a16="http://schemas.microsoft.com/office/drawing/2014/main" id="{0DF0B898-6546-1101-567C-0DC601F9A283}"/>
+              </a:ext>
+            </a:extLst>
+          </p:cNvPr>
+          <p:cNvPicPr>
+            <a:picLocks noChangeAspect="1"/>
+          </p:cNvPicPr>
+          <p:nvPr/>
+        </p:nvPicPr>
+        <p:blipFill>
+          <a:blip r:embed="rId2"/>
+          <a:stretch>
+            <a:fillRect/>
+          </a:stretch>
+        </p:blipFill>
+        <p:spPr>
+          <a:xfrm>
+            <a:off x="348005" y="2835275"/>
+            <a:ext cx="3657600" cy="3657600"/>
+          </a:xfrm>
+          <a:prstGeom prst="rect">
+            <a:avLst/>
+          </a:prstGeom>
+        </p:spPr>
+      </p:pic>
+      <p:pic>
+        <p:nvPicPr>
+          <p:cNvPr id="11" name="Picture 10" descr="A graph with a line going up&#10;&#10;AI-generated content may be incorrect.">
+            <a:extLst>
+              <a:ext uri="{FF2B5EF4-FFF2-40B4-BE49-F238E27FC236}">
+                <a16:creationId xmlns:a16="http://schemas.microsoft.com/office/drawing/2014/main" id="{FA4E730C-54B6-2C96-067B-CD8984E6F4B9}"/>
+              </a:ext>
+            </a:extLst>
+          </p:cNvPr>
+          <p:cNvPicPr>
+            <a:picLocks noChangeAspect="1"/>
+          </p:cNvPicPr>
+          <p:nvPr/>
+        </p:nvPicPr>
+        <p:blipFill>
+          <a:blip r:embed="rId3"/>
+          <a:stretch>
+            <a:fillRect/>
+          </a:stretch>
+        </p:blipFill>
+        <p:spPr>
+          <a:xfrm>
+            <a:off x="4214483" y="2835275"/>
+            <a:ext cx="3657600" cy="3657600"/>
+          </a:xfrm>
+          <a:prstGeom prst="rect">
+            <a:avLst/>
+          </a:prstGeom>
+        </p:spPr>
+      </p:pic>
+      <p:pic>
+        <p:nvPicPr>
+          <p:cNvPr id="13" name="Picture 12" descr="A graph with a line going up&#10;&#10;AI-generated content may be incorrect.">
+            <a:extLst>
+              <a:ext uri="{FF2B5EF4-FFF2-40B4-BE49-F238E27FC236}">
+                <a16:creationId xmlns:a16="http://schemas.microsoft.com/office/drawing/2014/main" id="{915A5E47-F6B4-9961-61E5-3FBAD71FAE83}"/>
+              </a:ext>
+            </a:extLst>
+          </p:cNvPr>
+          <p:cNvPicPr>
+            <a:picLocks noChangeAspect="1"/>
+          </p:cNvPicPr>
+          <p:nvPr/>
+        </p:nvPicPr>
+        <p:blipFill>
+          <a:blip r:embed="rId4"/>
+          <a:stretch>
+            <a:fillRect/>
+          </a:stretch>
+        </p:blipFill>
+        <p:spPr>
+          <a:xfrm>
+            <a:off x="8080961" y="2835275"/>
+            <a:ext cx="3657600" cy="3657600"/>
+          </a:xfrm>
+          <a:prstGeom prst="rect">
+            <a:avLst/>
+          </a:prstGeom>
+        </p:spPr>
+      </p:pic>
+    </p:spTree>
+    <p:extLst>
+      <p:ext uri="{BB962C8B-B14F-4D97-AF65-F5344CB8AC3E}">
+        <p14:creationId xmlns:p14="http://schemas.microsoft.com/office/powerpoint/2010/main" val="3956008671"/>
+      </p:ext>
+    </p:extLst>
+  </p:cSld>
+  <p:clrMapOvr>
+    <a:masterClrMapping/>
+  </p:clrMapOvr>
+</p:sld>
+</file>
+
+<file path=ppt/slides/slide17.xml><?xml version="1.0" encoding="utf-8"?>
 <p:sld xmlns:a="http://schemas.openxmlformats.org/drawingml/2006/main" xmlns:r="http://schemas.openxmlformats.org/officeDocument/2006/relationships" xmlns:p="http://schemas.openxmlformats.org/presentationml/2006/main">
   <p:cSld>
     <p:spTree>
@@ -4694,41 +8063,6 @@
           </a:p>
         </p:txBody>
       </p:sp>
-      <p:sp>
-        <p:nvSpPr>
-          <p:cNvPr id="6" name="TextBox 5">
-            <a:extLst>
-              <a:ext uri="{FF2B5EF4-FFF2-40B4-BE49-F238E27FC236}">
-                <a16:creationId xmlns:a16="http://schemas.microsoft.com/office/drawing/2014/main" id="{080BEC7F-8D32-6D9E-0809-CA6E2DA958EA}"/>
-              </a:ext>
-            </a:extLst>
-          </p:cNvPr>
-          <p:cNvSpPr txBox="1"/>
-          <p:nvPr/>
-        </p:nvSpPr>
-        <p:spPr>
-          <a:xfrm>
-            <a:off x="7456674" y="365125"/>
-            <a:ext cx="3543977" cy="369332"/>
-          </a:xfrm>
-          <a:prstGeom prst="rect">
-            <a:avLst/>
-          </a:prstGeom>
-          <a:noFill/>
-        </p:spPr>
-        <p:txBody>
-          <a:bodyPr wrap="square" rtlCol="0">
-            <a:spAutoFit/>
-          </a:bodyPr>
-          <a:lstStyle/>
-          <a:p>
-            <a:r>
-              <a:rPr lang="en-US" dirty="0"/>
-              <a:t>JOSH – EXPLAIN..</a:t>
-            </a:r>
-          </a:p>
-        </p:txBody>
-      </p:sp>
     </p:spTree>
     <p:extLst>
       <p:ext uri="{BB962C8B-B14F-4D97-AF65-F5344CB8AC3E}">
@@ -4742,7 +8076,7 @@
 </p:sld>
 </file>
 
-<file path=ppt/slides/slide11.xml><?xml version="1.0" encoding="utf-8"?>
+<file path=ppt/slides/slide18.xml><?xml version="1.0" encoding="utf-8"?>
 <p:sld xmlns:a="http://schemas.openxmlformats.org/drawingml/2006/main" xmlns:r="http://schemas.openxmlformats.org/officeDocument/2006/relationships" xmlns:p="http://schemas.openxmlformats.org/presentationml/2006/main">
   <p:cSld>
     <p:spTree>
@@ -4941,7 +8275,7 @@
 </p:sld>
 </file>
 
-<file path=ppt/slides/slide12.xml><?xml version="1.0" encoding="utf-8"?>
+<file path=ppt/slides/slide19.xml><?xml version="1.0" encoding="utf-8"?>
 <p:sld xmlns:a="http://schemas.openxmlformats.org/drawingml/2006/main" xmlns:r="http://schemas.openxmlformats.org/officeDocument/2006/relationships" xmlns:p="http://schemas.openxmlformats.org/presentationml/2006/main">
   <p:cSld>
     <p:spTree>
@@ -5253,7 +8587,7 @@
             <a:pPr marL="857250" indent="-231775"/>
             <a:r>
               <a:rPr lang="en-US" sz="2400" i="1" dirty="0"/>
-              <a:t>Can you compare the simulation against actual data???</a:t>
+              <a:t>Can you compare the simulation against actual data</a:t>
             </a:r>
           </a:p>
         </p:txBody>
@@ -5346,41 +8680,6 @@
                 </a:solidFill>
               </a:rPr>
               <a:t>PROBLEM</a:t>
-            </a:r>
-          </a:p>
-        </p:txBody>
-      </p:sp>
-      <p:sp>
-        <p:nvSpPr>
-          <p:cNvPr id="4" name="TextBox 3">
-            <a:extLst>
-              <a:ext uri="{FF2B5EF4-FFF2-40B4-BE49-F238E27FC236}">
-                <a16:creationId xmlns:a16="http://schemas.microsoft.com/office/drawing/2014/main" id="{D7E6A85A-DC31-07F6-FA7A-FC62BAA62482}"/>
-              </a:ext>
-            </a:extLst>
-          </p:cNvPr>
-          <p:cNvSpPr txBox="1"/>
-          <p:nvPr/>
-        </p:nvSpPr>
-        <p:spPr>
-          <a:xfrm>
-            <a:off x="7196962" y="522328"/>
-            <a:ext cx="3543977" cy="369332"/>
-          </a:xfrm>
-          <a:prstGeom prst="rect">
-            <a:avLst/>
-          </a:prstGeom>
-          <a:noFill/>
-        </p:spPr>
-        <p:txBody>
-          <a:bodyPr wrap="square" rtlCol="0">
-            <a:spAutoFit/>
-          </a:bodyPr>
-          <a:lstStyle/>
-          <a:p>
-            <a:r>
-              <a:rPr lang="en-US" dirty="0"/>
-              <a:t>M-PROBLEM</a:t>
             </a:r>
           </a:p>
         </p:txBody>
@@ -5547,37 +8846,6 @@
           </a:p>
         </p:txBody>
       </p:sp>
-      <p:pic>
-        <p:nvPicPr>
-          <p:cNvPr id="3" name="Picture 2">
-            <a:extLst>
-              <a:ext uri="{FF2B5EF4-FFF2-40B4-BE49-F238E27FC236}">
-                <a16:creationId xmlns:a16="http://schemas.microsoft.com/office/drawing/2014/main" id="{3C7F595E-F01E-F876-37F1-D7E98C665403}"/>
-              </a:ext>
-            </a:extLst>
-          </p:cNvPr>
-          <p:cNvPicPr>
-            <a:picLocks noChangeAspect="1"/>
-          </p:cNvPicPr>
-          <p:nvPr/>
-        </p:nvPicPr>
-        <p:blipFill>
-          <a:blip r:embed="rId3"/>
-          <a:srcRect t="12500"/>
-          <a:stretch>
-            <a:fillRect/>
-          </a:stretch>
-        </p:blipFill>
-        <p:spPr>
-          <a:xfrm>
-            <a:off x="7515691" y="2875621"/>
-            <a:ext cx="3572538" cy="2945624"/>
-          </a:xfrm>
-          <a:prstGeom prst="rect">
-            <a:avLst/>
-          </a:prstGeom>
-        </p:spPr>
-      </p:pic>
       <p:sp>
         <p:nvSpPr>
           <p:cNvPr id="11" name="TextBox 10">
@@ -5614,7 +8882,7 @@
                   </a:schemeClr>
                 </a:solidFill>
               </a:rPr>
-              <a:t>AGE MIN</a:t>
+              <a:t>MIHRET</a:t>
             </a:r>
             <a:endParaRPr lang="en-US" sz="3200" dirty="0">
               <a:solidFill>
@@ -5623,41 +8891,6 @@
                 </a:schemeClr>
               </a:solidFill>
             </a:endParaRPr>
-          </a:p>
-        </p:txBody>
-      </p:sp>
-      <p:sp>
-        <p:nvSpPr>
-          <p:cNvPr id="12" name="TextBox 11">
-            <a:extLst>
-              <a:ext uri="{FF2B5EF4-FFF2-40B4-BE49-F238E27FC236}">
-                <a16:creationId xmlns:a16="http://schemas.microsoft.com/office/drawing/2014/main" id="{FACF54AA-775D-3894-A01F-6119F779B9E1}"/>
-              </a:ext>
-            </a:extLst>
-          </p:cNvPr>
-          <p:cNvSpPr txBox="1"/>
-          <p:nvPr/>
-        </p:nvSpPr>
-        <p:spPr>
-          <a:xfrm>
-            <a:off x="7196962" y="522328"/>
-            <a:ext cx="3543977" cy="369332"/>
-          </a:xfrm>
-          <a:prstGeom prst="rect">
-            <a:avLst/>
-          </a:prstGeom>
-          <a:noFill/>
-        </p:spPr>
-        <p:txBody>
-          <a:bodyPr wrap="square" rtlCol="0">
-            <a:spAutoFit/>
-          </a:bodyPr>
-          <a:lstStyle/>
-          <a:p>
-            <a:r>
-              <a:rPr lang="en-US" dirty="0"/>
-              <a:t>M-PROBLEM</a:t>
-            </a:r>
           </a:p>
         </p:txBody>
       </p:sp>
@@ -5841,8 +9074,8 @@
         </p:nvSpPr>
         <p:spPr>
           <a:xfrm>
-            <a:off x="683963" y="1891478"/>
-            <a:ext cx="10068499" cy="4486275"/>
+            <a:off x="1046602" y="1891478"/>
+            <a:ext cx="9705860" cy="4486275"/>
           </a:xfrm>
         </p:spPr>
         <p:txBody>
@@ -5887,106 +9120,6 @@
           </a:p>
           <a:p>
             <a:endParaRPr lang="en-US" sz="2000" i="1" dirty="0"/>
-          </a:p>
-        </p:txBody>
-      </p:sp>
-      <p:sp>
-        <p:nvSpPr>
-          <p:cNvPr id="6" name="TextBox 5">
-            <a:extLst>
-              <a:ext uri="{FF2B5EF4-FFF2-40B4-BE49-F238E27FC236}">
-                <a16:creationId xmlns:a16="http://schemas.microsoft.com/office/drawing/2014/main" id="{74874A00-1717-BE03-1732-F3618178919A}"/>
-              </a:ext>
-            </a:extLst>
-          </p:cNvPr>
-          <p:cNvSpPr txBox="1"/>
-          <p:nvPr/>
-        </p:nvSpPr>
-        <p:spPr>
-          <a:xfrm>
-            <a:off x="7688594" y="496371"/>
-            <a:ext cx="3543977" cy="369332"/>
-          </a:xfrm>
-          <a:prstGeom prst="rect">
-            <a:avLst/>
-          </a:prstGeom>
-          <a:noFill/>
-        </p:spPr>
-        <p:txBody>
-          <a:bodyPr wrap="square" rtlCol="0">
-            <a:spAutoFit/>
-          </a:bodyPr>
-          <a:lstStyle/>
-          <a:p>
-            <a:r>
-              <a:rPr lang="en-US" dirty="0"/>
-              <a:t>RESEARCH</a:t>
-            </a:r>
-          </a:p>
-        </p:txBody>
-      </p:sp>
-      <p:pic>
-        <p:nvPicPr>
-          <p:cNvPr id="7" name="Picture 6">
-            <a:extLst>
-              <a:ext uri="{FF2B5EF4-FFF2-40B4-BE49-F238E27FC236}">
-                <a16:creationId xmlns:a16="http://schemas.microsoft.com/office/drawing/2014/main" id="{54EC514C-5E3D-4DE7-A8AE-FFA94743DA38}"/>
-              </a:ext>
-            </a:extLst>
-          </p:cNvPr>
-          <p:cNvPicPr>
-            <a:picLocks noChangeAspect="1"/>
-          </p:cNvPicPr>
-          <p:nvPr/>
-        </p:nvPicPr>
-        <p:blipFill>
-          <a:blip r:embed="rId2"/>
-          <a:stretch>
-            <a:fillRect/>
-          </a:stretch>
-        </p:blipFill>
-        <p:spPr>
-          <a:xfrm>
-            <a:off x="12421205" y="3949638"/>
-            <a:ext cx="3779211" cy="2254534"/>
-          </a:xfrm>
-          <a:prstGeom prst="rect">
-            <a:avLst/>
-          </a:prstGeom>
-        </p:spPr>
-      </p:pic>
-      <p:sp>
-        <p:nvSpPr>
-          <p:cNvPr id="8" name="TextBox 7">
-            <a:extLst>
-              <a:ext uri="{FF2B5EF4-FFF2-40B4-BE49-F238E27FC236}">
-                <a16:creationId xmlns:a16="http://schemas.microsoft.com/office/drawing/2014/main" id="{99392ABB-634C-B5AB-6CF5-0D663E574D3E}"/>
-              </a:ext>
-            </a:extLst>
-          </p:cNvPr>
-          <p:cNvSpPr txBox="1"/>
-          <p:nvPr/>
-        </p:nvSpPr>
-        <p:spPr>
-          <a:xfrm>
-            <a:off x="7440442" y="859442"/>
-            <a:ext cx="3543977" cy="369332"/>
-          </a:xfrm>
-          <a:prstGeom prst="rect">
-            <a:avLst/>
-          </a:prstGeom>
-          <a:noFill/>
-        </p:spPr>
-        <p:txBody>
-          <a:bodyPr wrap="square" rtlCol="0">
-            <a:spAutoFit/>
-          </a:bodyPr>
-          <a:lstStyle/>
-          <a:p>
-            <a:r>
-              <a:rPr lang="en-US" dirty="0"/>
-              <a:t>M-PROBLEM</a:t>
-            </a:r>
           </a:p>
         </p:txBody>
       </p:sp>
@@ -6011,7 +9144,7 @@
         <p:cNvPr id="1" name="">
           <a:extLst>
             <a:ext uri="{FF2B5EF4-FFF2-40B4-BE49-F238E27FC236}">
-              <a16:creationId xmlns:a16="http://schemas.microsoft.com/office/drawing/2014/main" id="{9C5262F5-5501-A38A-E690-31295BFEF341}"/>
+              <a16:creationId xmlns:a16="http://schemas.microsoft.com/office/drawing/2014/main" id="{A94F3163-B235-840E-F11C-DF8C45970BD9}"/>
             </a:ext>
           </a:extLst>
         </p:cNvPr>
@@ -6031,7 +9164,7 @@
           <p:cNvPr id="2" name="Title 1">
             <a:extLst>
               <a:ext uri="{FF2B5EF4-FFF2-40B4-BE49-F238E27FC236}">
-                <a16:creationId xmlns:a16="http://schemas.microsoft.com/office/drawing/2014/main" id="{15C6941F-EEF1-67D6-A4AD-D06C259D1777}"/>
+                <a16:creationId xmlns:a16="http://schemas.microsoft.com/office/drawing/2014/main" id="{D3BFDBDF-392B-8C69-F48A-FCBE871311D8}"/>
               </a:ext>
             </a:extLst>
           </p:cNvPr>
@@ -6063,7 +9196,7 @@
           <p:cNvPr id="5" name="Rectangle 4">
             <a:extLst>
               <a:ext uri="{FF2B5EF4-FFF2-40B4-BE49-F238E27FC236}">
-                <a16:creationId xmlns:a16="http://schemas.microsoft.com/office/drawing/2014/main" id="{2132128C-783F-A559-9D31-877B10641071}"/>
+                <a16:creationId xmlns:a16="http://schemas.microsoft.com/office/drawing/2014/main" id="{4CC97B95-81E9-3398-EEB4-A61A244A49F1}"/>
               </a:ext>
             </a:extLst>
           </p:cNvPr>
@@ -6117,7 +9250,7 @@
           <p:cNvPr id="7" name="TextBox 6">
             <a:extLst>
               <a:ext uri="{FF2B5EF4-FFF2-40B4-BE49-F238E27FC236}">
-                <a16:creationId xmlns:a16="http://schemas.microsoft.com/office/drawing/2014/main" id="{8DD2FD27-CEED-E268-CF90-32E476D0F15B}"/>
+                <a16:creationId xmlns:a16="http://schemas.microsoft.com/office/drawing/2014/main" id="{B9E79F29-003D-DFE4-4B08-5A4EBF70051D}"/>
               </a:ext>
             </a:extLst>
           </p:cNvPr>
@@ -6154,10 +9287,10 @@
       </p:sp>
       <p:pic>
         <p:nvPicPr>
-          <p:cNvPr id="9" name="Picture 8">
-            <a:extLst>
-              <a:ext uri="{FF2B5EF4-FFF2-40B4-BE49-F238E27FC236}">
-                <a16:creationId xmlns:a16="http://schemas.microsoft.com/office/drawing/2014/main" id="{A50B51C5-6AA1-E653-886A-E9B7042BB999}"/>
+          <p:cNvPr id="3" name="Picture 2">
+            <a:extLst>
+              <a:ext uri="{FF2B5EF4-FFF2-40B4-BE49-F238E27FC236}">
+                <a16:creationId xmlns:a16="http://schemas.microsoft.com/office/drawing/2014/main" id="{168FF068-88A8-1E5E-8478-CD5CC21048D5}"/>
               </a:ext>
             </a:extLst>
           </p:cNvPr>
@@ -6168,15 +9301,15 @@
         </p:nvPicPr>
         <p:blipFill>
           <a:blip r:embed="rId2"/>
-          <a:srcRect b="83240"/>
+          <a:srcRect b="81427"/>
           <a:stretch>
             <a:fillRect/>
           </a:stretch>
         </p:blipFill>
         <p:spPr>
           <a:xfrm>
-            <a:off x="838200" y="1548447"/>
-            <a:ext cx="3581400" cy="815225"/>
+            <a:off x="1052366" y="1690688"/>
+            <a:ext cx="3818891" cy="898603"/>
           </a:xfrm>
           <a:prstGeom prst="rect">
             <a:avLst/>
@@ -6185,10 +9318,10 @@
       </p:pic>
       <p:pic>
         <p:nvPicPr>
-          <p:cNvPr id="10" name="Picture 9">
-            <a:extLst>
-              <a:ext uri="{FF2B5EF4-FFF2-40B4-BE49-F238E27FC236}">
-                <a16:creationId xmlns:a16="http://schemas.microsoft.com/office/drawing/2014/main" id="{57A3F40C-EED2-4D16-0F4A-6378CBC294C2}"/>
+          <p:cNvPr id="4" name="Picture 3">
+            <a:extLst>
+              <a:ext uri="{FF2B5EF4-FFF2-40B4-BE49-F238E27FC236}">
+                <a16:creationId xmlns:a16="http://schemas.microsoft.com/office/drawing/2014/main" id="{4044C751-9951-7BD3-0A3C-C9044E7B1041}"/>
               </a:ext>
             </a:extLst>
           </p:cNvPr>
@@ -6199,58 +9332,27 @@
         </p:nvPicPr>
         <p:blipFill>
           <a:blip r:embed="rId2"/>
-          <a:srcRect t="25553"/>
+          <a:srcRect t="29297"/>
           <a:stretch>
             <a:fillRect/>
           </a:stretch>
         </p:blipFill>
         <p:spPr>
           <a:xfrm>
-            <a:off x="838200" y="2363672"/>
-            <a:ext cx="3581400" cy="3621181"/>
+            <a:off x="1052366" y="2697356"/>
+            <a:ext cx="3818891" cy="3420790"/>
           </a:xfrm>
           <a:prstGeom prst="rect">
             <a:avLst/>
           </a:prstGeom>
         </p:spPr>
       </p:pic>
-      <p:pic>
-        <p:nvPicPr>
-          <p:cNvPr id="12" name="Picture 11">
-            <a:extLst>
-              <a:ext uri="{FF2B5EF4-FFF2-40B4-BE49-F238E27FC236}">
-                <a16:creationId xmlns:a16="http://schemas.microsoft.com/office/drawing/2014/main" id="{3804A1EE-F553-5F45-5B43-7F001C69A024}"/>
-              </a:ext>
-            </a:extLst>
-          </p:cNvPr>
-          <p:cNvPicPr>
-            <a:picLocks noChangeAspect="1"/>
-          </p:cNvPicPr>
-          <p:nvPr/>
-        </p:nvPicPr>
-        <p:blipFill>
-          <a:blip r:embed="rId3"/>
-          <a:srcRect r="786"/>
-          <a:stretch>
-            <a:fillRect/>
-          </a:stretch>
-        </p:blipFill>
-        <p:spPr>
-          <a:xfrm>
-            <a:off x="5601271" y="1383903"/>
-            <a:ext cx="5081970" cy="4710809"/>
-          </a:xfrm>
-          <a:prstGeom prst="rect">
-            <a:avLst/>
-          </a:prstGeom>
-        </p:spPr>
-      </p:pic>
-      <p:sp>
-        <p:nvSpPr>
-          <p:cNvPr id="4" name="TextBox 3">
-            <a:extLst>
-              <a:ext uri="{FF2B5EF4-FFF2-40B4-BE49-F238E27FC236}">
-                <a16:creationId xmlns:a16="http://schemas.microsoft.com/office/drawing/2014/main" id="{BD084F9B-C160-2C64-527C-938A36038311}"/>
+      <p:sp>
+        <p:nvSpPr>
+          <p:cNvPr id="6" name="TextBox 5">
+            <a:extLst>
+              <a:ext uri="{FF2B5EF4-FFF2-40B4-BE49-F238E27FC236}">
+                <a16:creationId xmlns:a16="http://schemas.microsoft.com/office/drawing/2014/main" id="{7E7529B9-1112-FBEE-0016-AE857159264D}"/>
               </a:ext>
             </a:extLst>
           </p:cNvPr>
@@ -6259,8 +9361,49 @@
         </p:nvSpPr>
         <p:spPr>
           <a:xfrm>
-            <a:off x="7440442" y="859442"/>
-            <a:ext cx="3543977" cy="369332"/>
+            <a:off x="6941133" y="2064131"/>
+            <a:ext cx="3142079" cy="646331"/>
+          </a:xfrm>
+          <a:prstGeom prst="rect">
+            <a:avLst/>
+          </a:prstGeom>
+          <a:noFill/>
+        </p:spPr>
+        <p:txBody>
+          <a:bodyPr wrap="none" rtlCol="0">
+            <a:spAutoFit/>
+          </a:bodyPr>
+          <a:lstStyle/>
+          <a:p>
+            <a:r>
+              <a:rPr lang="en-US" dirty="0"/>
+              <a:t>POPULATION GENERATOR</a:t>
+            </a:r>
+          </a:p>
+          <a:p>
+            <a:r>
+              <a:rPr lang="en-US" dirty="0"/>
+              <a:t>LOAN APPROVER SIMULATOR</a:t>
+            </a:r>
+          </a:p>
+        </p:txBody>
+      </p:sp>
+      <p:sp>
+        <p:nvSpPr>
+          <p:cNvPr id="8" name="TextBox 7">
+            <a:extLst>
+              <a:ext uri="{FF2B5EF4-FFF2-40B4-BE49-F238E27FC236}">
+                <a16:creationId xmlns:a16="http://schemas.microsoft.com/office/drawing/2014/main" id="{C10D15C2-2942-F97F-7213-9B3B1FB9B4E7}"/>
+              </a:ext>
+            </a:extLst>
+          </p:cNvPr>
+          <p:cNvSpPr txBox="1"/>
+          <p:nvPr/>
+        </p:nvSpPr>
+        <p:spPr>
+          <a:xfrm>
+            <a:off x="6941133" y="3244334"/>
+            <a:ext cx="5378334" cy="369332"/>
           </a:xfrm>
           <a:prstGeom prst="rect">
             <a:avLst/>
@@ -6275,15 +9418,675 @@
           <a:p>
             <a:r>
               <a:rPr lang="en-US" dirty="0"/>
-              <a:t>JOSH – EXPLAIN..</a:t>
-            </a:r>
+              <a:t>METHODS TO GENERATE PLOTS AND CHARTS</a:t>
+            </a:r>
+          </a:p>
+        </p:txBody>
+      </p:sp>
+      <p:sp>
+        <p:nvSpPr>
+          <p:cNvPr id="12" name="TextBox 11">
+            <a:extLst>
+              <a:ext uri="{FF2B5EF4-FFF2-40B4-BE49-F238E27FC236}">
+                <a16:creationId xmlns:a16="http://schemas.microsoft.com/office/drawing/2014/main" id="{1C47D24C-2FCA-063C-8D2C-B0A356233031}"/>
+              </a:ext>
+            </a:extLst>
+          </p:cNvPr>
+          <p:cNvSpPr txBox="1"/>
+          <p:nvPr/>
+        </p:nvSpPr>
+        <p:spPr>
+          <a:xfrm>
+            <a:off x="6941133" y="4223085"/>
+            <a:ext cx="3397084" cy="369332"/>
+          </a:xfrm>
+          <a:prstGeom prst="rect">
+            <a:avLst/>
+          </a:prstGeom>
+          <a:noFill/>
+        </p:spPr>
+        <p:txBody>
+          <a:bodyPr wrap="none" rtlCol="0">
+            <a:spAutoFit/>
+          </a:bodyPr>
+          <a:lstStyle/>
+          <a:p>
+            <a:r>
+              <a:rPr lang="en-US" dirty="0"/>
+              <a:t>PLOTS &amp; CHARTS FOR ANALYSIS</a:t>
+            </a:r>
+          </a:p>
+        </p:txBody>
+      </p:sp>
+      <p:sp>
+        <p:nvSpPr>
+          <p:cNvPr id="13" name="TextBox 12">
+            <a:extLst>
+              <a:ext uri="{FF2B5EF4-FFF2-40B4-BE49-F238E27FC236}">
+                <a16:creationId xmlns:a16="http://schemas.microsoft.com/office/drawing/2014/main" id="{FDF74B06-E9B2-EAAF-4F82-B5F3EA533EB4}"/>
+              </a:ext>
+            </a:extLst>
+          </p:cNvPr>
+          <p:cNvSpPr txBox="1"/>
+          <p:nvPr/>
+        </p:nvSpPr>
+        <p:spPr>
+          <a:xfrm>
+            <a:off x="6941133" y="4703000"/>
+            <a:ext cx="1572866" cy="369332"/>
+          </a:xfrm>
+          <a:prstGeom prst="rect">
+            <a:avLst/>
+          </a:prstGeom>
+          <a:noFill/>
+        </p:spPr>
+        <p:txBody>
+          <a:bodyPr wrap="none" rtlCol="0">
+            <a:spAutoFit/>
+          </a:bodyPr>
+          <a:lstStyle/>
+          <a:p>
+            <a:r>
+              <a:rPr lang="en-US" dirty="0"/>
+              <a:t>ENTRY POINT </a:t>
+            </a:r>
+          </a:p>
+        </p:txBody>
+      </p:sp>
+      <p:sp>
+        <p:nvSpPr>
+          <p:cNvPr id="15" name="TextBox 14">
+            <a:extLst>
+              <a:ext uri="{FF2B5EF4-FFF2-40B4-BE49-F238E27FC236}">
+                <a16:creationId xmlns:a16="http://schemas.microsoft.com/office/drawing/2014/main" id="{3937ACAF-875C-4D8F-8A26-943BF113364F}"/>
+              </a:ext>
+            </a:extLst>
+          </p:cNvPr>
+          <p:cNvSpPr txBox="1"/>
+          <p:nvPr/>
+        </p:nvSpPr>
+        <p:spPr>
+          <a:xfrm>
+            <a:off x="6941133" y="5662830"/>
+            <a:ext cx="1696298" cy="369332"/>
+          </a:xfrm>
+          <a:prstGeom prst="rect">
+            <a:avLst/>
+          </a:prstGeom>
+          <a:noFill/>
+        </p:spPr>
+        <p:txBody>
+          <a:bodyPr wrap="none" rtlCol="0">
+            <a:spAutoFit/>
+          </a:bodyPr>
+          <a:lstStyle/>
+          <a:p>
+            <a:r>
+              <a:rPr lang="en-US" dirty="0"/>
+              <a:t>INITIALIZATION</a:t>
+            </a:r>
+          </a:p>
+        </p:txBody>
+      </p:sp>
+      <p:sp>
+        <p:nvSpPr>
+          <p:cNvPr id="16" name="Right Arrow 15">
+            <a:extLst>
+              <a:ext uri="{FF2B5EF4-FFF2-40B4-BE49-F238E27FC236}">
+                <a16:creationId xmlns:a16="http://schemas.microsoft.com/office/drawing/2014/main" id="{8EA43874-5EC4-A2BC-6DA2-6348EE5E4B86}"/>
+              </a:ext>
+            </a:extLst>
+          </p:cNvPr>
+          <p:cNvSpPr/>
+          <p:nvPr/>
+        </p:nvSpPr>
+        <p:spPr>
+          <a:xfrm rot="10800000" flipV="1">
+            <a:off x="5149041" y="5786975"/>
+            <a:ext cx="1151311" cy="121042"/>
+          </a:xfrm>
+          <a:prstGeom prst="rightArrow">
+            <a:avLst/>
+          </a:prstGeom>
+          <a:solidFill>
+            <a:srgbClr val="53AEFF"/>
+          </a:solidFill>
+          <a:ln>
+            <a:noFill/>
+          </a:ln>
+        </p:spPr>
+        <p:style>
+          <a:lnRef idx="2">
+            <a:schemeClr val="accent1">
+              <a:shade val="15000"/>
+            </a:schemeClr>
+          </a:lnRef>
+          <a:fillRef idx="1">
+            <a:schemeClr val="accent1"/>
+          </a:fillRef>
+          <a:effectRef idx="0">
+            <a:schemeClr val="accent1"/>
+          </a:effectRef>
+          <a:fontRef idx="minor">
+            <a:schemeClr val="lt1"/>
+          </a:fontRef>
+        </p:style>
+        <p:txBody>
+          <a:bodyPr rtlCol="0" anchor="ctr"/>
+          <a:lstStyle/>
+          <a:p>
+            <a:pPr algn="ctr"/>
+            <a:endParaRPr lang="en-US"/>
+          </a:p>
+        </p:txBody>
+      </p:sp>
+      <p:sp>
+        <p:nvSpPr>
+          <p:cNvPr id="19" name="Right Arrow 18">
+            <a:extLst>
+              <a:ext uri="{FF2B5EF4-FFF2-40B4-BE49-F238E27FC236}">
+                <a16:creationId xmlns:a16="http://schemas.microsoft.com/office/drawing/2014/main" id="{87DE2D00-FFCE-0BFA-6746-203E3C8BD811}"/>
+              </a:ext>
+            </a:extLst>
+          </p:cNvPr>
+          <p:cNvSpPr/>
+          <p:nvPr/>
+        </p:nvSpPr>
+        <p:spPr>
+          <a:xfrm rot="10800000" flipV="1">
+            <a:off x="5149041" y="4827145"/>
+            <a:ext cx="1151311" cy="121042"/>
+          </a:xfrm>
+          <a:prstGeom prst="rightArrow">
+            <a:avLst/>
+          </a:prstGeom>
+          <a:solidFill>
+            <a:srgbClr val="53AEFF"/>
+          </a:solidFill>
+          <a:ln>
+            <a:noFill/>
+          </a:ln>
+        </p:spPr>
+        <p:style>
+          <a:lnRef idx="2">
+            <a:schemeClr val="accent1">
+              <a:shade val="15000"/>
+            </a:schemeClr>
+          </a:lnRef>
+          <a:fillRef idx="1">
+            <a:schemeClr val="accent1"/>
+          </a:fillRef>
+          <a:effectRef idx="0">
+            <a:schemeClr val="accent1"/>
+          </a:effectRef>
+          <a:fontRef idx="minor">
+            <a:schemeClr val="lt1"/>
+          </a:fontRef>
+        </p:style>
+        <p:txBody>
+          <a:bodyPr rtlCol="0" anchor="ctr"/>
+          <a:lstStyle/>
+          <a:p>
+            <a:pPr algn="ctr"/>
+            <a:endParaRPr lang="en-US"/>
+          </a:p>
+        </p:txBody>
+      </p:sp>
+      <p:sp>
+        <p:nvSpPr>
+          <p:cNvPr id="20" name="Right Arrow 19">
+            <a:extLst>
+              <a:ext uri="{FF2B5EF4-FFF2-40B4-BE49-F238E27FC236}">
+                <a16:creationId xmlns:a16="http://schemas.microsoft.com/office/drawing/2014/main" id="{8F072212-4171-2964-8F80-0CB1DF692E8A}"/>
+              </a:ext>
+            </a:extLst>
+          </p:cNvPr>
+          <p:cNvSpPr/>
+          <p:nvPr/>
+        </p:nvSpPr>
+        <p:spPr>
+          <a:xfrm rot="10800000" flipV="1">
+            <a:off x="5149041" y="4347230"/>
+            <a:ext cx="1151311" cy="121042"/>
+          </a:xfrm>
+          <a:prstGeom prst="rightArrow">
+            <a:avLst/>
+          </a:prstGeom>
+          <a:solidFill>
+            <a:srgbClr val="53AEFF"/>
+          </a:solidFill>
+          <a:ln>
+            <a:noFill/>
+          </a:ln>
+        </p:spPr>
+        <p:style>
+          <a:lnRef idx="2">
+            <a:schemeClr val="accent1">
+              <a:shade val="15000"/>
+            </a:schemeClr>
+          </a:lnRef>
+          <a:fillRef idx="1">
+            <a:schemeClr val="accent1"/>
+          </a:fillRef>
+          <a:effectRef idx="0">
+            <a:schemeClr val="accent1"/>
+          </a:effectRef>
+          <a:fontRef idx="minor">
+            <a:schemeClr val="lt1"/>
+          </a:fontRef>
+        </p:style>
+        <p:txBody>
+          <a:bodyPr rtlCol="0" anchor="ctr"/>
+          <a:lstStyle/>
+          <a:p>
+            <a:pPr algn="ctr"/>
+            <a:endParaRPr lang="en-US"/>
+          </a:p>
+        </p:txBody>
+      </p:sp>
+      <p:sp>
+        <p:nvSpPr>
+          <p:cNvPr id="22" name="Right Arrow 21">
+            <a:extLst>
+              <a:ext uri="{FF2B5EF4-FFF2-40B4-BE49-F238E27FC236}">
+                <a16:creationId xmlns:a16="http://schemas.microsoft.com/office/drawing/2014/main" id="{197CF985-D24F-8624-659D-DEF81175630F}"/>
+              </a:ext>
+            </a:extLst>
+          </p:cNvPr>
+          <p:cNvSpPr/>
+          <p:nvPr/>
+        </p:nvSpPr>
+        <p:spPr>
+          <a:xfrm rot="10800000" flipV="1">
+            <a:off x="5149041" y="3387400"/>
+            <a:ext cx="1151311" cy="121042"/>
+          </a:xfrm>
+          <a:prstGeom prst="rightArrow">
+            <a:avLst/>
+          </a:prstGeom>
+          <a:solidFill>
+            <a:srgbClr val="53AEFF"/>
+          </a:solidFill>
+          <a:ln>
+            <a:noFill/>
+          </a:ln>
+        </p:spPr>
+        <p:style>
+          <a:lnRef idx="2">
+            <a:schemeClr val="accent1">
+              <a:shade val="15000"/>
+            </a:schemeClr>
+          </a:lnRef>
+          <a:fillRef idx="1">
+            <a:schemeClr val="accent1"/>
+          </a:fillRef>
+          <a:effectRef idx="0">
+            <a:schemeClr val="accent1"/>
+          </a:effectRef>
+          <a:fontRef idx="minor">
+            <a:schemeClr val="lt1"/>
+          </a:fontRef>
+        </p:style>
+        <p:txBody>
+          <a:bodyPr rtlCol="0" anchor="ctr"/>
+          <a:lstStyle/>
+          <a:p>
+            <a:pPr algn="ctr"/>
+            <a:endParaRPr lang="en-US"/>
+          </a:p>
+        </p:txBody>
+      </p:sp>
+      <p:sp>
+        <p:nvSpPr>
+          <p:cNvPr id="24" name="Right Arrow 23">
+            <a:extLst>
+              <a:ext uri="{FF2B5EF4-FFF2-40B4-BE49-F238E27FC236}">
+                <a16:creationId xmlns:a16="http://schemas.microsoft.com/office/drawing/2014/main" id="{A0A0BED0-52A1-A5A1-95F7-E5AE3778DAFA}"/>
+              </a:ext>
+            </a:extLst>
+          </p:cNvPr>
+          <p:cNvSpPr/>
+          <p:nvPr/>
+        </p:nvSpPr>
+        <p:spPr>
+          <a:xfrm rot="10800000" flipV="1">
+            <a:off x="5149039" y="2338343"/>
+            <a:ext cx="1151311" cy="121042"/>
+          </a:xfrm>
+          <a:prstGeom prst="rightArrow">
+            <a:avLst/>
+          </a:prstGeom>
+          <a:solidFill>
+            <a:srgbClr val="53AEFF"/>
+          </a:solidFill>
+          <a:ln>
+            <a:noFill/>
+          </a:ln>
+        </p:spPr>
+        <p:style>
+          <a:lnRef idx="2">
+            <a:schemeClr val="accent1">
+              <a:shade val="15000"/>
+            </a:schemeClr>
+          </a:lnRef>
+          <a:fillRef idx="1">
+            <a:schemeClr val="accent1"/>
+          </a:fillRef>
+          <a:effectRef idx="0">
+            <a:schemeClr val="accent1"/>
+          </a:effectRef>
+          <a:fontRef idx="minor">
+            <a:schemeClr val="lt1"/>
+          </a:fontRef>
+        </p:style>
+        <p:txBody>
+          <a:bodyPr rtlCol="0" anchor="ctr"/>
+          <a:lstStyle/>
+          <a:p>
+            <a:pPr algn="ctr"/>
+            <a:endParaRPr lang="en-US"/>
+          </a:p>
+        </p:txBody>
+      </p:sp>
+      <p:sp>
+        <p:nvSpPr>
+          <p:cNvPr id="27" name="TextBox 26">
+            <a:extLst>
+              <a:ext uri="{FF2B5EF4-FFF2-40B4-BE49-F238E27FC236}">
+                <a16:creationId xmlns:a16="http://schemas.microsoft.com/office/drawing/2014/main" id="{D261897F-6ED0-E9F8-8B81-46B5DCB3B930}"/>
+              </a:ext>
+            </a:extLst>
+          </p:cNvPr>
+          <p:cNvSpPr txBox="1"/>
+          <p:nvPr/>
+        </p:nvSpPr>
+        <p:spPr>
+          <a:xfrm>
+            <a:off x="6670964" y="4730160"/>
+            <a:ext cx="339427" cy="369332"/>
+          </a:xfrm>
+          <a:prstGeom prst="rect">
+            <a:avLst/>
+          </a:prstGeom>
+          <a:noFill/>
+        </p:spPr>
+        <p:txBody>
+          <a:bodyPr wrap="square">
+            <a:spAutoFit/>
+          </a:bodyPr>
+          <a:lstStyle/>
+          <a:p>
+            <a:r>
+              <a:rPr lang="en-US" dirty="0"/>
+              <a:t>⭐️ </a:t>
+            </a:r>
+          </a:p>
+        </p:txBody>
+      </p:sp>
+      <p:sp>
+        <p:nvSpPr>
+          <p:cNvPr id="28" name="Right Arrow 27">
+            <a:extLst>
+              <a:ext uri="{FF2B5EF4-FFF2-40B4-BE49-F238E27FC236}">
+                <a16:creationId xmlns:a16="http://schemas.microsoft.com/office/drawing/2014/main" id="{B1A96FBC-54ED-6F10-850E-EEBAE0EF0647}"/>
+              </a:ext>
+            </a:extLst>
+          </p:cNvPr>
+          <p:cNvSpPr/>
+          <p:nvPr/>
+        </p:nvSpPr>
+        <p:spPr>
+          <a:xfrm rot="10800000">
+            <a:off x="4967894" y="2199465"/>
+            <a:ext cx="1513599" cy="375666"/>
+          </a:xfrm>
+          <a:prstGeom prst="rightArrow">
+            <a:avLst/>
+          </a:prstGeom>
+          <a:solidFill>
+            <a:srgbClr val="53AEFF"/>
+          </a:solidFill>
+          <a:ln>
+            <a:noFill/>
+          </a:ln>
+        </p:spPr>
+        <p:style>
+          <a:lnRef idx="2">
+            <a:schemeClr val="accent1">
+              <a:shade val="15000"/>
+            </a:schemeClr>
+          </a:lnRef>
+          <a:fillRef idx="1">
+            <a:schemeClr val="accent1"/>
+          </a:fillRef>
+          <a:effectRef idx="0">
+            <a:schemeClr val="accent1"/>
+          </a:effectRef>
+          <a:fontRef idx="minor">
+            <a:schemeClr val="lt1"/>
+          </a:fontRef>
+        </p:style>
+        <p:txBody>
+          <a:bodyPr rtlCol="0" anchor="ctr"/>
+          <a:lstStyle/>
+          <a:p>
+            <a:pPr algn="ctr"/>
+            <a:endParaRPr lang="en-US"/>
+          </a:p>
+        </p:txBody>
+      </p:sp>
+      <p:sp>
+        <p:nvSpPr>
+          <p:cNvPr id="29" name="Right Arrow 28">
+            <a:extLst>
+              <a:ext uri="{FF2B5EF4-FFF2-40B4-BE49-F238E27FC236}">
+                <a16:creationId xmlns:a16="http://schemas.microsoft.com/office/drawing/2014/main" id="{65AFAE46-4380-1133-D95B-C5F5229D8043}"/>
+              </a:ext>
+            </a:extLst>
+          </p:cNvPr>
+          <p:cNvSpPr/>
+          <p:nvPr/>
+        </p:nvSpPr>
+        <p:spPr>
+          <a:xfrm rot="10800000">
+            <a:off x="4967894" y="3244334"/>
+            <a:ext cx="1513599" cy="375666"/>
+          </a:xfrm>
+          <a:prstGeom prst="rightArrow">
+            <a:avLst/>
+          </a:prstGeom>
+          <a:solidFill>
+            <a:srgbClr val="53AEFF"/>
+          </a:solidFill>
+          <a:ln>
+            <a:noFill/>
+          </a:ln>
+        </p:spPr>
+        <p:style>
+          <a:lnRef idx="2">
+            <a:schemeClr val="accent1">
+              <a:shade val="15000"/>
+            </a:schemeClr>
+          </a:lnRef>
+          <a:fillRef idx="1">
+            <a:schemeClr val="accent1"/>
+          </a:fillRef>
+          <a:effectRef idx="0">
+            <a:schemeClr val="accent1"/>
+          </a:effectRef>
+          <a:fontRef idx="minor">
+            <a:schemeClr val="lt1"/>
+          </a:fontRef>
+        </p:style>
+        <p:txBody>
+          <a:bodyPr rtlCol="0" anchor="ctr"/>
+          <a:lstStyle/>
+          <a:p>
+            <a:pPr algn="ctr"/>
+            <a:endParaRPr lang="en-US"/>
+          </a:p>
+        </p:txBody>
+      </p:sp>
+      <p:sp>
+        <p:nvSpPr>
+          <p:cNvPr id="30" name="Right Arrow 29">
+            <a:extLst>
+              <a:ext uri="{FF2B5EF4-FFF2-40B4-BE49-F238E27FC236}">
+                <a16:creationId xmlns:a16="http://schemas.microsoft.com/office/drawing/2014/main" id="{CC9BDBD8-467E-D0E8-4357-5BC09B3DD187}"/>
+              </a:ext>
+            </a:extLst>
+          </p:cNvPr>
+          <p:cNvSpPr/>
+          <p:nvPr/>
+        </p:nvSpPr>
+        <p:spPr>
+          <a:xfrm rot="10800000">
+            <a:off x="4967894" y="4192648"/>
+            <a:ext cx="1513599" cy="375666"/>
+          </a:xfrm>
+          <a:prstGeom prst="rightArrow">
+            <a:avLst/>
+          </a:prstGeom>
+          <a:solidFill>
+            <a:srgbClr val="53AEFF"/>
+          </a:solidFill>
+          <a:ln>
+            <a:noFill/>
+          </a:ln>
+        </p:spPr>
+        <p:style>
+          <a:lnRef idx="2">
+            <a:schemeClr val="accent1">
+              <a:shade val="15000"/>
+            </a:schemeClr>
+          </a:lnRef>
+          <a:fillRef idx="1">
+            <a:schemeClr val="accent1"/>
+          </a:fillRef>
+          <a:effectRef idx="0">
+            <a:schemeClr val="accent1"/>
+          </a:effectRef>
+          <a:fontRef idx="minor">
+            <a:schemeClr val="lt1"/>
+          </a:fontRef>
+        </p:style>
+        <p:txBody>
+          <a:bodyPr rtlCol="0" anchor="ctr"/>
+          <a:lstStyle/>
+          <a:p>
+            <a:pPr algn="ctr"/>
+            <a:endParaRPr lang="en-US"/>
+          </a:p>
+        </p:txBody>
+      </p:sp>
+      <p:sp>
+        <p:nvSpPr>
+          <p:cNvPr id="31" name="Right Arrow 30">
+            <a:extLst>
+              <a:ext uri="{FF2B5EF4-FFF2-40B4-BE49-F238E27FC236}">
+                <a16:creationId xmlns:a16="http://schemas.microsoft.com/office/drawing/2014/main" id="{671DA172-6AD6-B030-CA50-6650F124CB7E}"/>
+              </a:ext>
+            </a:extLst>
+          </p:cNvPr>
+          <p:cNvSpPr/>
+          <p:nvPr/>
+        </p:nvSpPr>
+        <p:spPr>
+          <a:xfrm rot="10800000">
+            <a:off x="4967894" y="4696666"/>
+            <a:ext cx="1513599" cy="375666"/>
+          </a:xfrm>
+          <a:prstGeom prst="rightArrow">
+            <a:avLst/>
+          </a:prstGeom>
+          <a:solidFill>
+            <a:srgbClr val="53AEFF"/>
+          </a:solidFill>
+          <a:ln>
+            <a:noFill/>
+          </a:ln>
+        </p:spPr>
+        <p:style>
+          <a:lnRef idx="2">
+            <a:schemeClr val="accent1">
+              <a:shade val="15000"/>
+            </a:schemeClr>
+          </a:lnRef>
+          <a:fillRef idx="1">
+            <a:schemeClr val="accent1"/>
+          </a:fillRef>
+          <a:effectRef idx="0">
+            <a:schemeClr val="accent1"/>
+          </a:effectRef>
+          <a:fontRef idx="minor">
+            <a:schemeClr val="lt1"/>
+          </a:fontRef>
+        </p:style>
+        <p:txBody>
+          <a:bodyPr rtlCol="0" anchor="ctr"/>
+          <a:lstStyle/>
+          <a:p>
+            <a:pPr algn="ctr"/>
+            <a:endParaRPr lang="en-US"/>
+          </a:p>
+        </p:txBody>
+      </p:sp>
+      <p:sp>
+        <p:nvSpPr>
+          <p:cNvPr id="32" name="Right Arrow 31">
+            <a:extLst>
+              <a:ext uri="{FF2B5EF4-FFF2-40B4-BE49-F238E27FC236}">
+                <a16:creationId xmlns:a16="http://schemas.microsoft.com/office/drawing/2014/main" id="{72F37FDD-9802-ADA2-A803-895AC19EA909}"/>
+              </a:ext>
+            </a:extLst>
+          </p:cNvPr>
+          <p:cNvSpPr/>
+          <p:nvPr/>
+        </p:nvSpPr>
+        <p:spPr>
+          <a:xfrm rot="10800000">
+            <a:off x="4967894" y="5644981"/>
+            <a:ext cx="1513599" cy="375666"/>
+          </a:xfrm>
+          <a:prstGeom prst="rightArrow">
+            <a:avLst/>
+          </a:prstGeom>
+          <a:solidFill>
+            <a:srgbClr val="53AEFF"/>
+          </a:solidFill>
+          <a:ln>
+            <a:noFill/>
+          </a:ln>
+        </p:spPr>
+        <p:style>
+          <a:lnRef idx="2">
+            <a:schemeClr val="accent1">
+              <a:shade val="15000"/>
+            </a:schemeClr>
+          </a:lnRef>
+          <a:fillRef idx="1">
+            <a:schemeClr val="accent1"/>
+          </a:fillRef>
+          <a:effectRef idx="0">
+            <a:schemeClr val="accent1"/>
+          </a:effectRef>
+          <a:fontRef idx="minor">
+            <a:schemeClr val="lt1"/>
+          </a:fontRef>
+        </p:style>
+        <p:txBody>
+          <a:bodyPr rtlCol="0" anchor="ctr"/>
+          <a:lstStyle/>
+          <a:p>
+            <a:pPr algn="ctr"/>
+            <a:endParaRPr lang="en-US"/>
           </a:p>
         </p:txBody>
       </p:sp>
     </p:spTree>
     <p:extLst>
       <p:ext uri="{BB962C8B-B14F-4D97-AF65-F5344CB8AC3E}">
-        <p14:creationId xmlns:p14="http://schemas.microsoft.com/office/powerpoint/2010/main" val="4177265609"/>
+        <p14:creationId xmlns:p14="http://schemas.microsoft.com/office/powerpoint/2010/main" val="1397826661"/>
       </p:ext>
     </p:extLst>
   </p:cSld>
@@ -6442,56 +10245,382 @@
           </a:p>
         </p:txBody>
       </p:sp>
-      <p:sp>
-        <p:nvSpPr>
-          <p:cNvPr id="8" name="Subtitle 2">
-            <a:extLst>
-              <a:ext uri="{FF2B5EF4-FFF2-40B4-BE49-F238E27FC236}">
-                <a16:creationId xmlns:a16="http://schemas.microsoft.com/office/drawing/2014/main" id="{09ECF63F-4926-CB43-28F6-0977331600A4}"/>
-              </a:ext>
-            </a:extLst>
-          </p:cNvPr>
-          <p:cNvSpPr>
-            <a:spLocks noGrp="1"/>
-          </p:cNvSpPr>
-          <p:nvPr>
-            <p:ph idx="1"/>
-          </p:nvPr>
-        </p:nvSpPr>
-        <p:spPr>
-          <a:xfrm>
-            <a:off x="838200" y="1817312"/>
-            <a:ext cx="10515600" cy="4351338"/>
-          </a:xfrm>
-        </p:spPr>
-        <p:txBody>
-          <a:bodyPr>
-            <a:normAutofit/>
+      <p:pic>
+        <p:nvPicPr>
+          <p:cNvPr id="10" name="Picture 9">
+            <a:extLst>
+              <a:ext uri="{FF2B5EF4-FFF2-40B4-BE49-F238E27FC236}">
+                <a16:creationId xmlns:a16="http://schemas.microsoft.com/office/drawing/2014/main" id="{253382B9-8DEA-97F9-ED49-FDE97865C061}"/>
+              </a:ext>
+            </a:extLst>
+          </p:cNvPr>
+          <p:cNvPicPr>
+            <a:picLocks noChangeAspect="1"/>
+          </p:cNvPicPr>
+          <p:nvPr/>
+        </p:nvPicPr>
+        <p:blipFill>
+          <a:blip r:embed="rId2"/>
+          <a:stretch>
+            <a:fillRect/>
+          </a:stretch>
+        </p:blipFill>
+        <p:spPr>
+          <a:xfrm>
+            <a:off x="1520709" y="3071361"/>
+            <a:ext cx="1048790" cy="1310988"/>
+          </a:xfrm>
+          <a:prstGeom prst="rect">
+            <a:avLst/>
+          </a:prstGeom>
+        </p:spPr>
+      </p:pic>
+      <p:pic>
+        <p:nvPicPr>
+          <p:cNvPr id="11" name="Picture 10">
+            <a:extLst>
+              <a:ext uri="{FF2B5EF4-FFF2-40B4-BE49-F238E27FC236}">
+                <a16:creationId xmlns:a16="http://schemas.microsoft.com/office/drawing/2014/main" id="{6ED9E976-F703-9F06-0679-E6D3EF51DD12}"/>
+              </a:ext>
+            </a:extLst>
+          </p:cNvPr>
+          <p:cNvPicPr>
+            <a:picLocks noChangeAspect="1"/>
+          </p:cNvPicPr>
+          <p:nvPr/>
+        </p:nvPicPr>
+        <p:blipFill>
+          <a:blip r:embed="rId3"/>
+          <a:stretch>
+            <a:fillRect/>
+          </a:stretch>
+        </p:blipFill>
+        <p:spPr>
+          <a:xfrm>
+            <a:off x="9174483" y="1590664"/>
+            <a:ext cx="1287087" cy="1100798"/>
+          </a:xfrm>
+          <a:prstGeom prst="rect">
+            <a:avLst/>
+          </a:prstGeom>
+        </p:spPr>
+      </p:pic>
+      <p:sp>
+        <p:nvSpPr>
+          <p:cNvPr id="12" name="TextBox 11">
+            <a:extLst>
+              <a:ext uri="{FF2B5EF4-FFF2-40B4-BE49-F238E27FC236}">
+                <a16:creationId xmlns:a16="http://schemas.microsoft.com/office/drawing/2014/main" id="{C5DD0C1D-D5CF-0343-146E-71373966D915}"/>
+              </a:ext>
+            </a:extLst>
+          </p:cNvPr>
+          <p:cNvSpPr txBox="1"/>
+          <p:nvPr/>
+        </p:nvSpPr>
+        <p:spPr>
+          <a:xfrm>
+            <a:off x="1400867" y="4134179"/>
+            <a:ext cx="1288473" cy="369332"/>
+          </a:xfrm>
+          <a:prstGeom prst="rect">
+            <a:avLst/>
+          </a:prstGeom>
+          <a:noFill/>
+        </p:spPr>
+        <p:txBody>
+          <a:bodyPr wrap="square" rtlCol="0">
+            <a:spAutoFit/>
           </a:bodyPr>
           <a:lstStyle/>
           <a:p>
-            <a:pPr marL="0" indent="0" algn="l">
-              <a:buNone/>
-            </a:pPr>
-            <a:endParaRPr lang="en-US" sz="2000" i="1" dirty="0"/>
-          </a:p>
-          <a:p>
-            <a:pPr marL="0" indent="0" algn="l">
-              <a:buNone/>
-            </a:pPr>
-            <a:r>
-              <a:rPr lang="en-US" sz="2400" i="1" dirty="0"/>
-              <a:t>??</a:t>
-            </a:r>
-          </a:p>
-        </p:txBody>
-      </p:sp>
-      <p:sp>
-        <p:nvSpPr>
-          <p:cNvPr id="3" name="Rectangle 2">
-            <a:extLst>
-              <a:ext uri="{FF2B5EF4-FFF2-40B4-BE49-F238E27FC236}">
-                <a16:creationId xmlns:a16="http://schemas.microsoft.com/office/drawing/2014/main" id="{30B770B2-559D-587C-BB7A-5CD54F21EC62}"/>
+            <a:pPr algn="ctr"/>
+            <a:r>
+              <a:rPr lang="en-US" dirty="0" err="1"/>
+              <a:t>main.R</a:t>
+            </a:r>
+            <a:endParaRPr lang="en-US" dirty="0"/>
+          </a:p>
+        </p:txBody>
+      </p:sp>
+      <p:sp>
+        <p:nvSpPr>
+          <p:cNvPr id="13" name="TextBox 12">
+            <a:extLst>
+              <a:ext uri="{FF2B5EF4-FFF2-40B4-BE49-F238E27FC236}">
+                <a16:creationId xmlns:a16="http://schemas.microsoft.com/office/drawing/2014/main" id="{1AA65873-A9D3-BB8E-C7C2-73F5EBD29DC5}"/>
+              </a:ext>
+            </a:extLst>
+          </p:cNvPr>
+          <p:cNvSpPr txBox="1"/>
+          <p:nvPr/>
+        </p:nvSpPr>
+        <p:spPr>
+          <a:xfrm>
+            <a:off x="1833824" y="3660311"/>
+            <a:ext cx="339427" cy="369332"/>
+          </a:xfrm>
+          <a:prstGeom prst="rect">
+            <a:avLst/>
+          </a:prstGeom>
+          <a:noFill/>
+        </p:spPr>
+        <p:txBody>
+          <a:bodyPr wrap="square">
+            <a:spAutoFit/>
+          </a:bodyPr>
+          <a:lstStyle/>
+          <a:p>
+            <a:r>
+              <a:rPr lang="en-US" dirty="0"/>
+              <a:t>⭐️ </a:t>
+            </a:r>
+          </a:p>
+        </p:txBody>
+      </p:sp>
+      <p:pic>
+        <p:nvPicPr>
+          <p:cNvPr id="14" name="Picture 13">
+            <a:extLst>
+              <a:ext uri="{FF2B5EF4-FFF2-40B4-BE49-F238E27FC236}">
+                <a16:creationId xmlns:a16="http://schemas.microsoft.com/office/drawing/2014/main" id="{40F85DEF-7B35-A9D5-F084-65547A619CC7}"/>
+              </a:ext>
+            </a:extLst>
+          </p:cNvPr>
+          <p:cNvPicPr>
+            <a:picLocks noChangeAspect="1"/>
+          </p:cNvPicPr>
+          <p:nvPr/>
+        </p:nvPicPr>
+        <p:blipFill>
+          <a:blip r:embed="rId2"/>
+          <a:stretch>
+            <a:fillRect/>
+          </a:stretch>
+        </p:blipFill>
+        <p:spPr>
+          <a:xfrm>
+            <a:off x="5152159" y="1591722"/>
+            <a:ext cx="1048790" cy="1310988"/>
+          </a:xfrm>
+          <a:prstGeom prst="rect">
+            <a:avLst/>
+          </a:prstGeom>
+        </p:spPr>
+      </p:pic>
+      <p:pic>
+        <p:nvPicPr>
+          <p:cNvPr id="15" name="Picture 14">
+            <a:extLst>
+              <a:ext uri="{FF2B5EF4-FFF2-40B4-BE49-F238E27FC236}">
+                <a16:creationId xmlns:a16="http://schemas.microsoft.com/office/drawing/2014/main" id="{6046AD00-E89A-7513-E3CD-7B958517145C}"/>
+              </a:ext>
+            </a:extLst>
+          </p:cNvPr>
+          <p:cNvPicPr>
+            <a:picLocks noChangeAspect="1"/>
+          </p:cNvPicPr>
+          <p:nvPr/>
+        </p:nvPicPr>
+        <p:blipFill>
+          <a:blip r:embed="rId2"/>
+          <a:stretch>
+            <a:fillRect/>
+          </a:stretch>
+        </p:blipFill>
+        <p:spPr>
+          <a:xfrm>
+            <a:off x="5152159" y="3101639"/>
+            <a:ext cx="1048790" cy="1310988"/>
+          </a:xfrm>
+          <a:prstGeom prst="rect">
+            <a:avLst/>
+          </a:prstGeom>
+        </p:spPr>
+      </p:pic>
+      <p:sp>
+        <p:nvSpPr>
+          <p:cNvPr id="16" name="TextBox 15">
+            <a:extLst>
+              <a:ext uri="{FF2B5EF4-FFF2-40B4-BE49-F238E27FC236}">
+                <a16:creationId xmlns:a16="http://schemas.microsoft.com/office/drawing/2014/main" id="{6ECE8C94-B0E8-12F7-D85F-51C5F0340DD1}"/>
+              </a:ext>
+            </a:extLst>
+          </p:cNvPr>
+          <p:cNvSpPr txBox="1"/>
+          <p:nvPr/>
+        </p:nvSpPr>
+        <p:spPr>
+          <a:xfrm>
+            <a:off x="4108219" y="4137688"/>
+            <a:ext cx="3237806" cy="369332"/>
+          </a:xfrm>
+          <a:prstGeom prst="rect">
+            <a:avLst/>
+          </a:prstGeom>
+          <a:noFill/>
+        </p:spPr>
+        <p:txBody>
+          <a:bodyPr wrap="square" rtlCol="0">
+            <a:spAutoFit/>
+          </a:bodyPr>
+          <a:lstStyle/>
+          <a:p>
+            <a:pPr algn="ctr"/>
+            <a:r>
+              <a:rPr lang="en-US" dirty="0" err="1"/>
+              <a:t>monte_carlo_simulation.R</a:t>
+            </a:r>
+            <a:endParaRPr lang="en-US" dirty="0"/>
+          </a:p>
+        </p:txBody>
+      </p:sp>
+      <p:sp>
+        <p:nvSpPr>
+          <p:cNvPr id="18" name="TextBox 17">
+            <a:extLst>
+              <a:ext uri="{FF2B5EF4-FFF2-40B4-BE49-F238E27FC236}">
+                <a16:creationId xmlns:a16="http://schemas.microsoft.com/office/drawing/2014/main" id="{E63A6F12-5D4E-5A40-A0EF-CEAD076902C4}"/>
+              </a:ext>
+            </a:extLst>
+          </p:cNvPr>
+          <p:cNvSpPr txBox="1"/>
+          <p:nvPr/>
+        </p:nvSpPr>
+        <p:spPr>
+          <a:xfrm>
+            <a:off x="4057651" y="2637914"/>
+            <a:ext cx="3237806" cy="369332"/>
+          </a:xfrm>
+          <a:prstGeom prst="rect">
+            <a:avLst/>
+          </a:prstGeom>
+          <a:noFill/>
+        </p:spPr>
+        <p:txBody>
+          <a:bodyPr wrap="square" rtlCol="0">
+            <a:spAutoFit/>
+          </a:bodyPr>
+          <a:lstStyle/>
+          <a:p>
+            <a:pPr algn="ctr"/>
+            <a:r>
+              <a:rPr lang="en-US" dirty="0" err="1"/>
+              <a:t>setup.R</a:t>
+            </a:r>
+            <a:endParaRPr lang="en-US" dirty="0"/>
+          </a:p>
+        </p:txBody>
+      </p:sp>
+      <p:pic>
+        <p:nvPicPr>
+          <p:cNvPr id="19" name="Picture 18">
+            <a:extLst>
+              <a:ext uri="{FF2B5EF4-FFF2-40B4-BE49-F238E27FC236}">
+                <a16:creationId xmlns:a16="http://schemas.microsoft.com/office/drawing/2014/main" id="{CEEC1A38-AE79-A530-328F-9D87F2BB6B54}"/>
+              </a:ext>
+            </a:extLst>
+          </p:cNvPr>
+          <p:cNvPicPr>
+            <a:picLocks noChangeAspect="1"/>
+          </p:cNvPicPr>
+          <p:nvPr/>
+        </p:nvPicPr>
+        <p:blipFill>
+          <a:blip r:embed="rId2"/>
+          <a:stretch>
+            <a:fillRect/>
+          </a:stretch>
+        </p:blipFill>
+        <p:spPr>
+          <a:xfrm>
+            <a:off x="5152159" y="4611556"/>
+            <a:ext cx="1048790" cy="1310988"/>
+          </a:xfrm>
+          <a:prstGeom prst="rect">
+            <a:avLst/>
+          </a:prstGeom>
+        </p:spPr>
+      </p:pic>
+      <p:sp>
+        <p:nvSpPr>
+          <p:cNvPr id="17" name="TextBox 16">
+            <a:extLst>
+              <a:ext uri="{FF2B5EF4-FFF2-40B4-BE49-F238E27FC236}">
+                <a16:creationId xmlns:a16="http://schemas.microsoft.com/office/drawing/2014/main" id="{6869D4DC-086F-8327-EC61-46E9017F1A46}"/>
+              </a:ext>
+            </a:extLst>
+          </p:cNvPr>
+          <p:cNvSpPr txBox="1"/>
+          <p:nvPr/>
+        </p:nvSpPr>
+        <p:spPr>
+          <a:xfrm>
+            <a:off x="4057651" y="5737878"/>
+            <a:ext cx="3237806" cy="369332"/>
+          </a:xfrm>
+          <a:prstGeom prst="rect">
+            <a:avLst/>
+          </a:prstGeom>
+          <a:noFill/>
+        </p:spPr>
+        <p:txBody>
+          <a:bodyPr wrap="square" rtlCol="0">
+            <a:spAutoFit/>
+          </a:bodyPr>
+          <a:lstStyle/>
+          <a:p>
+            <a:pPr algn="ctr"/>
+            <a:r>
+              <a:rPr lang="en-US" dirty="0" err="1"/>
+              <a:t>output_analysis.R</a:t>
+            </a:r>
+            <a:endParaRPr lang="en-US" dirty="0"/>
+          </a:p>
+        </p:txBody>
+      </p:sp>
+      <p:sp>
+        <p:nvSpPr>
+          <p:cNvPr id="20" name="TextBox 19">
+            <a:extLst>
+              <a:ext uri="{FF2B5EF4-FFF2-40B4-BE49-F238E27FC236}">
+                <a16:creationId xmlns:a16="http://schemas.microsoft.com/office/drawing/2014/main" id="{2D4B187A-5CEE-A4B1-F60B-A4E28B4BA6A7}"/>
+              </a:ext>
+            </a:extLst>
+          </p:cNvPr>
+          <p:cNvSpPr txBox="1"/>
+          <p:nvPr/>
+        </p:nvSpPr>
+        <p:spPr>
+          <a:xfrm>
+            <a:off x="8186654" y="2474080"/>
+            <a:ext cx="3237806" cy="369332"/>
+          </a:xfrm>
+          <a:prstGeom prst="rect">
+            <a:avLst/>
+          </a:prstGeom>
+          <a:noFill/>
+        </p:spPr>
+        <p:txBody>
+          <a:bodyPr wrap="square" rtlCol="0">
+            <a:spAutoFit/>
+          </a:bodyPr>
+          <a:lstStyle/>
+          <a:p>
+            <a:pPr algn="ctr"/>
+            <a:r>
+              <a:rPr lang="en-US" dirty="0" err="1"/>
+              <a:t>output.R</a:t>
+            </a:r>
+            <a:endParaRPr lang="en-US" dirty="0"/>
+          </a:p>
+        </p:txBody>
+      </p:sp>
+      <p:sp>
+        <p:nvSpPr>
+          <p:cNvPr id="22" name="Right Arrow 21">
+            <a:extLst>
+              <a:ext uri="{FF2B5EF4-FFF2-40B4-BE49-F238E27FC236}">
+                <a16:creationId xmlns:a16="http://schemas.microsoft.com/office/drawing/2014/main" id="{A63772A1-C797-B0CA-1C05-0C3633E20DBA}"/>
               </a:ext>
             </a:extLst>
           </p:cNvPr>
@@ -6499,13 +10628,19 @@
           <p:nvPr/>
         </p:nvSpPr>
         <p:spPr>
-          <a:xfrm>
-            <a:off x="2651219" y="2153439"/>
-            <a:ext cx="1390538" cy="1114594"/>
-          </a:xfrm>
-          <a:prstGeom prst="rect">
-            <a:avLst/>
-          </a:prstGeom>
+          <a:xfrm flipV="1">
+            <a:off x="2689982" y="3613329"/>
+            <a:ext cx="2353418" cy="375666"/>
+          </a:xfrm>
+          <a:prstGeom prst="rightArrow">
+            <a:avLst/>
+          </a:prstGeom>
+          <a:solidFill>
+            <a:srgbClr val="53AEFF"/>
+          </a:solidFill>
+          <a:ln>
+            <a:noFill/>
+          </a:ln>
         </p:spPr>
         <p:style>
           <a:lnRef idx="2">
@@ -6534,36 +10669,219 @@
       </p:sp>
       <p:sp>
         <p:nvSpPr>
-          <p:cNvPr id="4" name="TextBox 3">
-            <a:extLst>
-              <a:ext uri="{FF2B5EF4-FFF2-40B4-BE49-F238E27FC236}">
-                <a16:creationId xmlns:a16="http://schemas.microsoft.com/office/drawing/2014/main" id="{3098321E-89AB-4F87-6D79-8EA96A27D1AF}"/>
-              </a:ext>
-            </a:extLst>
-          </p:cNvPr>
-          <p:cNvSpPr txBox="1"/>
+          <p:cNvPr id="23" name="Right Arrow 22">
+            <a:extLst>
+              <a:ext uri="{FF2B5EF4-FFF2-40B4-BE49-F238E27FC236}">
+                <a16:creationId xmlns:a16="http://schemas.microsoft.com/office/drawing/2014/main" id="{77B5FE37-B75F-E687-BDD5-96E806D9DCDA}"/>
+              </a:ext>
+            </a:extLst>
+          </p:cNvPr>
+          <p:cNvSpPr/>
           <p:nvPr/>
         </p:nvSpPr>
         <p:spPr>
-          <a:xfrm>
-            <a:off x="5167969" y="2828919"/>
-            <a:ext cx="3543977" cy="369332"/>
-          </a:xfrm>
-          <a:prstGeom prst="rect">
-            <a:avLst/>
-          </a:prstGeom>
-          <a:noFill/>
-        </p:spPr>
-        <p:txBody>
-          <a:bodyPr wrap="square" rtlCol="0">
-            <a:spAutoFit/>
-          </a:bodyPr>
-          <a:lstStyle/>
-          <a:p>
-            <a:r>
-              <a:rPr lang="en-US" dirty="0"/>
-              <a:t>JOSH - FLOW</a:t>
-            </a:r>
+          <a:xfrm rot="1156573" flipV="1">
+            <a:off x="2612620" y="4587589"/>
+            <a:ext cx="2353418" cy="375666"/>
+          </a:xfrm>
+          <a:prstGeom prst="rightArrow">
+            <a:avLst/>
+          </a:prstGeom>
+          <a:solidFill>
+            <a:srgbClr val="53AEFF"/>
+          </a:solidFill>
+          <a:ln>
+            <a:noFill/>
+          </a:ln>
+        </p:spPr>
+        <p:style>
+          <a:lnRef idx="2">
+            <a:schemeClr val="accent1">
+              <a:shade val="15000"/>
+            </a:schemeClr>
+          </a:lnRef>
+          <a:fillRef idx="1">
+            <a:schemeClr val="accent1"/>
+          </a:fillRef>
+          <a:effectRef idx="0">
+            <a:schemeClr val="accent1"/>
+          </a:effectRef>
+          <a:fontRef idx="minor">
+            <a:schemeClr val="lt1"/>
+          </a:fontRef>
+        </p:style>
+        <p:txBody>
+          <a:bodyPr rtlCol="0" anchor="ctr"/>
+          <a:lstStyle/>
+          <a:p>
+            <a:pPr algn="ctr"/>
+            <a:endParaRPr lang="en-US"/>
+          </a:p>
+        </p:txBody>
+      </p:sp>
+      <p:sp>
+        <p:nvSpPr>
+          <p:cNvPr id="24" name="Right Arrow 23">
+            <a:extLst>
+              <a:ext uri="{FF2B5EF4-FFF2-40B4-BE49-F238E27FC236}">
+                <a16:creationId xmlns:a16="http://schemas.microsoft.com/office/drawing/2014/main" id="{6A53E8D0-B9AD-EB3D-564D-02ED5374A867}"/>
+              </a:ext>
+            </a:extLst>
+          </p:cNvPr>
+          <p:cNvSpPr/>
+          <p:nvPr/>
+        </p:nvSpPr>
+        <p:spPr>
+          <a:xfrm rot="20443427">
+            <a:off x="2565538" y="2587824"/>
+            <a:ext cx="2353418" cy="375666"/>
+          </a:xfrm>
+          <a:prstGeom prst="rightArrow">
+            <a:avLst/>
+          </a:prstGeom>
+          <a:solidFill>
+            <a:srgbClr val="53AEFF"/>
+          </a:solidFill>
+          <a:ln>
+            <a:noFill/>
+          </a:ln>
+        </p:spPr>
+        <p:style>
+          <a:lnRef idx="2">
+            <a:schemeClr val="accent1">
+              <a:shade val="15000"/>
+            </a:schemeClr>
+          </a:lnRef>
+          <a:fillRef idx="1">
+            <a:schemeClr val="accent1"/>
+          </a:fillRef>
+          <a:effectRef idx="0">
+            <a:schemeClr val="accent1"/>
+          </a:effectRef>
+          <a:fontRef idx="minor">
+            <a:schemeClr val="lt1"/>
+          </a:fontRef>
+        </p:style>
+        <p:txBody>
+          <a:bodyPr rtlCol="0" anchor="ctr"/>
+          <a:lstStyle/>
+          <a:p>
+            <a:pPr algn="ctr"/>
+            <a:endParaRPr lang="en-US"/>
+          </a:p>
+        </p:txBody>
+      </p:sp>
+      <p:sp>
+        <p:nvSpPr>
+          <p:cNvPr id="27" name="Right Arrow 26">
+            <a:extLst>
+              <a:ext uri="{FF2B5EF4-FFF2-40B4-BE49-F238E27FC236}">
+                <a16:creationId xmlns:a16="http://schemas.microsoft.com/office/drawing/2014/main" id="{26F489DD-8192-1745-1F18-B41D92FF3301}"/>
+              </a:ext>
+            </a:extLst>
+          </p:cNvPr>
+          <p:cNvSpPr/>
+          <p:nvPr/>
+        </p:nvSpPr>
+        <p:spPr>
+          <a:xfrm flipV="1">
+            <a:off x="6438112" y="1939794"/>
+            <a:ext cx="2607522" cy="375666"/>
+          </a:xfrm>
+          <a:prstGeom prst="rightArrow">
+            <a:avLst/>
+          </a:prstGeom>
+          <a:solidFill>
+            <a:srgbClr val="53AEFF"/>
+          </a:solidFill>
+          <a:ln>
+            <a:noFill/>
+          </a:ln>
+        </p:spPr>
+        <p:style>
+          <a:lnRef idx="2">
+            <a:schemeClr val="accent1">
+              <a:shade val="15000"/>
+            </a:schemeClr>
+          </a:lnRef>
+          <a:fillRef idx="1">
+            <a:schemeClr val="accent1"/>
+          </a:fillRef>
+          <a:effectRef idx="0">
+            <a:schemeClr val="accent1"/>
+          </a:effectRef>
+          <a:fontRef idx="minor">
+            <a:schemeClr val="lt1"/>
+          </a:fontRef>
+        </p:style>
+        <p:txBody>
+          <a:bodyPr rtlCol="0" anchor="ctr"/>
+          <a:lstStyle/>
+          <a:p>
+            <a:pPr algn="ctr"/>
+            <a:endParaRPr lang="en-US"/>
+          </a:p>
+        </p:txBody>
+      </p:sp>
+      <p:sp>
+        <p:nvSpPr>
+          <p:cNvPr id="31" name="U-Turn Arrow 30">
+            <a:extLst>
+              <a:ext uri="{FF2B5EF4-FFF2-40B4-BE49-F238E27FC236}">
+                <a16:creationId xmlns:a16="http://schemas.microsoft.com/office/drawing/2014/main" id="{02611323-7819-90AA-115C-22B138D09D74}"/>
+              </a:ext>
+            </a:extLst>
+          </p:cNvPr>
+          <p:cNvSpPr/>
+          <p:nvPr/>
+        </p:nvSpPr>
+        <p:spPr>
+          <a:xfrm rot="5400000">
+            <a:off x="5370003" y="3383569"/>
+            <a:ext cx="3187872" cy="1051654"/>
+          </a:xfrm>
+          <a:prstGeom prst="uturnArrow">
+            <a:avLst>
+              <a:gd name="adj1" fmla="val 18137"/>
+              <a:gd name="adj2" fmla="val 20257"/>
+              <a:gd name="adj3" fmla="val 18676"/>
+              <a:gd name="adj4" fmla="val 43750"/>
+              <a:gd name="adj5" fmla="val 92390"/>
+            </a:avLst>
+          </a:prstGeom>
+          <a:solidFill>
+            <a:srgbClr val="53AEFF"/>
+          </a:solidFill>
+          <a:ln>
+            <a:noFill/>
+          </a:ln>
+        </p:spPr>
+        <p:style>
+          <a:lnRef idx="2">
+            <a:schemeClr val="accent1">
+              <a:shade val="15000"/>
+            </a:schemeClr>
+          </a:lnRef>
+          <a:fillRef idx="1">
+            <a:schemeClr val="accent1"/>
+          </a:fillRef>
+          <a:effectRef idx="0">
+            <a:schemeClr val="accent1"/>
+          </a:effectRef>
+          <a:fontRef idx="minor">
+            <a:schemeClr val="lt1"/>
+          </a:fontRef>
+        </p:style>
+        <p:txBody>
+          <a:bodyPr rtlCol="0" anchor="ctr"/>
+          <a:lstStyle/>
+          <a:p>
+            <a:pPr algn="ctr"/>
+            <a:endParaRPr lang="en-US">
+              <a:solidFill>
+                <a:schemeClr val="tx1"/>
+              </a:solidFill>
+            </a:endParaRPr>
           </a:p>
         </p:txBody>
       </p:sp>
@@ -6650,7 +10968,7 @@
           <p:nvPr>
             <p:extLst>
               <p:ext uri="{D42A27DB-BD31-4B8C-83A1-F6EECF244321}">
-                <p14:modId xmlns:p14="http://schemas.microsoft.com/office/powerpoint/2010/main" val="560118899"/>
+                <p14:modId xmlns:p14="http://schemas.microsoft.com/office/powerpoint/2010/main" val="6840595"/>
               </p:ext>
             </p:extLst>
           </p:nvPr>
@@ -6664,14 +10982,14 @@
             <a:tbl>
               <a:tblPr/>
               <a:tblGrid>
-                <a:gridCol w="2986104">
+                <a:gridCol w="3442855">
                   <a:extLst>
                     <a:ext uri="{9D8B030D-6E8A-4147-A177-3AD203B41FA5}">
                       <a16:colId xmlns:a16="http://schemas.microsoft.com/office/drawing/2014/main" val="2436281390"/>
                     </a:ext>
                   </a:extLst>
                 </a:gridCol>
-                <a:gridCol w="6924052">
+                <a:gridCol w="6467301">
                   <a:extLst>
                     <a:ext uri="{9D8B030D-6E8A-4147-A177-3AD203B41FA5}">
                       <a16:colId xmlns:a16="http://schemas.microsoft.com/office/drawing/2014/main" val="3072403452"/>
@@ -7184,41 +11502,6 @@
           </a:p>
         </p:txBody>
       </p:sp>
-      <p:sp>
-        <p:nvSpPr>
-          <p:cNvPr id="4" name="TextBox 3">
-            <a:extLst>
-              <a:ext uri="{FF2B5EF4-FFF2-40B4-BE49-F238E27FC236}">
-                <a16:creationId xmlns:a16="http://schemas.microsoft.com/office/drawing/2014/main" id="{233B31AC-A050-D641-7A85-A55523C7D819}"/>
-              </a:ext>
-            </a:extLst>
-          </p:cNvPr>
-          <p:cNvSpPr txBox="1"/>
-          <p:nvPr/>
-        </p:nvSpPr>
-        <p:spPr>
-          <a:xfrm>
-            <a:off x="7753019" y="1364481"/>
-            <a:ext cx="3543977" cy="369332"/>
-          </a:xfrm>
-          <a:prstGeom prst="rect">
-            <a:avLst/>
-          </a:prstGeom>
-          <a:noFill/>
-        </p:spPr>
-        <p:txBody>
-          <a:bodyPr wrap="square" rtlCol="0">
-            <a:spAutoFit/>
-          </a:bodyPr>
-          <a:lstStyle/>
-          <a:p>
-            <a:r>
-              <a:rPr lang="en-US" dirty="0"/>
-              <a:t>JOSH – EXPLAIN..</a:t>
-            </a:r>
-          </a:p>
-        </p:txBody>
-      </p:sp>
     </p:spTree>
     <p:extLst>
       <p:ext uri="{BB962C8B-B14F-4D97-AF65-F5344CB8AC3E}">
@@ -7240,7 +11523,7 @@
         <p:cNvPr id="1" name="">
           <a:extLst>
             <a:ext uri="{FF2B5EF4-FFF2-40B4-BE49-F238E27FC236}">
-              <a16:creationId xmlns:a16="http://schemas.microsoft.com/office/drawing/2014/main" id="{583841F6-745A-6365-423E-2E232C5262B2}"/>
+              <a16:creationId xmlns:a16="http://schemas.microsoft.com/office/drawing/2014/main" id="{0E36BEDC-79FB-A1EA-A84B-C23DF43F543A}"/>
             </a:ext>
           </a:extLst>
         </p:cNvPr>
@@ -7260,7 +11543,7 @@
           <p:cNvPr id="2" name="Title 1">
             <a:extLst>
               <a:ext uri="{FF2B5EF4-FFF2-40B4-BE49-F238E27FC236}">
-                <a16:creationId xmlns:a16="http://schemas.microsoft.com/office/drawing/2014/main" id="{4441D917-56A4-5D7A-393B-700318B8FB09}"/>
+                <a16:creationId xmlns:a16="http://schemas.microsoft.com/office/drawing/2014/main" id="{F3729B2F-46A7-8A32-C676-E84364D91CAE}"/>
               </a:ext>
             </a:extLst>
           </p:cNvPr>
@@ -7281,7 +11564,7 @@
             <a:pPr algn="l"/>
             <a:r>
               <a:rPr lang="en-US" b="1" dirty="0"/>
-              <a:t>EXPERIMENTATIONS</a:t>
+              <a:t>MONTE CARLO SIMULATION</a:t>
             </a:r>
             <a:endParaRPr lang="en-US" dirty="0"/>
           </a:p>
@@ -7289,49 +11572,10 @@
       </p:sp>
       <p:sp>
         <p:nvSpPr>
-          <p:cNvPr id="3" name="Subtitle 2">
-            <a:extLst>
-              <a:ext uri="{FF2B5EF4-FFF2-40B4-BE49-F238E27FC236}">
-                <a16:creationId xmlns:a16="http://schemas.microsoft.com/office/drawing/2014/main" id="{42F0E42A-0A66-4F30-E21D-EEAA44F4DE75}"/>
-              </a:ext>
-            </a:extLst>
-          </p:cNvPr>
-          <p:cNvSpPr>
-            <a:spLocks noGrp="1"/>
-          </p:cNvSpPr>
-          <p:nvPr>
-            <p:ph idx="1"/>
-          </p:nvPr>
-        </p:nvSpPr>
-        <p:spPr/>
-        <p:txBody>
-          <a:bodyPr>
-            <a:normAutofit/>
-          </a:bodyPr>
-          <a:lstStyle/>
-          <a:p>
-            <a:pPr marL="0" indent="0" algn="l">
-              <a:buNone/>
-            </a:pPr>
-            <a:endParaRPr lang="en-US" sz="2000" i="1" dirty="0"/>
-          </a:p>
-          <a:p>
-            <a:pPr marL="0" indent="0" algn="l">
-              <a:buNone/>
-            </a:pPr>
-            <a:r>
-              <a:rPr lang="en-US" sz="2400" i="1" dirty="0"/>
-              <a:t>??</a:t>
-            </a:r>
-          </a:p>
-        </p:txBody>
-      </p:sp>
-      <p:sp>
-        <p:nvSpPr>
-          <p:cNvPr id="4" name="Rectangle 3">
-            <a:extLst>
-              <a:ext uri="{FF2B5EF4-FFF2-40B4-BE49-F238E27FC236}">
-                <a16:creationId xmlns:a16="http://schemas.microsoft.com/office/drawing/2014/main" id="{8172AB9E-E07E-947A-BE2F-1AD12AEF5AC2}"/>
+          <p:cNvPr id="9" name="Rectangle 8">
+            <a:extLst>
+              <a:ext uri="{FF2B5EF4-FFF2-40B4-BE49-F238E27FC236}">
+                <a16:creationId xmlns:a16="http://schemas.microsoft.com/office/drawing/2014/main" id="{A55B69E2-51AB-2D31-2E3D-016AF5AEFF4B}"/>
               </a:ext>
             </a:extLst>
           </p:cNvPr>
@@ -7380,10 +11624,10 @@
       </p:sp>
       <p:sp>
         <p:nvSpPr>
-          <p:cNvPr id="6" name="TextBox 5">
-            <a:extLst>
-              <a:ext uri="{FF2B5EF4-FFF2-40B4-BE49-F238E27FC236}">
-                <a16:creationId xmlns:a16="http://schemas.microsoft.com/office/drawing/2014/main" id="{DF8C5438-A59F-38B4-6A20-C87C3E57C60D}"/>
+          <p:cNvPr id="10" name="TextBox 9">
+            <a:extLst>
+              <a:ext uri="{FF2B5EF4-FFF2-40B4-BE49-F238E27FC236}">
+                <a16:creationId xmlns:a16="http://schemas.microsoft.com/office/drawing/2014/main" id="{0CAF3476-0B67-A712-26BF-22671694EAE6}"/>
               </a:ext>
             </a:extLst>
           </p:cNvPr>
@@ -7418,87 +11662,12 @@
           </a:p>
         </p:txBody>
       </p:sp>
-      <p:sp>
-        <p:nvSpPr>
-          <p:cNvPr id="5" name="AutoShape 2" descr="Output image">
-            <a:extLst>
-              <a:ext uri="{FF2B5EF4-FFF2-40B4-BE49-F238E27FC236}">
-                <a16:creationId xmlns:a16="http://schemas.microsoft.com/office/drawing/2014/main" id="{E28A4EDB-E04A-1850-2992-1033F995B637}"/>
-              </a:ext>
-            </a:extLst>
-          </p:cNvPr>
-          <p:cNvSpPr>
-            <a:spLocks noChangeAspect="1" noChangeArrowheads="1"/>
-          </p:cNvSpPr>
-          <p:nvPr/>
-        </p:nvSpPr>
-        <p:spPr bwMode="auto">
-          <a:xfrm>
-            <a:off x="5943600" y="3276600"/>
-            <a:ext cx="304800" cy="304800"/>
-          </a:xfrm>
-          <a:prstGeom prst="rect">
-            <a:avLst/>
-          </a:prstGeom>
-          <a:noFill/>
-          <a:extLst>
-            <a:ext uri="{909E8E84-426E-40DD-AFC4-6F175D3DCCD1}">
-              <a14:hiddenFill xmlns:a14="http://schemas.microsoft.com/office/drawing/2010/main">
-                <a:solidFill>
-                  <a:srgbClr val="FFFFFF"/>
-                </a:solidFill>
-              </a14:hiddenFill>
-            </a:ext>
-          </a:extLst>
-        </p:spPr>
-        <p:txBody>
-          <a:bodyPr vert="horz" wrap="square" lIns="91440" tIns="45720" rIns="91440" bIns="45720" numCol="1" anchor="t" anchorCtr="0" compatLnSpc="1">
-            <a:prstTxWarp prst="textNoShape">
-              <a:avLst/>
-            </a:prstTxWarp>
-          </a:bodyPr>
-          <a:lstStyle/>
-          <a:p>
-            <a:endParaRPr lang="en-US"/>
-          </a:p>
-        </p:txBody>
-      </p:sp>
       <p:pic>
         <p:nvPicPr>
-          <p:cNvPr id="7" name="Picture 6">
-            <a:extLst>
-              <a:ext uri="{FF2B5EF4-FFF2-40B4-BE49-F238E27FC236}">
-                <a16:creationId xmlns:a16="http://schemas.microsoft.com/office/drawing/2014/main" id="{6F43E06D-4B1A-C2DE-2B59-9B08F5D05723}"/>
-              </a:ext>
-            </a:extLst>
-          </p:cNvPr>
-          <p:cNvPicPr>
-            <a:picLocks noChangeAspect="1"/>
-          </p:cNvPicPr>
-          <p:nvPr/>
-        </p:nvPicPr>
-        <p:blipFill>
-          <a:blip r:embed="rId2"/>
-          <a:stretch>
-            <a:fillRect/>
-          </a:stretch>
-        </p:blipFill>
-        <p:spPr>
-          <a:xfrm>
-            <a:off x="947560" y="1690688"/>
-            <a:ext cx="3403156" cy="3310266"/>
-          </a:xfrm>
-          <a:prstGeom prst="rect">
-            <a:avLst/>
-          </a:prstGeom>
-        </p:spPr>
-      </p:pic>
-      <p:pic>
-        <p:nvPicPr>
-          <p:cNvPr id="8" name="Picture 7">
-            <a:extLst>
-              <a:ext uri="{FF2B5EF4-FFF2-40B4-BE49-F238E27FC236}">
-                <a16:creationId xmlns:a16="http://schemas.microsoft.com/office/drawing/2014/main" id="{1E914743-3704-7229-3BEA-C12B6B4D96E0}"/>
+          <p:cNvPr id="5" name="Picture 4">
+            <a:extLst>
+              <a:ext uri="{FF2B5EF4-FFF2-40B4-BE49-F238E27FC236}">
+                <a16:creationId xmlns:a16="http://schemas.microsoft.com/office/drawing/2014/main" id="{7541F324-DEA9-6792-7275-5D3377864D94}"/>
               </a:ext>
             </a:extLst>
           </p:cNvPr>
@@ -7515,8 +11684,8 @@
         </p:blipFill>
         <p:spPr>
           <a:xfrm>
-            <a:off x="4393573" y="1606548"/>
-            <a:ext cx="3469783" cy="3478545"/>
+            <a:off x="6096000" y="1300010"/>
+            <a:ext cx="4694614" cy="5366328"/>
           </a:xfrm>
           <a:prstGeom prst="rect">
             <a:avLst/>
@@ -7525,10 +11694,10 @@
       </p:pic>
       <p:pic>
         <p:nvPicPr>
-          <p:cNvPr id="9" name="Picture 8">
-            <a:extLst>
-              <a:ext uri="{FF2B5EF4-FFF2-40B4-BE49-F238E27FC236}">
-                <a16:creationId xmlns:a16="http://schemas.microsoft.com/office/drawing/2014/main" id="{4921AC54-DF87-F17D-590E-C5CB1AB22FFB}"/>
+          <p:cNvPr id="4" name="Picture 3">
+            <a:extLst>
+              <a:ext uri="{FF2B5EF4-FFF2-40B4-BE49-F238E27FC236}">
+                <a16:creationId xmlns:a16="http://schemas.microsoft.com/office/drawing/2014/main" id="{6665133F-BF9C-91A6-F579-9D7BFB3F9F02}"/>
               </a:ext>
             </a:extLst>
           </p:cNvPr>
@@ -7545,8 +11714,8 @@
         </p:blipFill>
         <p:spPr>
           <a:xfrm>
-            <a:off x="7989625" y="1606548"/>
-            <a:ext cx="3237906" cy="3189579"/>
+            <a:off x="958735" y="1333260"/>
+            <a:ext cx="4699089" cy="3629437"/>
           </a:xfrm>
           <a:prstGeom prst="rect">
             <a:avLst/>
@@ -7555,43 +11724,112 @@
       </p:pic>
       <p:sp>
         <p:nvSpPr>
-          <p:cNvPr id="10" name="TextBox 9">
-            <a:extLst>
-              <a:ext uri="{FF2B5EF4-FFF2-40B4-BE49-F238E27FC236}">
-                <a16:creationId xmlns:a16="http://schemas.microsoft.com/office/drawing/2014/main" id="{1A0939D5-61CF-FC53-C681-E8A9B39521DD}"/>
-              </a:ext>
-            </a:extLst>
-          </p:cNvPr>
-          <p:cNvSpPr txBox="1"/>
+          <p:cNvPr id="6" name="Rectangle 5">
+            <a:extLst>
+              <a:ext uri="{FF2B5EF4-FFF2-40B4-BE49-F238E27FC236}">
+                <a16:creationId xmlns:a16="http://schemas.microsoft.com/office/drawing/2014/main" id="{9561F25B-9ACD-E60E-93BD-6E784F5F6DE5}"/>
+              </a:ext>
+            </a:extLst>
+          </p:cNvPr>
+          <p:cNvSpPr/>
           <p:nvPr/>
         </p:nvSpPr>
         <p:spPr>
           <a:xfrm>
-            <a:off x="7257724" y="801171"/>
-            <a:ext cx="3543977" cy="369332"/>
+            <a:off x="1188720" y="3640975"/>
+            <a:ext cx="2219498" cy="1039090"/>
           </a:xfrm>
           <a:prstGeom prst="rect">
             <a:avLst/>
           </a:prstGeom>
           <a:noFill/>
-        </p:spPr>
-        <p:txBody>
-          <a:bodyPr wrap="square" rtlCol="0">
-            <a:spAutoFit/>
-          </a:bodyPr>
-          <a:lstStyle/>
-          <a:p>
-            <a:r>
-              <a:rPr lang="en-US" dirty="0"/>
-              <a:t>JOSH – EXPLAIN..</a:t>
-            </a:r>
+          <a:ln w="28575">
+            <a:solidFill>
+              <a:srgbClr val="FFC000"/>
+            </a:solidFill>
+          </a:ln>
+        </p:spPr>
+        <p:style>
+          <a:lnRef idx="2">
+            <a:schemeClr val="accent1">
+              <a:shade val="15000"/>
+            </a:schemeClr>
+          </a:lnRef>
+          <a:fillRef idx="1">
+            <a:schemeClr val="accent1"/>
+          </a:fillRef>
+          <a:effectRef idx="0">
+            <a:schemeClr val="accent1"/>
+          </a:effectRef>
+          <a:fontRef idx="minor">
+            <a:schemeClr val="lt1"/>
+          </a:fontRef>
+        </p:style>
+        <p:txBody>
+          <a:bodyPr rtlCol="0" anchor="ctr"/>
+          <a:lstStyle/>
+          <a:p>
+            <a:pPr algn="ctr"/>
+            <a:endParaRPr lang="en-US"/>
+          </a:p>
+        </p:txBody>
+      </p:sp>
+      <p:sp>
+        <p:nvSpPr>
+          <p:cNvPr id="7" name="Rectangle 6">
+            <a:extLst>
+              <a:ext uri="{FF2B5EF4-FFF2-40B4-BE49-F238E27FC236}">
+                <a16:creationId xmlns:a16="http://schemas.microsoft.com/office/drawing/2014/main" id="{24F5A1F9-F0F4-00B1-CCAE-BD56C27E4E86}"/>
+              </a:ext>
+            </a:extLst>
+          </p:cNvPr>
+          <p:cNvSpPr/>
+          <p:nvPr/>
+        </p:nvSpPr>
+        <p:spPr>
+          <a:xfrm>
+            <a:off x="6207182" y="1845425"/>
+            <a:ext cx="3701587" cy="961722"/>
+          </a:xfrm>
+          <a:prstGeom prst="rect">
+            <a:avLst/>
+          </a:prstGeom>
+          <a:noFill/>
+          <a:ln w="28575">
+            <a:solidFill>
+              <a:srgbClr val="FFC000"/>
+            </a:solidFill>
+          </a:ln>
+        </p:spPr>
+        <p:style>
+          <a:lnRef idx="2">
+            <a:schemeClr val="accent1">
+              <a:shade val="15000"/>
+            </a:schemeClr>
+          </a:lnRef>
+          <a:fillRef idx="1">
+            <a:schemeClr val="accent1"/>
+          </a:fillRef>
+          <a:effectRef idx="0">
+            <a:schemeClr val="accent1"/>
+          </a:effectRef>
+          <a:fontRef idx="minor">
+            <a:schemeClr val="lt1"/>
+          </a:fontRef>
+        </p:style>
+        <p:txBody>
+          <a:bodyPr rtlCol="0" anchor="ctr"/>
+          <a:lstStyle/>
+          <a:p>
+            <a:pPr algn="ctr"/>
+            <a:endParaRPr lang="en-US"/>
           </a:p>
         </p:txBody>
       </p:sp>
     </p:spTree>
     <p:extLst>
       <p:ext uri="{BB962C8B-B14F-4D97-AF65-F5344CB8AC3E}">
-        <p14:creationId xmlns:p14="http://schemas.microsoft.com/office/powerpoint/2010/main" val="721714179"/>
+        <p14:creationId xmlns:p14="http://schemas.microsoft.com/office/powerpoint/2010/main" val="3048562268"/>
       </p:ext>
     </p:extLst>
   </p:cSld>
@@ -7609,7 +11847,7 @@
         <p:cNvPr id="1" name="">
           <a:extLst>
             <a:ext uri="{FF2B5EF4-FFF2-40B4-BE49-F238E27FC236}">
-              <a16:creationId xmlns:a16="http://schemas.microsoft.com/office/drawing/2014/main" id="{A92F35A9-FE58-391A-7D26-F916A958EAD8}"/>
+              <a16:creationId xmlns:a16="http://schemas.microsoft.com/office/drawing/2014/main" id="{0BE375FB-EE1E-16BA-E5AB-27C2BEBF2A89}"/>
             </a:ext>
           </a:extLst>
         </p:cNvPr>
@@ -7629,7 +11867,7 @@
           <p:cNvPr id="2" name="Title 1">
             <a:extLst>
               <a:ext uri="{FF2B5EF4-FFF2-40B4-BE49-F238E27FC236}">
-                <a16:creationId xmlns:a16="http://schemas.microsoft.com/office/drawing/2014/main" id="{014FB0F3-5E32-1D6A-9863-6D63950D62CB}"/>
+                <a16:creationId xmlns:a16="http://schemas.microsoft.com/office/drawing/2014/main" id="{A5E26B2D-9EB7-738A-27C5-10BB69BAE0CB}"/>
               </a:ext>
             </a:extLst>
           </p:cNvPr>
@@ -7650,7 +11888,7 @@
             <a:pPr algn="l"/>
             <a:r>
               <a:rPr lang="en-US" b="1" dirty="0"/>
-              <a:t>ANALYSIS</a:t>
+              <a:t>EXPERIMENTATIONS</a:t>
             </a:r>
             <a:endParaRPr lang="en-US" dirty="0"/>
           </a:p>
@@ -7658,49 +11896,10 @@
       </p:sp>
       <p:sp>
         <p:nvSpPr>
-          <p:cNvPr id="3" name="Subtitle 2">
-            <a:extLst>
-              <a:ext uri="{FF2B5EF4-FFF2-40B4-BE49-F238E27FC236}">
-                <a16:creationId xmlns:a16="http://schemas.microsoft.com/office/drawing/2014/main" id="{47822CFB-877C-1051-E317-43C1CE0F4F66}"/>
-              </a:ext>
-            </a:extLst>
-          </p:cNvPr>
-          <p:cNvSpPr>
-            <a:spLocks noGrp="1"/>
-          </p:cNvSpPr>
-          <p:nvPr>
-            <p:ph idx="1"/>
-          </p:nvPr>
-        </p:nvSpPr>
-        <p:spPr/>
-        <p:txBody>
-          <a:bodyPr>
-            <a:normAutofit/>
-          </a:bodyPr>
-          <a:lstStyle/>
-          <a:p>
-            <a:pPr marL="0" indent="0" algn="l">
-              <a:buNone/>
-            </a:pPr>
-            <a:endParaRPr lang="en-US" sz="2000" i="1" dirty="0"/>
-          </a:p>
-          <a:p>
-            <a:pPr marL="0" indent="0" algn="l">
-              <a:buNone/>
-            </a:pPr>
-            <a:r>
-              <a:rPr lang="en-US" sz="2400" i="1" dirty="0"/>
-              <a:t>???</a:t>
-            </a:r>
-          </a:p>
-        </p:txBody>
-      </p:sp>
-      <p:sp>
-        <p:nvSpPr>
-          <p:cNvPr id="6" name="Rectangle 5">
-            <a:extLst>
-              <a:ext uri="{FF2B5EF4-FFF2-40B4-BE49-F238E27FC236}">
-                <a16:creationId xmlns:a16="http://schemas.microsoft.com/office/drawing/2014/main" id="{479A875A-170D-0D41-5694-F1B007F71441}"/>
+          <p:cNvPr id="4" name="Rectangle 3">
+            <a:extLst>
+              <a:ext uri="{FF2B5EF4-FFF2-40B4-BE49-F238E27FC236}">
+                <a16:creationId xmlns:a16="http://schemas.microsoft.com/office/drawing/2014/main" id="{8BBE8596-DC3B-9E83-5152-1F4F4047E7F5}"/>
               </a:ext>
             </a:extLst>
           </p:cNvPr>
@@ -7716,7 +11915,7 @@
             <a:avLst/>
           </a:prstGeom>
           <a:solidFill>
-            <a:srgbClr val="C00000"/>
+            <a:srgbClr val="7030A0"/>
           </a:solidFill>
           <a:ln>
             <a:noFill/>
@@ -7749,10 +11948,10 @@
       </p:sp>
       <p:sp>
         <p:nvSpPr>
-          <p:cNvPr id="7" name="TextBox 6">
-            <a:extLst>
-              <a:ext uri="{FF2B5EF4-FFF2-40B4-BE49-F238E27FC236}">
-                <a16:creationId xmlns:a16="http://schemas.microsoft.com/office/drawing/2014/main" id="{FB54595E-8F83-24BF-539B-5265A7199C1F}"/>
+          <p:cNvPr id="6" name="TextBox 5">
+            <a:extLst>
+              <a:ext uri="{FF2B5EF4-FFF2-40B4-BE49-F238E27FC236}">
+                <a16:creationId xmlns:a16="http://schemas.microsoft.com/office/drawing/2014/main" id="{C1E8052C-4125-2AAA-1128-0A02CB5D0568}"/>
               </a:ext>
             </a:extLst>
           </p:cNvPr>
@@ -7782,50 +11981,128 @@
                   <a:schemeClr val="bg1"/>
                 </a:solidFill>
               </a:rPr>
-              <a:t>INSIGHT</a:t>
-            </a:r>
-          </a:p>
-        </p:txBody>
-      </p:sp>
-      <p:sp>
-        <p:nvSpPr>
-          <p:cNvPr id="4" name="TextBox 3">
-            <a:extLst>
-              <a:ext uri="{FF2B5EF4-FFF2-40B4-BE49-F238E27FC236}">
-                <a16:creationId xmlns:a16="http://schemas.microsoft.com/office/drawing/2014/main" id="{CA216034-78F9-31DD-F074-E69A05C6C8CF}"/>
-              </a:ext>
-            </a:extLst>
-          </p:cNvPr>
-          <p:cNvSpPr txBox="1"/>
+              <a:t>SIM</a:t>
+            </a:r>
+          </a:p>
+        </p:txBody>
+      </p:sp>
+      <p:pic>
+        <p:nvPicPr>
+          <p:cNvPr id="7" name="Picture 6">
+            <a:extLst>
+              <a:ext uri="{FF2B5EF4-FFF2-40B4-BE49-F238E27FC236}">
+                <a16:creationId xmlns:a16="http://schemas.microsoft.com/office/drawing/2014/main" id="{E4829894-31BF-DC28-D0B0-3A2BEEE905BE}"/>
+              </a:ext>
+            </a:extLst>
+          </p:cNvPr>
+          <p:cNvPicPr>
+            <a:picLocks noChangeAspect="1"/>
+          </p:cNvPicPr>
           <p:nvPr/>
-        </p:nvSpPr>
-        <p:spPr>
-          <a:xfrm>
-            <a:off x="7440442" y="859442"/>
-            <a:ext cx="3543977" cy="369332"/>
+        </p:nvPicPr>
+        <p:blipFill>
+          <a:blip r:embed="rId2"/>
+          <a:srcRect r="602"/>
+          <a:stretch>
+            <a:fillRect/>
+          </a:stretch>
+        </p:blipFill>
+        <p:spPr>
+          <a:xfrm>
+            <a:off x="954578" y="1369043"/>
+            <a:ext cx="5257800" cy="5123832"/>
           </a:xfrm>
           <a:prstGeom prst="rect">
             <a:avLst/>
           </a:prstGeom>
+        </p:spPr>
+      </p:pic>
+      <p:pic>
+        <p:nvPicPr>
+          <p:cNvPr id="10" name="Picture 9">
+            <a:extLst>
+              <a:ext uri="{FF2B5EF4-FFF2-40B4-BE49-F238E27FC236}">
+                <a16:creationId xmlns:a16="http://schemas.microsoft.com/office/drawing/2014/main" id="{0F18ECD1-A5F4-8C60-CC0B-17B112F82631}"/>
+              </a:ext>
+            </a:extLst>
+          </p:cNvPr>
+          <p:cNvPicPr>
+            <a:picLocks noChangeAspect="1"/>
+          </p:cNvPicPr>
+          <p:nvPr/>
+        </p:nvPicPr>
+        <p:blipFill>
+          <a:blip r:embed="rId3"/>
+          <a:stretch>
+            <a:fillRect/>
+          </a:stretch>
+        </p:blipFill>
+        <p:spPr>
+          <a:xfrm>
+            <a:off x="6456216" y="2459948"/>
+            <a:ext cx="5213465" cy="4067648"/>
+          </a:xfrm>
+          <a:prstGeom prst="rect">
+            <a:avLst/>
+          </a:prstGeom>
+        </p:spPr>
+      </p:pic>
+      <p:sp>
+        <p:nvSpPr>
+          <p:cNvPr id="11" name="Rectangle 10">
+            <a:extLst>
+              <a:ext uri="{FF2B5EF4-FFF2-40B4-BE49-F238E27FC236}">
+                <a16:creationId xmlns:a16="http://schemas.microsoft.com/office/drawing/2014/main" id="{D1CE6EB3-7F62-0699-9A9F-B5CF71395DE9}"/>
+              </a:ext>
+            </a:extLst>
+          </p:cNvPr>
+          <p:cNvSpPr/>
+          <p:nvPr/>
+        </p:nvSpPr>
+        <p:spPr>
+          <a:xfrm>
+            <a:off x="954577" y="3958778"/>
+            <a:ext cx="2860965" cy="538407"/>
+          </a:xfrm>
+          <a:prstGeom prst="rect">
+            <a:avLst/>
+          </a:prstGeom>
           <a:noFill/>
-        </p:spPr>
-        <p:txBody>
-          <a:bodyPr wrap="square" rtlCol="0">
-            <a:spAutoFit/>
-          </a:bodyPr>
-          <a:lstStyle/>
-          <a:p>
-            <a:r>
-              <a:rPr lang="en-US" dirty="0"/>
-              <a:t>M – EXPLAIN..</a:t>
-            </a:r>
+          <a:ln w="28575">
+            <a:solidFill>
+              <a:srgbClr val="FFC000"/>
+            </a:solidFill>
+          </a:ln>
+        </p:spPr>
+        <p:style>
+          <a:lnRef idx="2">
+            <a:schemeClr val="accent1">
+              <a:shade val="15000"/>
+            </a:schemeClr>
+          </a:lnRef>
+          <a:fillRef idx="1">
+            <a:schemeClr val="accent1"/>
+          </a:fillRef>
+          <a:effectRef idx="0">
+            <a:schemeClr val="accent1"/>
+          </a:effectRef>
+          <a:fontRef idx="minor">
+            <a:schemeClr val="lt1"/>
+          </a:fontRef>
+        </p:style>
+        <p:txBody>
+          <a:bodyPr rtlCol="0" anchor="ctr"/>
+          <a:lstStyle/>
+          <a:p>
+            <a:pPr algn="ctr"/>
+            <a:endParaRPr lang="en-US"/>
           </a:p>
         </p:txBody>
       </p:sp>
     </p:spTree>
     <p:extLst>
       <p:ext uri="{BB962C8B-B14F-4D97-AF65-F5344CB8AC3E}">
-        <p14:creationId xmlns:p14="http://schemas.microsoft.com/office/powerpoint/2010/main" val="662320822"/>
+        <p14:creationId xmlns:p14="http://schemas.microsoft.com/office/powerpoint/2010/main" val="1710207944"/>
       </p:ext>
     </p:extLst>
   </p:cSld>
